--- a/slides/第3讲.pptx
+++ b/slides/第3讲.pptx
@@ -1500,7 +1500,7 @@
           <a:p>
             <a:fld id="{59493D29-A96E-4F02-A4FF-00609BBA5A4F}" type="datetimeFigureOut">
               <a:rPr lang="zh-CN" altLang="en-US" smtClean="0"/>
-              <a:t>2019/9/15</a:t>
+              <a:t>2020/9/16</a:t>
             </a:fld>
             <a:endParaRPr lang="zh-CN" altLang="en-US"/>
           </a:p>
@@ -1938,7 +1938,7 @@
           <a:p>
             <a:r>
               <a:rPr lang="en-US" altLang="zh-CN" dirty="0" smtClean="0"/>
-              <a:t>2019</a:t>
+              <a:t>2020</a:t>
             </a:r>
             <a:r>
               <a:rPr lang="zh-CN" altLang="en-US" dirty="0" smtClean="0"/>
@@ -1954,7 +1954,7 @@
             </a:r>
             <a:r>
               <a:rPr lang="en-US" altLang="zh-CN" smtClean="0"/>
-              <a:t>19</a:t>
+              <a:t>17</a:t>
             </a:r>
             <a:r>
               <a:rPr lang="zh-CN" altLang="en-US" smtClean="0"/>
@@ -2056,11 +2056,7 @@
             </a:r>
             <a:r>
               <a:rPr lang="zh-CN" altLang="en-US" dirty="0" smtClean="0"/>
-              <a:t>绘制二维等高线</a:t>
-            </a:r>
-            <a:r>
-              <a:rPr lang="zh-CN" altLang="en-US" dirty="0" smtClean="0"/>
-              <a:t>、</a:t>
+              <a:t>绘制二维等高线、</a:t>
             </a:r>
             <a:r>
               <a:rPr lang="en-US" altLang="zh-CN" dirty="0" smtClean="0"/>
@@ -2068,15 +2064,7 @@
             </a:r>
             <a:r>
               <a:rPr lang="zh-CN" altLang="en-US" dirty="0" smtClean="0"/>
-              <a:t>绘制</a:t>
-            </a:r>
-            <a:r>
-              <a:rPr lang="zh-CN" altLang="en-US" dirty="0" smtClean="0"/>
-              <a:t>三维</a:t>
-            </a:r>
-            <a:r>
-              <a:rPr lang="zh-CN" altLang="en-US" dirty="0" smtClean="0"/>
-              <a:t>等高线</a:t>
+              <a:t>绘制三维等高线</a:t>
             </a:r>
             <a:endParaRPr lang="zh-CN" altLang="en-US" dirty="0"/>
           </a:p>
@@ -2491,7 +2479,6 @@
               <a:rPr lang="zh-CN" altLang="en-US" dirty="0"/>
               <a:t>绘制三维等高面</a:t>
             </a:r>
-            <a:endParaRPr lang="zh-CN" altLang="en-US" dirty="0"/>
           </a:p>
         </p:txBody>
       </p:sp>
@@ -12126,11 +12113,7 @@
             </a:r>
             <a:r>
               <a:rPr lang="zh-CN" altLang="en-US" dirty="0" smtClean="0"/>
-              <a:t>绘制直方图</a:t>
-            </a:r>
-            <a:r>
-              <a:rPr lang="zh-CN" altLang="en-US" dirty="0" smtClean="0"/>
-              <a:t>、</a:t>
+              <a:t>绘制直方图、</a:t>
             </a:r>
             <a:r>
               <a:rPr lang="en-US" altLang="zh-CN" dirty="0" smtClean="0"/>

--- a/slides/第3讲.pptx
+++ b/slides/第3讲.pptx
@@ -12,25 +12,26 @@
     <p:sldId id="260" r:id="rId6"/>
     <p:sldId id="271" r:id="rId7"/>
     <p:sldId id="261" r:id="rId8"/>
-    <p:sldId id="262" r:id="rId9"/>
-    <p:sldId id="281" r:id="rId10"/>
-    <p:sldId id="263" r:id="rId11"/>
-    <p:sldId id="282" r:id="rId12"/>
-    <p:sldId id="264" r:id="rId13"/>
-    <p:sldId id="265" r:id="rId14"/>
-    <p:sldId id="266" r:id="rId15"/>
-    <p:sldId id="268" r:id="rId16"/>
-    <p:sldId id="267" r:id="rId17"/>
-    <p:sldId id="269" r:id="rId18"/>
-    <p:sldId id="270" r:id="rId19"/>
-    <p:sldId id="272" r:id="rId20"/>
-    <p:sldId id="274" r:id="rId21"/>
-    <p:sldId id="273" r:id="rId22"/>
-    <p:sldId id="276" r:id="rId23"/>
-    <p:sldId id="277" r:id="rId24"/>
-    <p:sldId id="278" r:id="rId25"/>
-    <p:sldId id="280" r:id="rId26"/>
-    <p:sldId id="279" r:id="rId27"/>
+    <p:sldId id="283" r:id="rId9"/>
+    <p:sldId id="262" r:id="rId10"/>
+    <p:sldId id="281" r:id="rId11"/>
+    <p:sldId id="263" r:id="rId12"/>
+    <p:sldId id="282" r:id="rId13"/>
+    <p:sldId id="264" r:id="rId14"/>
+    <p:sldId id="265" r:id="rId15"/>
+    <p:sldId id="266" r:id="rId16"/>
+    <p:sldId id="268" r:id="rId17"/>
+    <p:sldId id="267" r:id="rId18"/>
+    <p:sldId id="269" r:id="rId19"/>
+    <p:sldId id="270" r:id="rId20"/>
+    <p:sldId id="272" r:id="rId21"/>
+    <p:sldId id="274" r:id="rId22"/>
+    <p:sldId id="273" r:id="rId23"/>
+    <p:sldId id="276" r:id="rId24"/>
+    <p:sldId id="277" r:id="rId25"/>
+    <p:sldId id="278" r:id="rId26"/>
+    <p:sldId id="280" r:id="rId27"/>
+    <p:sldId id="279" r:id="rId28"/>
   </p:sldIdLst>
   <p:sldSz cx="9144000" cy="6858000" type="screen4x3"/>
   <p:notesSz cx="6858000" cy="9144000"/>
@@ -226,7 +227,7 @@
           <a:p>
             <a:pPr algn="r"/>
             <a:r>
-              <a:rPr lang="en-US" altLang="zh-CN" sz="6000" spc="500" baseline="0" dirty="0" smtClean="0">
+              <a:rPr lang="en-US" altLang="zh-CN" sz="6000" spc="500" baseline="0" dirty="0">
                 <a:solidFill>
                   <a:schemeClr val="bg1"/>
                 </a:solidFill>
@@ -236,7 +237,7 @@
               <a:t>MATLAB</a:t>
             </a:r>
             <a:r>
-              <a:rPr lang="zh-CN" altLang="en-US" sz="6000" spc="500" baseline="0" dirty="0" smtClean="0">
+              <a:rPr lang="zh-CN" altLang="en-US" sz="6000" spc="500" baseline="0" dirty="0">
                 <a:solidFill>
                   <a:schemeClr val="bg1"/>
                 </a:solidFill>
@@ -245,13 +246,6 @@
               </a:rPr>
               <a:t>编程</a:t>
             </a:r>
-            <a:endParaRPr lang="zh-CN" altLang="en-US" sz="6000" spc="500" baseline="0" dirty="0">
-              <a:solidFill>
-                <a:schemeClr val="bg1"/>
-              </a:solidFill>
-              <a:latin typeface="微软雅黑" panose="020B0503020204020204" pitchFamily="34" charset="-122"/>
-              <a:ea typeface="微软雅黑" panose="020B0503020204020204" pitchFamily="34" charset="-122"/>
-            </a:endParaRPr>
           </a:p>
         </p:txBody>
       </p:sp>
@@ -292,10 +286,9 @@
           <a:p>
             <a:pPr lvl="0"/>
             <a:r>
-              <a:rPr lang="zh-CN" altLang="en-US" dirty="0" smtClean="0"/>
+              <a:rPr lang="zh-CN" altLang="en-US" dirty="0"/>
               <a:t>标题</a:t>
             </a:r>
-            <a:endParaRPr lang="zh-CN" altLang="en-US" dirty="0"/>
           </a:p>
         </p:txBody>
       </p:sp>
@@ -323,16 +316,12 @@
           <a:p>
             <a:pPr algn="ctr"/>
             <a:r>
-              <a:rPr lang="zh-CN" altLang="en-US" sz="2000" dirty="0" smtClean="0">
+              <a:rPr lang="zh-CN" altLang="en-US" sz="2000" dirty="0">
                 <a:latin typeface="楷体" panose="02010609060101010101" pitchFamily="49" charset="-122"/>
                 <a:ea typeface="楷体" panose="02010609060101010101" pitchFamily="49" charset="-122"/>
               </a:rPr>
-              <a:t>安徽大学物质科学与信息技术研究院 田野</a:t>
-            </a:r>
-            <a:endParaRPr lang="zh-CN" altLang="en-US" sz="2000" dirty="0">
-              <a:latin typeface="楷体" panose="02010609060101010101" pitchFamily="49" charset="-122"/>
-              <a:ea typeface="楷体" panose="02010609060101010101" pitchFamily="49" charset="-122"/>
-            </a:endParaRPr>
+              <a:t>安徽大学计算机科学与技术学院 田野</a:t>
+            </a:r>
           </a:p>
         </p:txBody>
       </p:sp>
@@ -360,7 +349,7 @@
           <a:p>
             <a:pPr algn="ctr"/>
             <a:r>
-              <a:rPr lang="en-US" altLang="zh-CN" dirty="0" smtClean="0">
+              <a:rPr lang="en-US" altLang="zh-CN" dirty="0">
                 <a:latin typeface="Times New Roman" panose="02020603050405020304" pitchFamily="18" charset="0"/>
                 <a:cs typeface="Times New Roman" panose="02020603050405020304" pitchFamily="18" charset="0"/>
               </a:rPr>
@@ -375,46 +364,6 @@
       </p:sp>
       <p:sp>
         <p:nvSpPr>
-          <p:cNvPr id="14" name="文本占位符 13"/>
-          <p:cNvSpPr>
-            <a:spLocks noGrp="1"/>
-          </p:cNvSpPr>
-          <p:nvPr>
-            <p:ph type="body" sz="quarter" idx="11" hasCustomPrompt="1"/>
-          </p:nvPr>
-        </p:nvSpPr>
-        <p:spPr>
-          <a:xfrm>
-            <a:off x="2772569" y="6206259"/>
-            <a:ext cx="3598863" cy="401638"/>
-          </a:xfrm>
-        </p:spPr>
-        <p:txBody>
-          <a:bodyPr>
-            <a:normAutofit/>
-          </a:bodyPr>
-          <a:lstStyle>
-            <a:lvl1pPr marL="0" indent="0" algn="ctr">
-              <a:buNone/>
-              <a:defRPr sz="1800" baseline="0">
-                <a:latin typeface="Times New Roman" panose="02020603050405020304" pitchFamily="18" charset="0"/>
-                <a:ea typeface="微软雅黑" panose="020B0503020204020204" pitchFamily="34" charset="-122"/>
-                <a:cs typeface="Times New Roman" panose="02020603050405020304" pitchFamily="18" charset="0"/>
-              </a:defRPr>
-            </a:lvl1pPr>
-          </a:lstStyle>
-          <a:p>
-            <a:pPr lvl="0"/>
-            <a:r>
-              <a:rPr lang="zh-CN" altLang="en-US" dirty="0" smtClean="0"/>
-              <a:t>日期</a:t>
-            </a:r>
-            <a:endParaRPr lang="zh-CN" altLang="en-US" dirty="0"/>
-          </a:p>
-        </p:txBody>
-      </p:sp>
-      <p:sp>
-        <p:nvSpPr>
           <p:cNvPr id="9" name="文本框 8"/>
           <p:cNvSpPr txBox="1"/>
           <p:nvPr userDrawn="1"/>
@@ -436,7 +385,7 @@
           <a:lstStyle/>
           <a:p>
             <a:r>
-              <a:rPr lang="en-US" altLang="zh-CN" sz="1400" dirty="0" smtClean="0">
+              <a:rPr lang="en-US" altLang="zh-CN" sz="1400" dirty="0">
                 <a:solidFill>
                   <a:schemeClr val="bg1"/>
                 </a:solidFill>
@@ -485,6 +434,49 @@
           </a:prstGeom>
         </p:spPr>
       </p:pic>
+      <p:sp>
+        <p:nvSpPr>
+          <p:cNvPr id="13" name="文本框 12">
+            <a:extLst>
+              <a:ext uri="{FF2B5EF4-FFF2-40B4-BE49-F238E27FC236}">
+                <a16:creationId xmlns:a16="http://schemas.microsoft.com/office/drawing/2014/main" id="{021D50FB-D233-43A0-B12C-494B3E270626}"/>
+              </a:ext>
+            </a:extLst>
+          </p:cNvPr>
+          <p:cNvSpPr txBox="1"/>
+          <p:nvPr userDrawn="1"/>
+        </p:nvSpPr>
+        <p:spPr>
+          <a:xfrm>
+            <a:off x="3373396" y="6334626"/>
+            <a:ext cx="2397209" cy="369332"/>
+          </a:xfrm>
+          <a:prstGeom prst="rect">
+            <a:avLst/>
+          </a:prstGeom>
+          <a:noFill/>
+        </p:spPr>
+        <p:txBody>
+          <a:bodyPr wrap="square" rtlCol="0">
+            <a:spAutoFit/>
+          </a:bodyPr>
+          <a:lstStyle/>
+          <a:p>
+            <a:pPr algn="ctr"/>
+            <a:fld id="{B8F75A0F-A932-4331-A0F8-1C56B5BA9198}" type="datetime2">
+              <a:rPr lang="zh-CN" altLang="en-US" smtClean="0">
+                <a:latin typeface="微软雅黑 Light" panose="020B0502040204020203" pitchFamily="34" charset="-122"/>
+                <a:ea typeface="微软雅黑 Light" panose="020B0502040204020203" pitchFamily="34" charset="-122"/>
+              </a:rPr>
+              <a:t>2024年2月29日</a:t>
+            </a:fld>
+            <a:endParaRPr lang="zh-CN" altLang="en-US" dirty="0">
+              <a:latin typeface="微软雅黑 Light" panose="020B0502040204020203" pitchFamily="34" charset="-122"/>
+              <a:ea typeface="微软雅黑 Light" panose="020B0502040204020203" pitchFamily="34" charset="-122"/>
+            </a:endParaRPr>
+          </a:p>
+        </p:txBody>
+      </p:sp>
     </p:spTree>
     <p:extLst>
       <p:ext uri="{BB962C8B-B14F-4D97-AF65-F5344CB8AC3E}">
@@ -495,13 +487,6 @@
   <p:clrMapOvr>
     <a:masterClrMapping/>
   </p:clrMapOvr>
-  <p:timing>
-    <p:tnLst>
-      <p:par>
-        <p:cTn id="1" dur="indefinite" restart="never" nodeType="tmRoot"/>
-      </p:par>
-    </p:tnLst>
-  </p:timing>
 </p:sldLayout>
 </file>
 
@@ -575,7 +560,7 @@
           <a:p>
             <a:pPr algn="ctr"/>
             <a:r>
-              <a:rPr lang="en-US" altLang="zh-CN" sz="4000" b="0" dirty="0" smtClean="0">
+              <a:rPr lang="en-US" altLang="zh-CN" sz="4000" b="0" dirty="0">
                 <a:solidFill>
                   <a:schemeClr val="accent5">
                     <a:lumMod val="75000"/>
@@ -635,10 +620,9 @@
           <a:p>
             <a:pPr lvl="0"/>
             <a:r>
-              <a:rPr lang="zh-CN" altLang="en-US" dirty="0" smtClean="0"/>
+              <a:rPr lang="zh-CN" altLang="en-US" dirty="0"/>
               <a:t>章节标题</a:t>
             </a:r>
-            <a:endParaRPr lang="zh-CN" altLang="en-US" dirty="0"/>
           </a:p>
         </p:txBody>
       </p:sp>
@@ -685,7 +669,7 @@
           <a:p>
             <a:pPr algn="ctr"/>
             <a:r>
-              <a:rPr lang="en-US" altLang="zh-CN" sz="4000" b="0" dirty="0" smtClean="0">
+              <a:rPr lang="en-US" altLang="zh-CN" sz="4000" b="0" dirty="0">
                 <a:solidFill>
                   <a:schemeClr val="accent5">
                     <a:lumMod val="75000"/>
@@ -745,10 +729,9 @@
           <a:p>
             <a:pPr lvl="0"/>
             <a:r>
-              <a:rPr lang="zh-CN" altLang="en-US" dirty="0" smtClean="0"/>
+              <a:rPr lang="zh-CN" altLang="en-US" dirty="0"/>
               <a:t>章节标题</a:t>
             </a:r>
-            <a:endParaRPr lang="zh-CN" altLang="en-US" dirty="0"/>
           </a:p>
         </p:txBody>
       </p:sp>
@@ -795,7 +778,7 @@
           <a:p>
             <a:pPr algn="ctr"/>
             <a:r>
-              <a:rPr lang="en-US" altLang="zh-CN" sz="4000" b="0" dirty="0" smtClean="0">
+              <a:rPr lang="en-US" altLang="zh-CN" sz="4000" b="0" dirty="0">
                 <a:solidFill>
                   <a:schemeClr val="accent5">
                     <a:lumMod val="75000"/>
@@ -855,10 +838,9 @@
           <a:p>
             <a:pPr lvl="0"/>
             <a:r>
-              <a:rPr lang="zh-CN" altLang="en-US" dirty="0" smtClean="0"/>
+              <a:rPr lang="zh-CN" altLang="en-US" dirty="0"/>
               <a:t>章节标题</a:t>
             </a:r>
-            <a:endParaRPr lang="zh-CN" altLang="en-US" dirty="0"/>
           </a:p>
         </p:txBody>
       </p:sp>
@@ -872,13 +854,6 @@
   <p:clrMapOvr>
     <a:masterClrMapping/>
   </p:clrMapOvr>
-  <p:timing>
-    <p:tnLst>
-      <p:par>
-        <p:cTn id="1" dur="indefinite" restart="never" nodeType="tmRoot"/>
-      </p:par>
-    </p:tnLst>
-  </p:timing>
 </p:sldLayout>
 </file>
 
@@ -999,10 +974,9 @@
           <a:p>
             <a:pPr lvl="0"/>
             <a:r>
-              <a:rPr lang="zh-CN" altLang="en-US" dirty="0" smtClean="0"/>
+              <a:rPr lang="zh-CN" altLang="en-US" dirty="0"/>
               <a:t>章节标题</a:t>
             </a:r>
-            <a:endParaRPr lang="zh-CN" altLang="en-US" dirty="0"/>
           </a:p>
         </p:txBody>
       </p:sp>
@@ -1049,7 +1023,7 @@
           <a:p>
             <a:pPr lvl="0"/>
             <a:r>
-              <a:rPr lang="en-US" altLang="zh-CN" dirty="0" smtClean="0"/>
+              <a:rPr lang="en-US" altLang="zh-CN" dirty="0"/>
               <a:t>1</a:t>
             </a:r>
             <a:endParaRPr lang="zh-CN" altLang="en-US" dirty="0"/>
@@ -1066,13 +1040,6 @@
   <p:clrMapOvr>
     <a:masterClrMapping/>
   </p:clrMapOvr>
-  <p:timing>
-    <p:tnLst>
-      <p:par>
-        <p:cTn id="1" dur="indefinite" restart="never" nodeType="tmRoot"/>
-      </p:par>
-    </p:tnLst>
-  </p:timing>
 </p:sldLayout>
 </file>
 
@@ -1230,10 +1197,9 @@
           <a:p>
             <a:pPr lvl="0"/>
             <a:r>
-              <a:rPr lang="zh-CN" altLang="en-US" dirty="0" smtClean="0"/>
+              <a:rPr lang="zh-CN" altLang="en-US" dirty="0"/>
               <a:t>标题</a:t>
             </a:r>
-            <a:endParaRPr lang="zh-CN" altLang="en-US" dirty="0"/>
           </a:p>
         </p:txBody>
       </p:sp>
@@ -1277,10 +1243,9 @@
           <a:p>
             <a:pPr lvl="0"/>
             <a:r>
-              <a:rPr lang="zh-CN" altLang="en-US" dirty="0" smtClean="0"/>
+              <a:rPr lang="zh-CN" altLang="en-US" dirty="0"/>
               <a:t>内容</a:t>
             </a:r>
-            <a:endParaRPr lang="zh-CN" altLang="en-US" dirty="0"/>
           </a:p>
         </p:txBody>
       </p:sp>
@@ -1338,13 +1303,6 @@
   <p:clrMapOvr>
     <a:masterClrMapping/>
   </p:clrMapOvr>
-  <p:timing>
-    <p:tnLst>
-      <p:par>
-        <p:cTn id="1" dur="indefinite" restart="never" nodeType="tmRoot"/>
-      </p:par>
-    </p:tnLst>
-  </p:timing>
 </p:sldLayout>
 </file>
 
@@ -1396,10 +1354,9 @@
           <a:lstStyle/>
           <a:p>
             <a:r>
-              <a:rPr lang="zh-CN" altLang="en-US" smtClean="0"/>
+              <a:rPr lang="zh-CN" altLang="en-US"/>
               <a:t>单击此处编辑母版标题样式</a:t>
             </a:r>
-            <a:endParaRPr lang="zh-CN" altLang="en-US"/>
           </a:p>
         </p:txBody>
       </p:sp>
@@ -1430,38 +1387,37 @@
           <a:p>
             <a:pPr lvl="0"/>
             <a:r>
-              <a:rPr lang="zh-CN" altLang="en-US" smtClean="0"/>
+              <a:rPr lang="zh-CN" altLang="en-US"/>
               <a:t>单击此处编辑母版文本样式</a:t>
             </a:r>
           </a:p>
           <a:p>
             <a:pPr lvl="1"/>
             <a:r>
-              <a:rPr lang="zh-CN" altLang="en-US" smtClean="0"/>
+              <a:rPr lang="zh-CN" altLang="en-US"/>
               <a:t>第二级</a:t>
             </a:r>
           </a:p>
           <a:p>
             <a:pPr lvl="2"/>
             <a:r>
-              <a:rPr lang="zh-CN" altLang="en-US" smtClean="0"/>
+              <a:rPr lang="zh-CN" altLang="en-US"/>
               <a:t>第三级</a:t>
             </a:r>
           </a:p>
           <a:p>
             <a:pPr lvl="3"/>
             <a:r>
-              <a:rPr lang="zh-CN" altLang="en-US" smtClean="0"/>
+              <a:rPr lang="zh-CN" altLang="en-US"/>
               <a:t>第四级</a:t>
             </a:r>
           </a:p>
           <a:p>
             <a:pPr lvl="4"/>
             <a:r>
-              <a:rPr lang="zh-CN" altLang="en-US" smtClean="0"/>
+              <a:rPr lang="zh-CN" altLang="en-US"/>
               <a:t>第五级</a:t>
             </a:r>
-            <a:endParaRPr lang="zh-CN" altLang="en-US"/>
           </a:p>
         </p:txBody>
       </p:sp>
@@ -1500,7 +1456,7 @@
           <a:p>
             <a:fld id="{59493D29-A96E-4F02-A4FF-00609BBA5A4F}" type="datetimeFigureOut">
               <a:rPr lang="zh-CN" altLang="en-US" smtClean="0"/>
-              <a:t>2020/9/16</a:t>
+              <a:t>2024/2/29</a:t>
             </a:fld>
             <a:endParaRPr lang="zh-CN" altLang="en-US"/>
           </a:p>
@@ -1914,53 +1870,9 @@
           <a:lstStyle/>
           <a:p>
             <a:r>
-              <a:rPr lang="zh-CN" altLang="en-US" dirty="0" smtClean="0"/>
+              <a:rPr lang="zh-CN" altLang="en-US" dirty="0"/>
               <a:t>第三讲：数据可视化</a:t>
             </a:r>
-            <a:endParaRPr lang="zh-CN" altLang="en-US" dirty="0"/>
-          </a:p>
-        </p:txBody>
-      </p:sp>
-      <p:sp>
-        <p:nvSpPr>
-          <p:cNvPr id="3" name="文本占位符 2"/>
-          <p:cNvSpPr>
-            <a:spLocks noGrp="1"/>
-          </p:cNvSpPr>
-          <p:nvPr>
-            <p:ph type="body" sz="quarter" idx="11"/>
-          </p:nvPr>
-        </p:nvSpPr>
-        <p:spPr/>
-        <p:txBody>
-          <a:bodyPr/>
-          <a:lstStyle/>
-          <a:p>
-            <a:r>
-              <a:rPr lang="en-US" altLang="zh-CN" dirty="0" smtClean="0"/>
-              <a:t>2020</a:t>
-            </a:r>
-            <a:r>
-              <a:rPr lang="zh-CN" altLang="en-US" dirty="0" smtClean="0"/>
-              <a:t>年</a:t>
-            </a:r>
-            <a:r>
-              <a:rPr lang="en-US" altLang="zh-CN" dirty="0" smtClean="0"/>
-              <a:t>9</a:t>
-            </a:r>
-            <a:r>
-              <a:rPr lang="zh-CN" altLang="en-US" dirty="0" smtClean="0"/>
-              <a:t>月</a:t>
-            </a:r>
-            <a:r>
-              <a:rPr lang="en-US" altLang="zh-CN" smtClean="0"/>
-              <a:t>17</a:t>
-            </a:r>
-            <a:r>
-              <a:rPr lang="zh-CN" altLang="en-US" smtClean="0"/>
-              <a:t>日</a:t>
-            </a:r>
-            <a:endParaRPr lang="zh-CN" altLang="en-US" dirty="0"/>
           </a:p>
         </p:txBody>
       </p:sp>
@@ -1974,13 +1886,6 @@
   <p:clrMapOvr>
     <a:masterClrMapping/>
   </p:clrMapOvr>
-  <p:timing>
-    <p:tnLst>
-      <p:par>
-        <p:cTn id="1" dur="indefinite" restart="never" nodeType="tmRoot"/>
-      </p:par>
-    </p:tnLst>
-  </p:timing>
 </p:sld>
 </file>
 
@@ -2017,17 +1922,16 @@
           <a:lstStyle/>
           <a:p>
             <a:r>
-              <a:rPr lang="zh-CN" altLang="en-US" dirty="0" smtClean="0"/>
-              <a:t>等高线</a:t>
-            </a:r>
-            <a:endParaRPr lang="en-US" altLang="zh-CN" dirty="0" smtClean="0"/>
-          </a:p>
-          <a:p>
-            <a:r>
-              <a:rPr lang="zh-CN" altLang="en-US" dirty="0" smtClean="0"/>
-              <a:t>绘制函数</a:t>
-            </a:r>
-            <a:endParaRPr lang="zh-CN" altLang="en-US" dirty="0"/>
+              <a:rPr lang="zh-CN" altLang="en-US" dirty="0"/>
+              <a:t>统计</a:t>
+            </a:r>
+            <a:endParaRPr lang="en-US" altLang="zh-CN" dirty="0"/>
+          </a:p>
+          <a:p>
+            <a:r>
+              <a:rPr lang="zh-CN" altLang="en-US" dirty="0"/>
+              <a:t>绘图函数</a:t>
+            </a:r>
           </a:p>
         </p:txBody>
       </p:sp>
@@ -2041,44 +1945,106 @@
             <p:ph type="body" sz="quarter" idx="11"/>
           </p:nvPr>
         </p:nvSpPr>
-        <p:spPr/>
+        <p:spPr>
+          <a:xfrm>
+            <a:off x="2137483" y="355600"/>
+            <a:ext cx="6835067" cy="1824892"/>
+          </a:xfrm>
+        </p:spPr>
         <p:txBody>
           <a:bodyPr/>
           <a:lstStyle/>
           <a:p>
             <a:r>
-              <a:rPr lang="zh-CN" altLang="en-US" dirty="0" smtClean="0"/>
+              <a:rPr lang="zh-CN" altLang="en-US" dirty="0"/>
               <a:t>利用</a:t>
             </a:r>
             <a:r>
-              <a:rPr lang="en-US" altLang="zh-CN" dirty="0" smtClean="0"/>
-              <a:t>contour()</a:t>
-            </a:r>
-            <a:r>
-              <a:rPr lang="zh-CN" altLang="en-US" dirty="0" smtClean="0"/>
-              <a:t>绘制二维等高线、</a:t>
-            </a:r>
-            <a:r>
-              <a:rPr lang="en-US" altLang="zh-CN" dirty="0" smtClean="0"/>
-              <a:t>contour3()</a:t>
-            </a:r>
-            <a:r>
-              <a:rPr lang="zh-CN" altLang="en-US" dirty="0" smtClean="0"/>
-              <a:t>绘制三维等高线</a:t>
-            </a:r>
-            <a:endParaRPr lang="zh-CN" altLang="en-US" dirty="0"/>
-          </a:p>
-        </p:txBody>
-      </p:sp>
-      <p:sp>
-        <p:nvSpPr>
-          <p:cNvPr id="5" name="文本框 4"/>
+              <a:rPr lang="en-US" altLang="zh-CN" dirty="0"/>
+              <a:t>pie()</a:t>
+            </a:r>
+            <a:r>
+              <a:rPr lang="zh-CN" altLang="en-US" dirty="0"/>
+              <a:t>绘制饼图、</a:t>
+            </a:r>
+            <a:r>
+              <a:rPr lang="en-US" altLang="zh-CN" dirty="0"/>
+              <a:t>boxplot()</a:t>
+            </a:r>
+            <a:r>
+              <a:rPr lang="zh-CN" altLang="en-US" dirty="0"/>
+              <a:t>绘制盒图</a:t>
+            </a:r>
+          </a:p>
+        </p:txBody>
+      </p:sp>
+      <p:pic>
+        <p:nvPicPr>
+          <p:cNvPr id="4" name="图片 3"/>
+          <p:cNvPicPr>
+            <a:picLocks noChangeAspect="1"/>
+          </p:cNvPicPr>
+          <p:nvPr/>
+        </p:nvPicPr>
+        <p:blipFill>
+          <a:blip r:embed="rId2"/>
+          <a:stretch>
+            <a:fillRect/>
+          </a:stretch>
+        </p:blipFill>
+        <p:spPr>
+          <a:xfrm>
+            <a:off x="2136506" y="3077107"/>
+            <a:ext cx="3233280" cy="2880000"/>
+          </a:xfrm>
+          <a:prstGeom prst="rect">
+            <a:avLst/>
+          </a:prstGeom>
+          <a:ln>
+            <a:solidFill>
+              <a:schemeClr val="tx1"/>
+            </a:solidFill>
+          </a:ln>
+        </p:spPr>
+      </p:pic>
+      <p:pic>
+        <p:nvPicPr>
+          <p:cNvPr id="5" name="图片 4"/>
+          <p:cNvPicPr>
+            <a:picLocks noChangeAspect="1"/>
+          </p:cNvPicPr>
+          <p:nvPr/>
+        </p:nvPicPr>
+        <p:blipFill>
+          <a:blip r:embed="rId3"/>
+          <a:stretch>
+            <a:fillRect/>
+          </a:stretch>
+        </p:blipFill>
+        <p:spPr>
+          <a:xfrm>
+            <a:off x="2132449" y="1485900"/>
+            <a:ext cx="1606633" cy="552478"/>
+          </a:xfrm>
+          <a:prstGeom prst="rect">
+            <a:avLst/>
+          </a:prstGeom>
+          <a:ln>
+            <a:solidFill>
+              <a:schemeClr val="tx1"/>
+            </a:solidFill>
+          </a:ln>
+        </p:spPr>
+      </p:pic>
+      <p:sp>
+        <p:nvSpPr>
+          <p:cNvPr id="6" name="文本框 5"/>
           <p:cNvSpPr txBox="1"/>
           <p:nvPr/>
         </p:nvSpPr>
         <p:spPr>
           <a:xfrm>
-            <a:off x="1972688" y="1123159"/>
+            <a:off x="1991574" y="1001713"/>
             <a:ext cx="762000" cy="400110"/>
           </a:xfrm>
           <a:prstGeom prst="rect">
@@ -2094,7 +2060,7 @@
           <a:p>
             <a:pPr algn="ctr"/>
             <a:r>
-              <a:rPr lang="zh-CN" altLang="en-US" sz="2000" dirty="0" smtClean="0">
+              <a:rPr lang="zh-CN" altLang="en-US" sz="2000" dirty="0">
                 <a:solidFill>
                   <a:schemeClr val="accent5">
                     <a:lumMod val="75000"/>
@@ -2105,27 +2071,18 @@
               </a:rPr>
               <a:t>代码</a:t>
             </a:r>
-            <a:endParaRPr lang="zh-CN" altLang="en-US" sz="2000" dirty="0">
-              <a:solidFill>
-                <a:schemeClr val="accent5">
-                  <a:lumMod val="75000"/>
-                </a:schemeClr>
-              </a:solidFill>
-              <a:latin typeface="幼圆" panose="02010509060101010101" pitchFamily="49" charset="-122"/>
-              <a:ea typeface="幼圆" panose="02010509060101010101" pitchFamily="49" charset="-122"/>
-            </a:endParaRPr>
-          </a:p>
-        </p:txBody>
-      </p:sp>
-      <p:sp>
-        <p:nvSpPr>
-          <p:cNvPr id="6" name="文本框 5"/>
+          </a:p>
+        </p:txBody>
+      </p:sp>
+      <p:sp>
+        <p:nvSpPr>
+          <p:cNvPr id="7" name="文本框 6"/>
           <p:cNvSpPr txBox="1"/>
           <p:nvPr/>
         </p:nvSpPr>
         <p:spPr>
           <a:xfrm>
-            <a:off x="1972688" y="3105886"/>
+            <a:off x="1991574" y="2534380"/>
             <a:ext cx="762000" cy="400110"/>
           </a:xfrm>
           <a:prstGeom prst="rect">
@@ -2141,7 +2098,7 @@
           <a:p>
             <a:pPr algn="ctr"/>
             <a:r>
-              <a:rPr lang="zh-CN" altLang="en-US" sz="2000" dirty="0" smtClean="0">
+              <a:rPr lang="zh-CN" altLang="en-US" sz="2000" dirty="0">
                 <a:solidFill>
                   <a:schemeClr val="accent5">
                     <a:lumMod val="75000"/>
@@ -2152,27 +2109,47 @@
               </a:rPr>
               <a:t>输出</a:t>
             </a:r>
-            <a:endParaRPr lang="zh-CN" altLang="en-US" sz="2000" dirty="0">
-              <a:solidFill>
-                <a:schemeClr val="accent5">
-                  <a:lumMod val="75000"/>
-                </a:schemeClr>
-              </a:solidFill>
-              <a:latin typeface="幼圆" panose="02010509060101010101" pitchFamily="49" charset="-122"/>
-              <a:ea typeface="幼圆" panose="02010509060101010101" pitchFamily="49" charset="-122"/>
-            </a:endParaRPr>
-          </a:p>
-        </p:txBody>
-      </p:sp>
-      <p:sp>
-        <p:nvSpPr>
-          <p:cNvPr id="7" name="文本框 6"/>
+          </a:p>
+        </p:txBody>
+      </p:sp>
+      <p:pic>
+        <p:nvPicPr>
+          <p:cNvPr id="8" name="图片 7"/>
+          <p:cNvPicPr>
+            <a:picLocks noChangeAspect="1"/>
+          </p:cNvPicPr>
+          <p:nvPr/>
+        </p:nvPicPr>
+        <p:blipFill>
+          <a:blip r:embed="rId4"/>
+          <a:stretch>
+            <a:fillRect/>
+          </a:stretch>
+        </p:blipFill>
+        <p:spPr>
+          <a:xfrm>
+            <a:off x="5746470" y="3077107"/>
+            <a:ext cx="3233280" cy="2880000"/>
+          </a:xfrm>
+          <a:prstGeom prst="rect">
+            <a:avLst/>
+          </a:prstGeom>
+          <a:ln>
+            <a:solidFill>
+              <a:schemeClr val="tx1"/>
+            </a:solidFill>
+          </a:ln>
+        </p:spPr>
+      </p:pic>
+      <p:sp>
+        <p:nvSpPr>
+          <p:cNvPr id="9" name="文本框 8"/>
           <p:cNvSpPr txBox="1"/>
           <p:nvPr/>
         </p:nvSpPr>
         <p:spPr>
           <a:xfrm>
-            <a:off x="5542147" y="1123159"/>
+            <a:off x="5606626" y="1001713"/>
             <a:ext cx="762000" cy="400110"/>
           </a:xfrm>
           <a:prstGeom prst="rect">
@@ -2188,7 +2165,7 @@
           <a:p>
             <a:pPr algn="ctr"/>
             <a:r>
-              <a:rPr lang="zh-CN" altLang="en-US" sz="2000" dirty="0" smtClean="0">
+              <a:rPr lang="zh-CN" altLang="en-US" sz="2000" dirty="0">
                 <a:solidFill>
                   <a:schemeClr val="accent5">
                     <a:lumMod val="75000"/>
@@ -2199,27 +2176,18 @@
               </a:rPr>
               <a:t>代码</a:t>
             </a:r>
-            <a:endParaRPr lang="zh-CN" altLang="en-US" sz="2000" dirty="0">
-              <a:solidFill>
-                <a:schemeClr val="accent5">
-                  <a:lumMod val="75000"/>
-                </a:schemeClr>
-              </a:solidFill>
-              <a:latin typeface="幼圆" panose="02010509060101010101" pitchFamily="49" charset="-122"/>
-              <a:ea typeface="幼圆" panose="02010509060101010101" pitchFamily="49" charset="-122"/>
-            </a:endParaRPr>
-          </a:p>
-        </p:txBody>
-      </p:sp>
-      <p:sp>
-        <p:nvSpPr>
-          <p:cNvPr id="8" name="文本框 7"/>
+          </a:p>
+        </p:txBody>
+      </p:sp>
+      <p:sp>
+        <p:nvSpPr>
+          <p:cNvPr id="10" name="文本框 9"/>
           <p:cNvSpPr txBox="1"/>
           <p:nvPr/>
         </p:nvSpPr>
         <p:spPr>
           <a:xfrm>
-            <a:off x="5542147" y="3105886"/>
+            <a:off x="5606626" y="2534380"/>
             <a:ext cx="762000" cy="400110"/>
           </a:xfrm>
           <a:prstGeom prst="rect">
@@ -2235,7 +2203,7 @@
           <a:p>
             <a:pPr algn="ctr"/>
             <a:r>
-              <a:rPr lang="zh-CN" altLang="en-US" sz="2000" dirty="0" smtClean="0">
+              <a:rPr lang="zh-CN" altLang="en-US" sz="2000" dirty="0">
                 <a:solidFill>
                   <a:schemeClr val="accent5">
                     <a:lumMod val="75000"/>
@@ -2246,108 +2214,12 @@
               </a:rPr>
               <a:t>输出</a:t>
             </a:r>
-            <a:endParaRPr lang="zh-CN" altLang="en-US" sz="2000" dirty="0">
-              <a:solidFill>
-                <a:schemeClr val="accent5">
-                  <a:lumMod val="75000"/>
-                </a:schemeClr>
-              </a:solidFill>
-              <a:latin typeface="幼圆" panose="02010509060101010101" pitchFamily="49" charset="-122"/>
-              <a:ea typeface="幼圆" panose="02010509060101010101" pitchFamily="49" charset="-122"/>
-            </a:endParaRPr>
           </a:p>
         </p:txBody>
       </p:sp>
       <p:pic>
         <p:nvPicPr>
-          <p:cNvPr id="4" name="图片 3"/>
-          <p:cNvPicPr>
-            <a:picLocks noChangeAspect="1"/>
-          </p:cNvPicPr>
-          <p:nvPr/>
-        </p:nvPicPr>
-        <p:blipFill>
-          <a:blip r:embed="rId2"/>
-          <a:stretch>
-            <a:fillRect/>
-          </a:stretch>
-        </p:blipFill>
-        <p:spPr>
-          <a:xfrm>
-            <a:off x="5696748" y="1671414"/>
-            <a:ext cx="3124361" cy="1155759"/>
-          </a:xfrm>
-          <a:prstGeom prst="rect">
-            <a:avLst/>
-          </a:prstGeom>
-          <a:ln>
-            <a:solidFill>
-              <a:schemeClr val="tx1"/>
-            </a:solidFill>
-          </a:ln>
-        </p:spPr>
-      </p:pic>
-      <p:pic>
-        <p:nvPicPr>
-          <p:cNvPr id="9" name="图片 8"/>
-          <p:cNvPicPr>
-            <a:picLocks noChangeAspect="1"/>
-          </p:cNvPicPr>
-          <p:nvPr/>
-        </p:nvPicPr>
-        <p:blipFill>
-          <a:blip r:embed="rId3"/>
-          <a:stretch>
-            <a:fillRect/>
-          </a:stretch>
-        </p:blipFill>
-        <p:spPr>
-          <a:xfrm>
-            <a:off x="5696748" y="3644425"/>
-            <a:ext cx="3233280" cy="2880000"/>
-          </a:xfrm>
-          <a:prstGeom prst="rect">
-            <a:avLst/>
-          </a:prstGeom>
-          <a:ln>
-            <a:solidFill>
-              <a:schemeClr val="tx1"/>
-            </a:solidFill>
-          </a:ln>
-        </p:spPr>
-      </p:pic>
-      <p:pic>
-        <p:nvPicPr>
-          <p:cNvPr id="14" name="图片 13"/>
-          <p:cNvPicPr>
-            <a:picLocks noChangeAspect="1"/>
-          </p:cNvPicPr>
-          <p:nvPr/>
-        </p:nvPicPr>
-        <p:blipFill>
-          <a:blip r:embed="rId4"/>
-          <a:stretch>
-            <a:fillRect/>
-          </a:stretch>
-        </p:blipFill>
-        <p:spPr>
-          <a:xfrm>
-            <a:off x="2137483" y="1671413"/>
-            <a:ext cx="2717940" cy="1155759"/>
-          </a:xfrm>
-          <a:prstGeom prst="rect">
-            <a:avLst/>
-          </a:prstGeom>
-          <a:ln>
-            <a:solidFill>
-              <a:schemeClr val="tx1"/>
-            </a:solidFill>
-          </a:ln>
-        </p:spPr>
-      </p:pic>
-      <p:pic>
-        <p:nvPicPr>
-          <p:cNvPr id="15" name="图片 14"/>
+          <p:cNvPr id="11" name="图片 10"/>
           <p:cNvPicPr>
             <a:picLocks noChangeAspect="1"/>
           </p:cNvPicPr>
@@ -2361,8 +2233,8 @@
         </p:blipFill>
         <p:spPr>
           <a:xfrm>
-            <a:off x="2137483" y="3644425"/>
-            <a:ext cx="3233280" cy="2880000"/>
+            <a:off x="5746470" y="1488997"/>
+            <a:ext cx="1543129" cy="533427"/>
           </a:xfrm>
           <a:prstGeom prst="rect">
             <a:avLst/>
@@ -2377,20 +2249,13 @@
     </p:spTree>
     <p:extLst>
       <p:ext uri="{BB962C8B-B14F-4D97-AF65-F5344CB8AC3E}">
-        <p14:creationId xmlns:p14="http://schemas.microsoft.com/office/powerpoint/2010/main" val="2442617368"/>
+        <p14:creationId xmlns:p14="http://schemas.microsoft.com/office/powerpoint/2010/main" val="3504389567"/>
       </p:ext>
     </p:extLst>
   </p:cSld>
   <p:clrMapOvr>
     <a:masterClrMapping/>
   </p:clrMapOvr>
-  <p:timing>
-    <p:tnLst>
-      <p:par>
-        <p:cTn id="1" dur="indefinite" restart="never" nodeType="tmRoot"/>
-      </p:par>
-    </p:tnLst>
-  </p:timing>
 </p:sld>
 </file>
 
@@ -2456,41 +2321,37 @@
           <a:lstStyle/>
           <a:p>
             <a:r>
-              <a:rPr lang="zh-CN" altLang="en-US" dirty="0" smtClean="0"/>
+              <a:rPr lang="zh-CN" altLang="en-US" dirty="0"/>
               <a:t>利用</a:t>
             </a:r>
             <a:r>
-              <a:rPr lang="en-US" altLang="zh-CN" dirty="0" err="1"/>
-              <a:t>isosurface</a:t>
-            </a:r>
-            <a:r>
               <a:rPr lang="en-US" altLang="zh-CN" dirty="0"/>
-              <a:t>()</a:t>
+              <a:t>contour()</a:t>
             </a:r>
             <a:r>
               <a:rPr lang="zh-CN" altLang="en-US" dirty="0"/>
-              <a:t>和</a:t>
+              <a:t>绘制二维等高线、</a:t>
             </a:r>
             <a:r>
               <a:rPr lang="en-US" altLang="zh-CN" dirty="0"/>
-              <a:t>patch()</a:t>
+              <a:t>contour3()</a:t>
             </a:r>
             <a:r>
               <a:rPr lang="zh-CN" altLang="en-US" dirty="0"/>
-              <a:t>绘制三维等高面</a:t>
-            </a:r>
-          </a:p>
-        </p:txBody>
-      </p:sp>
-      <p:sp>
-        <p:nvSpPr>
-          <p:cNvPr id="4" name="文本框 3"/>
+              <a:t>绘制三维等高线</a:t>
+            </a:r>
+          </a:p>
+        </p:txBody>
+      </p:sp>
+      <p:sp>
+        <p:nvSpPr>
+          <p:cNvPr id="5" name="文本框 4"/>
           <p:cNvSpPr txBox="1"/>
           <p:nvPr/>
         </p:nvSpPr>
         <p:spPr>
           <a:xfrm>
-            <a:off x="2201347" y="1123159"/>
+            <a:off x="1972688" y="1123159"/>
             <a:ext cx="762000" cy="400110"/>
           </a:xfrm>
           <a:prstGeom prst="rect">
@@ -2506,7 +2367,7 @@
           <a:p>
             <a:pPr algn="ctr"/>
             <a:r>
-              <a:rPr lang="zh-CN" altLang="en-US" sz="2000" dirty="0" smtClean="0">
+              <a:rPr lang="zh-CN" altLang="en-US" sz="2000" dirty="0">
                 <a:solidFill>
                   <a:schemeClr val="accent5">
                     <a:lumMod val="75000"/>
@@ -2517,27 +2378,18 @@
               </a:rPr>
               <a:t>代码</a:t>
             </a:r>
-            <a:endParaRPr lang="zh-CN" altLang="en-US" sz="2000" dirty="0">
-              <a:solidFill>
-                <a:schemeClr val="accent5">
-                  <a:lumMod val="75000"/>
-                </a:schemeClr>
-              </a:solidFill>
-              <a:latin typeface="幼圆" panose="02010509060101010101" pitchFamily="49" charset="-122"/>
-              <a:ea typeface="幼圆" panose="02010509060101010101" pitchFamily="49" charset="-122"/>
-            </a:endParaRPr>
-          </a:p>
-        </p:txBody>
-      </p:sp>
-      <p:sp>
-        <p:nvSpPr>
-          <p:cNvPr id="5" name="文本框 4"/>
+          </a:p>
+        </p:txBody>
+      </p:sp>
+      <p:sp>
+        <p:nvSpPr>
+          <p:cNvPr id="6" name="文本框 5"/>
           <p:cNvSpPr txBox="1"/>
           <p:nvPr/>
         </p:nvSpPr>
         <p:spPr>
           <a:xfrm>
-            <a:off x="2201347" y="3105886"/>
+            <a:off x="1972688" y="3105886"/>
             <a:ext cx="762000" cy="400110"/>
           </a:xfrm>
           <a:prstGeom prst="rect">
@@ -2553,7 +2405,7 @@
           <a:p>
             <a:pPr algn="ctr"/>
             <a:r>
-              <a:rPr lang="zh-CN" altLang="en-US" sz="2000" dirty="0" smtClean="0">
+              <a:rPr lang="zh-CN" altLang="en-US" sz="2000" dirty="0">
                 <a:solidFill>
                   <a:schemeClr val="accent5">
                     <a:lumMod val="75000"/>
@@ -2564,21 +2416,88 @@
               </a:rPr>
               <a:t>输出</a:t>
             </a:r>
-            <a:endParaRPr lang="zh-CN" altLang="en-US" sz="2000" dirty="0">
-              <a:solidFill>
-                <a:schemeClr val="accent5">
-                  <a:lumMod val="75000"/>
-                </a:schemeClr>
-              </a:solidFill>
-              <a:latin typeface="幼圆" panose="02010509060101010101" pitchFamily="49" charset="-122"/>
-              <a:ea typeface="幼圆" panose="02010509060101010101" pitchFamily="49" charset="-122"/>
-            </a:endParaRPr>
+          </a:p>
+        </p:txBody>
+      </p:sp>
+      <p:sp>
+        <p:nvSpPr>
+          <p:cNvPr id="7" name="文本框 6"/>
+          <p:cNvSpPr txBox="1"/>
+          <p:nvPr/>
+        </p:nvSpPr>
+        <p:spPr>
+          <a:xfrm>
+            <a:off x="5542147" y="1123159"/>
+            <a:ext cx="762000" cy="400110"/>
+          </a:xfrm>
+          <a:prstGeom prst="rect">
+            <a:avLst/>
+          </a:prstGeom>
+          <a:noFill/>
+        </p:spPr>
+        <p:txBody>
+          <a:bodyPr wrap="square" rtlCol="0" anchor="ctr">
+            <a:spAutoFit/>
+          </a:bodyPr>
+          <a:lstStyle/>
+          <a:p>
+            <a:pPr algn="ctr"/>
+            <a:r>
+              <a:rPr lang="zh-CN" altLang="en-US" sz="2000" dirty="0">
+                <a:solidFill>
+                  <a:schemeClr val="accent5">
+                    <a:lumMod val="75000"/>
+                  </a:schemeClr>
+                </a:solidFill>
+                <a:latin typeface="幼圆" panose="02010509060101010101" pitchFamily="49" charset="-122"/>
+                <a:ea typeface="幼圆" panose="02010509060101010101" pitchFamily="49" charset="-122"/>
+              </a:rPr>
+              <a:t>代码</a:t>
+            </a:r>
+          </a:p>
+        </p:txBody>
+      </p:sp>
+      <p:sp>
+        <p:nvSpPr>
+          <p:cNvPr id="8" name="文本框 7"/>
+          <p:cNvSpPr txBox="1"/>
+          <p:nvPr/>
+        </p:nvSpPr>
+        <p:spPr>
+          <a:xfrm>
+            <a:off x="5542147" y="3105886"/>
+            <a:ext cx="762000" cy="400110"/>
+          </a:xfrm>
+          <a:prstGeom prst="rect">
+            <a:avLst/>
+          </a:prstGeom>
+          <a:noFill/>
+        </p:spPr>
+        <p:txBody>
+          <a:bodyPr wrap="square" rtlCol="0" anchor="ctr">
+            <a:spAutoFit/>
+          </a:bodyPr>
+          <a:lstStyle/>
+          <a:p>
+            <a:pPr algn="ctr"/>
+            <a:r>
+              <a:rPr lang="zh-CN" altLang="en-US" sz="2000" dirty="0">
+                <a:solidFill>
+                  <a:schemeClr val="accent5">
+                    <a:lumMod val="75000"/>
+                  </a:schemeClr>
+                </a:solidFill>
+                <a:latin typeface="幼圆" panose="02010509060101010101" pitchFamily="49" charset="-122"/>
+                <a:ea typeface="幼圆" panose="02010509060101010101" pitchFamily="49" charset="-122"/>
+              </a:rPr>
+              <a:t>输出</a:t>
+            </a:r>
           </a:p>
         </p:txBody>
       </p:sp>
       <p:pic>
         <p:nvPicPr>
-          <p:cNvPr id="8" name="图片 7"/>
+          <p:cNvPr id="4" name="图片 3"/>
           <p:cNvPicPr>
             <a:picLocks noChangeAspect="1"/>
           </p:cNvPicPr>
@@ -2592,8 +2511,8 @@
         </p:blipFill>
         <p:spPr>
           <a:xfrm>
-            <a:off x="2333991" y="3648613"/>
-            <a:ext cx="3233280" cy="2880000"/>
+            <a:off x="5696748" y="1671414"/>
+            <a:ext cx="3124361" cy="1155759"/>
           </a:xfrm>
           <a:prstGeom prst="rect">
             <a:avLst/>
@@ -2621,8 +2540,8 @@
         </p:blipFill>
         <p:spPr>
           <a:xfrm>
-            <a:off x="2333991" y="1665886"/>
-            <a:ext cx="3340272" cy="1174810"/>
+            <a:off x="5696748" y="3644425"/>
+            <a:ext cx="3233280" cy="2880000"/>
           </a:xfrm>
           <a:prstGeom prst="rect">
             <a:avLst/>
@@ -2634,53 +2553,68 @@
           </a:ln>
         </p:spPr>
       </p:pic>
-      <p:sp>
-        <p:nvSpPr>
-          <p:cNvPr id="10" name="文本框 9"/>
-          <p:cNvSpPr txBox="1"/>
-          <p:nvPr/>
-        </p:nvSpPr>
-        <p:spPr>
-          <a:xfrm>
-            <a:off x="5943744" y="4673114"/>
-            <a:ext cx="2652332" cy="830997"/>
-          </a:xfrm>
-          <a:prstGeom prst="rect">
-            <a:avLst/>
-          </a:prstGeom>
-          <a:noFill/>
-        </p:spPr>
-        <p:txBody>
-          <a:bodyPr wrap="square" rtlCol="0">
-            <a:spAutoFit/>
-          </a:bodyPr>
-          <a:lstStyle/>
-          <a:p>
-            <a:pPr algn="just"/>
-            <a:r>
-              <a:rPr lang="zh-CN" altLang="en-US" sz="1600" dirty="0" smtClean="0">
-                <a:solidFill>
-                  <a:srgbClr val="FF0000"/>
-                </a:solidFill>
-                <a:latin typeface="幼圆" panose="02010509060101010101" pitchFamily="49" charset="-122"/>
-                <a:ea typeface="幼圆" panose="02010509060101010101" pitchFamily="49" charset="-122"/>
-              </a:rPr>
-              <a:t>与等高线不同，仅能绘制一个等高面，等高面的分界值可由参数指定</a:t>
-            </a:r>
-            <a:endParaRPr lang="zh-CN" altLang="en-US" sz="1600" dirty="0">
-              <a:solidFill>
-                <a:srgbClr val="FF0000"/>
-              </a:solidFill>
-              <a:latin typeface="幼圆" panose="02010509060101010101" pitchFamily="49" charset="-122"/>
-              <a:ea typeface="幼圆" panose="02010509060101010101" pitchFamily="49" charset="-122"/>
-            </a:endParaRPr>
-          </a:p>
-        </p:txBody>
-      </p:sp>
+      <p:pic>
+        <p:nvPicPr>
+          <p:cNvPr id="14" name="图片 13"/>
+          <p:cNvPicPr>
+            <a:picLocks noChangeAspect="1"/>
+          </p:cNvPicPr>
+          <p:nvPr/>
+        </p:nvPicPr>
+        <p:blipFill>
+          <a:blip r:embed="rId4"/>
+          <a:stretch>
+            <a:fillRect/>
+          </a:stretch>
+        </p:blipFill>
+        <p:spPr>
+          <a:xfrm>
+            <a:off x="2137483" y="1671413"/>
+            <a:ext cx="2717940" cy="1155759"/>
+          </a:xfrm>
+          <a:prstGeom prst="rect">
+            <a:avLst/>
+          </a:prstGeom>
+          <a:ln>
+            <a:solidFill>
+              <a:schemeClr val="tx1"/>
+            </a:solidFill>
+          </a:ln>
+        </p:spPr>
+      </p:pic>
+      <p:pic>
+        <p:nvPicPr>
+          <p:cNvPr id="15" name="图片 14"/>
+          <p:cNvPicPr>
+            <a:picLocks noChangeAspect="1"/>
+          </p:cNvPicPr>
+          <p:nvPr/>
+        </p:nvPicPr>
+        <p:blipFill>
+          <a:blip r:embed="rId5"/>
+          <a:stretch>
+            <a:fillRect/>
+          </a:stretch>
+        </p:blipFill>
+        <p:spPr>
+          <a:xfrm>
+            <a:off x="2137483" y="3644425"/>
+            <a:ext cx="3233280" cy="2880000"/>
+          </a:xfrm>
+          <a:prstGeom prst="rect">
+            <a:avLst/>
+          </a:prstGeom>
+          <a:ln>
+            <a:solidFill>
+              <a:schemeClr val="tx1"/>
+            </a:solidFill>
+          </a:ln>
+        </p:spPr>
+      </p:pic>
     </p:spTree>
     <p:extLst>
       <p:ext uri="{BB962C8B-B14F-4D97-AF65-F5344CB8AC3E}">
-        <p14:creationId xmlns:p14="http://schemas.microsoft.com/office/powerpoint/2010/main" val="4114185277"/>
+        <p14:creationId xmlns:p14="http://schemas.microsoft.com/office/powerpoint/2010/main" val="2442617368"/>
       </p:ext>
     </p:extLst>
   </p:cSld>
@@ -2723,17 +2657,16 @@
           <a:lstStyle/>
           <a:p>
             <a:r>
-              <a:rPr lang="zh-CN" altLang="en-US" dirty="0" smtClean="0"/>
-              <a:t>绘制</a:t>
-            </a:r>
-            <a:endParaRPr lang="en-US" altLang="zh-CN" dirty="0" smtClean="0"/>
-          </a:p>
-          <a:p>
-            <a:r>
-              <a:rPr lang="zh-CN" altLang="en-US" dirty="0" smtClean="0"/>
-              <a:t>多子图</a:t>
-            </a:r>
-            <a:endParaRPr lang="zh-CN" altLang="en-US" dirty="0"/>
+              <a:rPr lang="zh-CN" altLang="en-US"/>
+              <a:t>等高面</a:t>
+            </a:r>
+            <a:endParaRPr lang="en-US" altLang="zh-CN" dirty="0"/>
+          </a:p>
+          <a:p>
+            <a:r>
+              <a:rPr lang="zh-CN" altLang="en-US" dirty="0"/>
+              <a:t>绘制函数</a:t>
+            </a:r>
           </a:p>
         </p:txBody>
       </p:sp>
@@ -2753,88 +2686,41 @@
           <a:lstStyle/>
           <a:p>
             <a:r>
-              <a:rPr lang="zh-CN" altLang="en-US" dirty="0" smtClean="0"/>
+              <a:rPr lang="zh-CN" altLang="en-US" dirty="0"/>
               <a:t>利用</a:t>
             </a:r>
             <a:r>
-              <a:rPr lang="en-US" altLang="zh-CN" dirty="0" smtClean="0"/>
-              <a:t>subplot()</a:t>
-            </a:r>
-            <a:r>
-              <a:rPr lang="zh-CN" altLang="en-US" dirty="0" smtClean="0"/>
-              <a:t>创建多个坐标轴</a:t>
-            </a:r>
-            <a:endParaRPr lang="zh-CN" altLang="en-US" dirty="0"/>
-          </a:p>
-        </p:txBody>
-      </p:sp>
-      <p:pic>
-        <p:nvPicPr>
-          <p:cNvPr id="4" name="图片 3"/>
-          <p:cNvPicPr>
-            <a:picLocks noChangeAspect="1"/>
-          </p:cNvPicPr>
-          <p:nvPr/>
-        </p:nvPicPr>
-        <p:blipFill>
-          <a:blip r:embed="rId2"/>
-          <a:stretch>
-            <a:fillRect/>
-          </a:stretch>
-        </p:blipFill>
-        <p:spPr>
-          <a:xfrm>
-            <a:off x="3104459" y="1041280"/>
-            <a:ext cx="2203563" cy="2343270"/>
-          </a:xfrm>
-          <a:prstGeom prst="rect">
-            <a:avLst/>
-          </a:prstGeom>
-          <a:ln>
-            <a:solidFill>
-              <a:schemeClr val="tx1"/>
-            </a:solidFill>
-          </a:ln>
-        </p:spPr>
-      </p:pic>
-      <p:pic>
-        <p:nvPicPr>
-          <p:cNvPr id="5" name="图片 4"/>
-          <p:cNvPicPr>
-            <a:picLocks noChangeAspect="1"/>
-          </p:cNvPicPr>
-          <p:nvPr/>
-        </p:nvPicPr>
-        <p:blipFill>
-          <a:blip r:embed="rId3"/>
-          <a:stretch>
-            <a:fillRect/>
-          </a:stretch>
-        </p:blipFill>
-        <p:spPr>
-          <a:xfrm>
-            <a:off x="3104459" y="3710360"/>
-            <a:ext cx="3233280" cy="2880000"/>
-          </a:xfrm>
-          <a:prstGeom prst="rect">
-            <a:avLst/>
-          </a:prstGeom>
-          <a:ln>
-            <a:solidFill>
-              <a:schemeClr val="tx1"/>
-            </a:solidFill>
-          </a:ln>
-        </p:spPr>
-      </p:pic>
-      <p:sp>
-        <p:nvSpPr>
-          <p:cNvPr id="6" name="文本框 5"/>
+              <a:rPr lang="en-US" altLang="zh-CN" dirty="0" err="1"/>
+              <a:t>isosurface</a:t>
+            </a:r>
+            <a:r>
+              <a:rPr lang="en-US" altLang="zh-CN" dirty="0"/>
+              <a:t>()</a:t>
+            </a:r>
+            <a:r>
+              <a:rPr lang="zh-CN" altLang="en-US" dirty="0"/>
+              <a:t>和</a:t>
+            </a:r>
+            <a:r>
+              <a:rPr lang="en-US" altLang="zh-CN" dirty="0"/>
+              <a:t>patch()</a:t>
+            </a:r>
+            <a:r>
+              <a:rPr lang="zh-CN" altLang="en-US" dirty="0"/>
+              <a:t>绘制三维等高面</a:t>
+            </a:r>
+          </a:p>
+        </p:txBody>
+      </p:sp>
+      <p:sp>
+        <p:nvSpPr>
+          <p:cNvPr id="4" name="文本框 3"/>
           <p:cNvSpPr txBox="1"/>
           <p:nvPr/>
         </p:nvSpPr>
         <p:spPr>
           <a:xfrm>
-            <a:off x="2212154" y="932964"/>
+            <a:off x="2201347" y="1123159"/>
             <a:ext cx="762000" cy="400110"/>
           </a:xfrm>
           <a:prstGeom prst="rect">
@@ -2850,7 +2736,7 @@
           <a:p>
             <a:pPr algn="ctr"/>
             <a:r>
-              <a:rPr lang="zh-CN" altLang="en-US" sz="2000" dirty="0" smtClean="0">
+              <a:rPr lang="zh-CN" altLang="en-US" sz="2000" dirty="0">
                 <a:solidFill>
                   <a:schemeClr val="accent5">
                     <a:lumMod val="75000"/>
@@ -2861,27 +2747,18 @@
               </a:rPr>
               <a:t>代码</a:t>
             </a:r>
-            <a:endParaRPr lang="zh-CN" altLang="en-US" sz="2000" dirty="0">
-              <a:solidFill>
-                <a:schemeClr val="accent5">
-                  <a:lumMod val="75000"/>
-                </a:schemeClr>
-              </a:solidFill>
-              <a:latin typeface="幼圆" panose="02010509060101010101" pitchFamily="49" charset="-122"/>
-              <a:ea typeface="幼圆" panose="02010509060101010101" pitchFamily="49" charset="-122"/>
-            </a:endParaRPr>
-          </a:p>
-        </p:txBody>
-      </p:sp>
-      <p:sp>
-        <p:nvSpPr>
-          <p:cNvPr id="7" name="文本框 6"/>
+          </a:p>
+        </p:txBody>
+      </p:sp>
+      <p:sp>
+        <p:nvSpPr>
+          <p:cNvPr id="5" name="文本框 4"/>
           <p:cNvSpPr txBox="1"/>
           <p:nvPr/>
         </p:nvSpPr>
         <p:spPr>
           <a:xfrm>
-            <a:off x="2215118" y="3610635"/>
+            <a:off x="2201347" y="3105886"/>
             <a:ext cx="762000" cy="400110"/>
           </a:xfrm>
           <a:prstGeom prst="rect">
@@ -2897,7 +2774,7 @@
           <a:p>
             <a:pPr algn="ctr"/>
             <a:r>
-              <a:rPr lang="zh-CN" altLang="en-US" sz="2000" dirty="0" smtClean="0">
+              <a:rPr lang="zh-CN" altLang="en-US" sz="2000" dirty="0">
                 <a:solidFill>
                   <a:schemeClr val="accent5">
                     <a:lumMod val="75000"/>
@@ -2908,35 +2785,113 @@
               </a:rPr>
               <a:t>输出</a:t>
             </a:r>
-            <a:endParaRPr lang="zh-CN" altLang="en-US" sz="2000" dirty="0">
-              <a:solidFill>
-                <a:schemeClr val="accent5">
-                  <a:lumMod val="75000"/>
-                </a:schemeClr>
-              </a:solidFill>
-              <a:latin typeface="幼圆" panose="02010509060101010101" pitchFamily="49" charset="-122"/>
-              <a:ea typeface="幼圆" panose="02010509060101010101" pitchFamily="49" charset="-122"/>
-            </a:endParaRPr>
+          </a:p>
+        </p:txBody>
+      </p:sp>
+      <p:pic>
+        <p:nvPicPr>
+          <p:cNvPr id="8" name="图片 7"/>
+          <p:cNvPicPr>
+            <a:picLocks noChangeAspect="1"/>
+          </p:cNvPicPr>
+          <p:nvPr/>
+        </p:nvPicPr>
+        <p:blipFill>
+          <a:blip r:embed="rId2"/>
+          <a:stretch>
+            <a:fillRect/>
+          </a:stretch>
+        </p:blipFill>
+        <p:spPr>
+          <a:xfrm>
+            <a:off x="2333991" y="3648613"/>
+            <a:ext cx="3233280" cy="2880000"/>
+          </a:xfrm>
+          <a:prstGeom prst="rect">
+            <a:avLst/>
+          </a:prstGeom>
+          <a:ln>
+            <a:solidFill>
+              <a:schemeClr val="tx1"/>
+            </a:solidFill>
+          </a:ln>
+        </p:spPr>
+      </p:pic>
+      <p:pic>
+        <p:nvPicPr>
+          <p:cNvPr id="9" name="图片 8"/>
+          <p:cNvPicPr>
+            <a:picLocks noChangeAspect="1"/>
+          </p:cNvPicPr>
+          <p:nvPr/>
+        </p:nvPicPr>
+        <p:blipFill>
+          <a:blip r:embed="rId3"/>
+          <a:stretch>
+            <a:fillRect/>
+          </a:stretch>
+        </p:blipFill>
+        <p:spPr>
+          <a:xfrm>
+            <a:off x="2333991" y="1665886"/>
+            <a:ext cx="3340272" cy="1174810"/>
+          </a:xfrm>
+          <a:prstGeom prst="rect">
+            <a:avLst/>
+          </a:prstGeom>
+          <a:ln>
+            <a:solidFill>
+              <a:schemeClr val="tx1"/>
+            </a:solidFill>
+          </a:ln>
+        </p:spPr>
+      </p:pic>
+      <p:sp>
+        <p:nvSpPr>
+          <p:cNvPr id="10" name="文本框 9"/>
+          <p:cNvSpPr txBox="1"/>
+          <p:nvPr/>
+        </p:nvSpPr>
+        <p:spPr>
+          <a:xfrm>
+            <a:off x="5943744" y="4673114"/>
+            <a:ext cx="2652332" cy="830997"/>
+          </a:xfrm>
+          <a:prstGeom prst="rect">
+            <a:avLst/>
+          </a:prstGeom>
+          <a:noFill/>
+        </p:spPr>
+        <p:txBody>
+          <a:bodyPr wrap="square" rtlCol="0">
+            <a:spAutoFit/>
+          </a:bodyPr>
+          <a:lstStyle/>
+          <a:p>
+            <a:pPr algn="just"/>
+            <a:r>
+              <a:rPr lang="zh-CN" altLang="en-US" sz="1600" dirty="0">
+                <a:solidFill>
+                  <a:srgbClr val="FF0000"/>
+                </a:solidFill>
+                <a:latin typeface="幼圆" panose="02010509060101010101" pitchFamily="49" charset="-122"/>
+                <a:ea typeface="幼圆" panose="02010509060101010101" pitchFamily="49" charset="-122"/>
+              </a:rPr>
+              <a:t>与等高线不同，仅能绘制一个等高面，等高面的分界值可由参数指定</a:t>
+            </a:r>
           </a:p>
         </p:txBody>
       </p:sp>
     </p:spTree>
     <p:extLst>
       <p:ext uri="{BB962C8B-B14F-4D97-AF65-F5344CB8AC3E}">
-        <p14:creationId xmlns:p14="http://schemas.microsoft.com/office/powerpoint/2010/main" val="2607227224"/>
+        <p14:creationId xmlns:p14="http://schemas.microsoft.com/office/powerpoint/2010/main" val="4114185277"/>
       </p:ext>
     </p:extLst>
   </p:cSld>
   <p:clrMapOvr>
     <a:masterClrMapping/>
   </p:clrMapOvr>
-  <p:timing>
-    <p:tnLst>
-      <p:par>
-        <p:cTn id="1" dur="indefinite" restart="never" nodeType="tmRoot"/>
-      </p:par>
-    </p:tnLst>
-  </p:timing>
 </p:sld>
 </file>
 
@@ -2959,7 +2914,7 @@
       </p:grpSpPr>
       <p:sp>
         <p:nvSpPr>
-          <p:cNvPr id="4" name="文本占位符 3"/>
+          <p:cNvPr id="2" name="文本占位符 1"/>
           <p:cNvSpPr>
             <a:spLocks noGrp="1"/>
           </p:cNvSpPr>
@@ -2973,16 +2928,22 @@
           <a:lstStyle/>
           <a:p>
             <a:r>
-              <a:rPr lang="zh-CN" altLang="en-US" dirty="0" smtClean="0"/>
-              <a:t>图形美化</a:t>
-            </a:r>
-            <a:endParaRPr lang="zh-CN" altLang="en-US" dirty="0"/>
-          </a:p>
-        </p:txBody>
-      </p:sp>
-      <p:sp>
-        <p:nvSpPr>
-          <p:cNvPr id="5" name="文本占位符 4"/>
+              <a:rPr lang="zh-CN" altLang="en-US" dirty="0"/>
+              <a:t>绘制</a:t>
+            </a:r>
+            <a:endParaRPr lang="en-US" altLang="zh-CN" dirty="0"/>
+          </a:p>
+          <a:p>
+            <a:r>
+              <a:rPr lang="zh-CN" altLang="en-US" dirty="0"/>
+              <a:t>多子图</a:t>
+            </a:r>
+          </a:p>
+        </p:txBody>
+      </p:sp>
+      <p:sp>
+        <p:nvSpPr>
+          <p:cNvPr id="3" name="文本占位符 2"/>
           <p:cNvSpPr>
             <a:spLocks noGrp="1"/>
           </p:cNvSpPr>
@@ -2996,30 +2957,164 @@
           <a:lstStyle/>
           <a:p>
             <a:r>
-              <a:rPr lang="en-US" altLang="zh-CN" dirty="0" smtClean="0"/>
-              <a:t>2</a:t>
-            </a:r>
-            <a:endParaRPr lang="zh-CN" altLang="en-US" dirty="0"/>
+              <a:rPr lang="zh-CN" altLang="en-US" dirty="0"/>
+              <a:t>利用</a:t>
+            </a:r>
+            <a:r>
+              <a:rPr lang="en-US" altLang="zh-CN" dirty="0"/>
+              <a:t>subplot()</a:t>
+            </a:r>
+            <a:r>
+              <a:rPr lang="zh-CN" altLang="en-US" dirty="0"/>
+              <a:t>创建多个坐标轴</a:t>
+            </a:r>
+          </a:p>
+        </p:txBody>
+      </p:sp>
+      <p:pic>
+        <p:nvPicPr>
+          <p:cNvPr id="4" name="图片 3"/>
+          <p:cNvPicPr>
+            <a:picLocks noChangeAspect="1"/>
+          </p:cNvPicPr>
+          <p:nvPr/>
+        </p:nvPicPr>
+        <p:blipFill>
+          <a:blip r:embed="rId2"/>
+          <a:stretch>
+            <a:fillRect/>
+          </a:stretch>
+        </p:blipFill>
+        <p:spPr>
+          <a:xfrm>
+            <a:off x="3104459" y="1041280"/>
+            <a:ext cx="2203563" cy="2343270"/>
+          </a:xfrm>
+          <a:prstGeom prst="rect">
+            <a:avLst/>
+          </a:prstGeom>
+          <a:ln>
+            <a:solidFill>
+              <a:schemeClr val="tx1"/>
+            </a:solidFill>
+          </a:ln>
+        </p:spPr>
+      </p:pic>
+      <p:pic>
+        <p:nvPicPr>
+          <p:cNvPr id="5" name="图片 4"/>
+          <p:cNvPicPr>
+            <a:picLocks noChangeAspect="1"/>
+          </p:cNvPicPr>
+          <p:nvPr/>
+        </p:nvPicPr>
+        <p:blipFill>
+          <a:blip r:embed="rId3"/>
+          <a:stretch>
+            <a:fillRect/>
+          </a:stretch>
+        </p:blipFill>
+        <p:spPr>
+          <a:xfrm>
+            <a:off x="3104459" y="3710360"/>
+            <a:ext cx="3233280" cy="2880000"/>
+          </a:xfrm>
+          <a:prstGeom prst="rect">
+            <a:avLst/>
+          </a:prstGeom>
+          <a:ln>
+            <a:solidFill>
+              <a:schemeClr val="tx1"/>
+            </a:solidFill>
+          </a:ln>
+        </p:spPr>
+      </p:pic>
+      <p:sp>
+        <p:nvSpPr>
+          <p:cNvPr id="6" name="文本框 5"/>
+          <p:cNvSpPr txBox="1"/>
+          <p:nvPr/>
+        </p:nvSpPr>
+        <p:spPr>
+          <a:xfrm>
+            <a:off x="2212154" y="932964"/>
+            <a:ext cx="762000" cy="400110"/>
+          </a:xfrm>
+          <a:prstGeom prst="rect">
+            <a:avLst/>
+          </a:prstGeom>
+          <a:noFill/>
+        </p:spPr>
+        <p:txBody>
+          <a:bodyPr wrap="square" rtlCol="0" anchor="ctr">
+            <a:spAutoFit/>
+          </a:bodyPr>
+          <a:lstStyle/>
+          <a:p>
+            <a:pPr algn="ctr"/>
+            <a:r>
+              <a:rPr lang="zh-CN" altLang="en-US" sz="2000" dirty="0">
+                <a:solidFill>
+                  <a:schemeClr val="accent5">
+                    <a:lumMod val="75000"/>
+                  </a:schemeClr>
+                </a:solidFill>
+                <a:latin typeface="幼圆" panose="02010509060101010101" pitchFamily="49" charset="-122"/>
+                <a:ea typeface="幼圆" panose="02010509060101010101" pitchFamily="49" charset="-122"/>
+              </a:rPr>
+              <a:t>代码</a:t>
+            </a:r>
+          </a:p>
+        </p:txBody>
+      </p:sp>
+      <p:sp>
+        <p:nvSpPr>
+          <p:cNvPr id="7" name="文本框 6"/>
+          <p:cNvSpPr txBox="1"/>
+          <p:nvPr/>
+        </p:nvSpPr>
+        <p:spPr>
+          <a:xfrm>
+            <a:off x="2215118" y="3610635"/>
+            <a:ext cx="762000" cy="400110"/>
+          </a:xfrm>
+          <a:prstGeom prst="rect">
+            <a:avLst/>
+          </a:prstGeom>
+          <a:noFill/>
+        </p:spPr>
+        <p:txBody>
+          <a:bodyPr wrap="square" rtlCol="0" anchor="ctr">
+            <a:spAutoFit/>
+          </a:bodyPr>
+          <a:lstStyle/>
+          <a:p>
+            <a:pPr algn="ctr"/>
+            <a:r>
+              <a:rPr lang="zh-CN" altLang="en-US" sz="2000" dirty="0">
+                <a:solidFill>
+                  <a:schemeClr val="accent5">
+                    <a:lumMod val="75000"/>
+                  </a:schemeClr>
+                </a:solidFill>
+                <a:latin typeface="幼圆" panose="02010509060101010101" pitchFamily="49" charset="-122"/>
+                <a:ea typeface="幼圆" panose="02010509060101010101" pitchFamily="49" charset="-122"/>
+              </a:rPr>
+              <a:t>输出</a:t>
+            </a:r>
           </a:p>
         </p:txBody>
       </p:sp>
     </p:spTree>
     <p:extLst>
       <p:ext uri="{BB962C8B-B14F-4D97-AF65-F5344CB8AC3E}">
-        <p14:creationId xmlns:p14="http://schemas.microsoft.com/office/powerpoint/2010/main" val="2377343258"/>
+        <p14:creationId xmlns:p14="http://schemas.microsoft.com/office/powerpoint/2010/main" val="2607227224"/>
       </p:ext>
     </p:extLst>
   </p:cSld>
   <p:clrMapOvr>
     <a:masterClrMapping/>
   </p:clrMapOvr>
-  <p:timing>
-    <p:tnLst>
-      <p:par>
-        <p:cTn id="1" dur="indefinite" restart="never" nodeType="tmRoot"/>
-      </p:par>
-    </p:tnLst>
-  </p:timing>
 </p:sld>
 </file>
 
@@ -3042,7 +3137,7 @@
       </p:grpSpPr>
       <p:sp>
         <p:nvSpPr>
-          <p:cNvPr id="2" name="文本占位符 1"/>
+          <p:cNvPr id="4" name="文本占位符 3"/>
           <p:cNvSpPr>
             <a:spLocks noGrp="1"/>
           </p:cNvSpPr>
@@ -3056,23 +3151,15 @@
           <a:lstStyle/>
           <a:p>
             <a:r>
-              <a:rPr lang="zh-CN" altLang="en-US" dirty="0" smtClean="0"/>
-              <a:t>绘图</a:t>
-            </a:r>
-            <a:endParaRPr lang="en-US" altLang="zh-CN" dirty="0" smtClean="0"/>
-          </a:p>
-          <a:p>
-            <a:r>
-              <a:rPr lang="zh-CN" altLang="en-US" dirty="0" smtClean="0"/>
-              <a:t>控制命令</a:t>
-            </a:r>
-            <a:endParaRPr lang="zh-CN" altLang="en-US" dirty="0"/>
-          </a:p>
-        </p:txBody>
-      </p:sp>
-      <p:sp>
-        <p:nvSpPr>
-          <p:cNvPr id="3" name="文本占位符 2"/>
+              <a:rPr lang="zh-CN" altLang="en-US" dirty="0"/>
+              <a:t>图形美化</a:t>
+            </a:r>
+          </a:p>
+        </p:txBody>
+      </p:sp>
+      <p:sp>
+        <p:nvSpPr>
+          <p:cNvPr id="5" name="文本占位符 4"/>
           <p:cNvSpPr>
             <a:spLocks noGrp="1"/>
           </p:cNvSpPr>
@@ -3086,59 +3173,23 @@
           <a:lstStyle/>
           <a:p>
             <a:r>
-              <a:rPr lang="zh-CN" altLang="en-US" dirty="0" smtClean="0"/>
-              <a:t>利用以下命令可直接控制坐标轴的一些属性</a:t>
+              <a:rPr lang="en-US" altLang="zh-CN" dirty="0"/>
+              <a:t>2</a:t>
             </a:r>
             <a:endParaRPr lang="zh-CN" altLang="en-US" dirty="0"/>
           </a:p>
         </p:txBody>
       </p:sp>
-      <p:pic>
-        <p:nvPicPr>
-          <p:cNvPr id="5" name="图片 4"/>
-          <p:cNvPicPr>
-            <a:picLocks noChangeAspect="1"/>
-          </p:cNvPicPr>
-          <p:nvPr/>
-        </p:nvPicPr>
-        <p:blipFill>
-          <a:blip r:embed="rId2"/>
-          <a:stretch>
-            <a:fillRect/>
-          </a:stretch>
-        </p:blipFill>
-        <p:spPr>
-          <a:xfrm>
-            <a:off x="2359157" y="1126337"/>
-            <a:ext cx="4718292" cy="2965602"/>
-          </a:xfrm>
-          <a:prstGeom prst="rect">
-            <a:avLst/>
-          </a:prstGeom>
-          <a:ln>
-            <a:solidFill>
-              <a:schemeClr val="tx1"/>
-            </a:solidFill>
-          </a:ln>
-        </p:spPr>
-      </p:pic>
     </p:spTree>
     <p:extLst>
       <p:ext uri="{BB962C8B-B14F-4D97-AF65-F5344CB8AC3E}">
-        <p14:creationId xmlns:p14="http://schemas.microsoft.com/office/powerpoint/2010/main" val="2786006066"/>
+        <p14:creationId xmlns:p14="http://schemas.microsoft.com/office/powerpoint/2010/main" val="2377343258"/>
       </p:ext>
     </p:extLst>
   </p:cSld>
   <p:clrMapOvr>
     <a:masterClrMapping/>
   </p:clrMapOvr>
-  <p:timing>
-    <p:tnLst>
-      <p:par>
-        <p:cTn id="1" dur="indefinite" restart="never" nodeType="tmRoot"/>
-      </p:par>
-    </p:tnLst>
-  </p:timing>
 </p:sld>
 </file>
 
@@ -3175,17 +3226,16 @@
           <a:lstStyle/>
           <a:p>
             <a:r>
-              <a:rPr lang="zh-CN" altLang="en-US" dirty="0" smtClean="0"/>
+              <a:rPr lang="zh-CN" altLang="en-US" dirty="0"/>
               <a:t>绘图</a:t>
             </a:r>
-            <a:endParaRPr lang="en-US" altLang="zh-CN" dirty="0" smtClean="0"/>
-          </a:p>
-          <a:p>
-            <a:r>
-              <a:rPr lang="zh-CN" altLang="en-US" dirty="0" smtClean="0"/>
+            <a:endParaRPr lang="en-US" altLang="zh-CN" dirty="0"/>
+          </a:p>
+          <a:p>
+            <a:r>
+              <a:rPr lang="zh-CN" altLang="en-US" dirty="0"/>
               <a:t>控制命令</a:t>
             </a:r>
-            <a:endParaRPr lang="zh-CN" altLang="en-US" dirty="0"/>
           </a:p>
         </p:txBody>
       </p:sp>
@@ -3205,18 +3255,119 @@
           <a:lstStyle/>
           <a:p>
             <a:r>
-              <a:rPr lang="zh-CN" altLang="en-US" dirty="0" smtClean="0"/>
-              <a:t>利用                                                  来</a:t>
-            </a:r>
-            <a:r>
               <a:rPr lang="zh-CN" altLang="en-US" dirty="0"/>
-              <a:t>详细</a:t>
-            </a:r>
-            <a:r>
-              <a:rPr lang="zh-CN" altLang="en-US" dirty="0" smtClean="0"/>
-              <a:t>指定坐标轴的属性</a:t>
-            </a:r>
-            <a:endParaRPr lang="zh-CN" altLang="en-US" dirty="0"/>
+              <a:t>利用以下命令可直接控制坐标轴的一些属性</a:t>
+            </a:r>
+          </a:p>
+        </p:txBody>
+      </p:sp>
+      <p:pic>
+        <p:nvPicPr>
+          <p:cNvPr id="5" name="图片 4"/>
+          <p:cNvPicPr>
+            <a:picLocks noChangeAspect="1"/>
+          </p:cNvPicPr>
+          <p:nvPr/>
+        </p:nvPicPr>
+        <p:blipFill>
+          <a:blip r:embed="rId2"/>
+          <a:stretch>
+            <a:fillRect/>
+          </a:stretch>
+        </p:blipFill>
+        <p:spPr>
+          <a:xfrm>
+            <a:off x="2359157" y="1126337"/>
+            <a:ext cx="4718292" cy="2965602"/>
+          </a:xfrm>
+          <a:prstGeom prst="rect">
+            <a:avLst/>
+          </a:prstGeom>
+          <a:ln>
+            <a:solidFill>
+              <a:schemeClr val="tx1"/>
+            </a:solidFill>
+          </a:ln>
+        </p:spPr>
+      </p:pic>
+    </p:spTree>
+    <p:extLst>
+      <p:ext uri="{BB962C8B-B14F-4D97-AF65-F5344CB8AC3E}">
+        <p14:creationId xmlns:p14="http://schemas.microsoft.com/office/powerpoint/2010/main" val="2786006066"/>
+      </p:ext>
+    </p:extLst>
+  </p:cSld>
+  <p:clrMapOvr>
+    <a:masterClrMapping/>
+  </p:clrMapOvr>
+</p:sld>
+</file>
+
+<file path=ppt/slides/slide16.xml><?xml version="1.0" encoding="utf-8"?>
+<p:sld xmlns:a="http://schemas.openxmlformats.org/drawingml/2006/main" xmlns:r="http://schemas.openxmlformats.org/officeDocument/2006/relationships" xmlns:p="http://schemas.openxmlformats.org/presentationml/2006/main">
+  <p:cSld>
+    <p:spTree>
+      <p:nvGrpSpPr>
+        <p:cNvPr id="1" name=""/>
+        <p:cNvGrpSpPr/>
+        <p:nvPr/>
+      </p:nvGrpSpPr>
+      <p:grpSpPr>
+        <a:xfrm>
+          <a:off x="0" y="0"/>
+          <a:ext cx="0" cy="0"/>
+          <a:chOff x="0" y="0"/>
+          <a:chExt cx="0" cy="0"/>
+        </a:xfrm>
+      </p:grpSpPr>
+      <p:sp>
+        <p:nvSpPr>
+          <p:cNvPr id="2" name="文本占位符 1"/>
+          <p:cNvSpPr>
+            <a:spLocks noGrp="1"/>
+          </p:cNvSpPr>
+          <p:nvPr>
+            <p:ph type="body" sz="quarter" idx="10"/>
+          </p:nvPr>
+        </p:nvSpPr>
+        <p:spPr/>
+        <p:txBody>
+          <a:bodyPr/>
+          <a:lstStyle/>
+          <a:p>
+            <a:r>
+              <a:rPr lang="zh-CN" altLang="en-US" dirty="0"/>
+              <a:t>绘图</a:t>
+            </a:r>
+            <a:endParaRPr lang="en-US" altLang="zh-CN" dirty="0"/>
+          </a:p>
+          <a:p>
+            <a:r>
+              <a:rPr lang="zh-CN" altLang="en-US" dirty="0"/>
+              <a:t>控制命令</a:t>
+            </a:r>
+          </a:p>
+        </p:txBody>
+      </p:sp>
+      <p:sp>
+        <p:nvSpPr>
+          <p:cNvPr id="3" name="文本占位符 2"/>
+          <p:cNvSpPr>
+            <a:spLocks noGrp="1"/>
+          </p:cNvSpPr>
+          <p:nvPr>
+            <p:ph type="body" sz="quarter" idx="11"/>
+          </p:nvPr>
+        </p:nvSpPr>
+        <p:spPr/>
+        <p:txBody>
+          <a:bodyPr/>
+          <a:lstStyle/>
+          <a:p>
+            <a:r>
+              <a:rPr lang="zh-CN" altLang="en-US" dirty="0"/>
+              <a:t>利用                                                  来详细指定坐标轴的属性</a:t>
+            </a:r>
           </a:p>
         </p:txBody>
       </p:sp>
@@ -3269,8 +3420,20 @@
                 <a:tableStyleId>{5C22544A-7EE6-4342-B048-85BDC9FD1C3A}</a:tableStyleId>
               </a:tblPr>
               <a:tblGrid>
-                <a:gridCol w="1710166"/>
-                <a:gridCol w="3350362"/>
+                <a:gridCol w="1710166">
+                  <a:extLst>
+                    <a:ext uri="{9D8B030D-6E8A-4147-A177-3AD203B41FA5}">
+                      <a16:colId xmlns:a16="http://schemas.microsoft.com/office/drawing/2014/main" val="20000"/>
+                    </a:ext>
+                  </a:extLst>
+                </a:gridCol>
+                <a:gridCol w="3350362">
+                  <a:extLst>
+                    <a:ext uri="{9D8B030D-6E8A-4147-A177-3AD203B41FA5}">
+                      <a16:colId xmlns:a16="http://schemas.microsoft.com/office/drawing/2014/main" val="20001"/>
+                    </a:ext>
+                  </a:extLst>
+                </a:gridCol>
               </a:tblGrid>
               <a:tr h="370840">
                 <a:tc>
@@ -3280,7 +3443,7 @@
                     <a:p>
                       <a:pPr algn="ctr"/>
                       <a:r>
-                        <a:rPr lang="en-US" altLang="zh-CN" sz="1800" b="0" baseline="0" dirty="0" smtClean="0">
+                        <a:rPr lang="en-US" altLang="zh-CN" sz="1800" b="0" baseline="0" dirty="0">
                           <a:latin typeface="Times New Roman" panose="02020603050405020304" pitchFamily="18" charset="0"/>
                           <a:ea typeface="微软雅黑" panose="020B0503020204020204" pitchFamily="34" charset="-122"/>
                         </a:rPr>
@@ -3301,20 +3464,21 @@
                     <a:p>
                       <a:pPr algn="ctr"/>
                       <a:r>
-                        <a:rPr lang="zh-CN" altLang="en-US" sz="1800" b="0" baseline="0" dirty="0" smtClean="0">
+                        <a:rPr lang="zh-CN" altLang="en-US" sz="1800" b="0" baseline="0" dirty="0">
                           <a:latin typeface="Times New Roman" panose="02020603050405020304" pitchFamily="18" charset="0"/>
                           <a:ea typeface="微软雅黑" panose="020B0503020204020204" pitchFamily="34" charset="-122"/>
                         </a:rPr>
                         <a:t>含义</a:t>
                       </a:r>
-                      <a:endParaRPr lang="zh-CN" altLang="en-US" sz="1800" b="0" baseline="0" dirty="0">
-                        <a:latin typeface="Times New Roman" panose="02020603050405020304" pitchFamily="18" charset="0"/>
-                        <a:ea typeface="微软雅黑" panose="020B0503020204020204" pitchFamily="34" charset="-122"/>
-                      </a:endParaRPr>
                     </a:p>
                   </a:txBody>
                   <a:tcPr anchor="ctr"/>
                 </a:tc>
+                <a:extLst>
+                  <a:ext uri="{0D108BD9-81ED-4DB2-BD59-A6C34878D82A}">
+                    <a16:rowId xmlns:a16="http://schemas.microsoft.com/office/drawing/2014/main" val="10000"/>
+                  </a:ext>
+                </a:extLst>
               </a:tr>
               <a:tr h="370840">
                 <a:tc>
@@ -3324,7 +3488,7 @@
                     <a:p>
                       <a:pPr marL="0" algn="ctr" defTabSz="685800" rtl="0" eaLnBrk="1" latinLnBrk="0" hangingPunct="1"/>
                       <a:r>
-                        <a:rPr lang="en-US" altLang="zh-CN" sz="1400" kern="1200" dirty="0" smtClean="0">
+                        <a:rPr lang="en-US" altLang="zh-CN" sz="1400" kern="1200" dirty="0">
                           <a:solidFill>
                             <a:srgbClr val="0000FF"/>
                           </a:solidFill>
@@ -3335,7 +3499,7 @@
                         <a:t>‘</a:t>
                       </a:r>
                       <a:r>
-                        <a:rPr lang="en-US" altLang="zh-CN" sz="1400" kern="1200" dirty="0" err="1" smtClean="0">
+                        <a:rPr lang="en-US" altLang="zh-CN" sz="1400" kern="1200" dirty="0" err="1">
                           <a:solidFill>
                             <a:srgbClr val="0000FF"/>
                           </a:solidFill>
@@ -3346,7 +3510,7 @@
                         <a:t>NextPlot</a:t>
                       </a:r>
                       <a:r>
-                        <a:rPr lang="en-US" altLang="zh-CN" sz="1400" kern="1200" dirty="0" smtClean="0">
+                        <a:rPr lang="en-US" altLang="zh-CN" sz="1400" kern="1200" dirty="0">
                           <a:solidFill>
                             <a:srgbClr val="0000FF"/>
                           </a:solidFill>
@@ -3375,20 +3539,21 @@
                     <a:p>
                       <a:pPr marL="0" algn="ctr"/>
                       <a:r>
-                        <a:rPr lang="zh-CN" altLang="en-US" sz="1400" baseline="0" dirty="0" smtClean="0">
+                        <a:rPr lang="zh-CN" altLang="en-US" sz="1400" baseline="0" dirty="0">
                           <a:latin typeface="Times New Roman" panose="02020603050405020304" pitchFamily="18" charset="0"/>
                           <a:ea typeface="幼圆" panose="02010509060101010101" pitchFamily="49" charset="-122"/>
                         </a:rPr>
                         <a:t>绘制下个图形是否删除所有已有图形</a:t>
                       </a:r>
-                      <a:endParaRPr lang="zh-CN" altLang="en-US" sz="1400" baseline="0" dirty="0">
-                        <a:latin typeface="Times New Roman" panose="02020603050405020304" pitchFamily="18" charset="0"/>
-                        <a:ea typeface="幼圆" panose="02010509060101010101" pitchFamily="49" charset="-122"/>
-                      </a:endParaRPr>
                     </a:p>
                   </a:txBody>
                   <a:tcPr anchor="ctr"/>
                 </a:tc>
+                <a:extLst>
+                  <a:ext uri="{0D108BD9-81ED-4DB2-BD59-A6C34878D82A}">
+                    <a16:rowId xmlns:a16="http://schemas.microsoft.com/office/drawing/2014/main" val="10001"/>
+                  </a:ext>
+                </a:extLst>
               </a:tr>
               <a:tr h="370840">
                 <a:tc>
@@ -3398,7 +3563,7 @@
                     <a:p>
                       <a:pPr marL="0" algn="ctr" defTabSz="685800" rtl="0" eaLnBrk="1" latinLnBrk="0" hangingPunct="1"/>
                       <a:r>
-                        <a:rPr lang="en-US" altLang="zh-CN" sz="1400" kern="1200" dirty="0" smtClean="0">
+                        <a:rPr lang="en-US" altLang="zh-CN" sz="1400" kern="1200" dirty="0">
                           <a:solidFill>
                             <a:srgbClr val="0000FF"/>
                           </a:solidFill>
@@ -3427,20 +3592,21 @@
                     <a:p>
                       <a:pPr marL="0" algn="ctr"/>
                       <a:r>
-                        <a:rPr lang="zh-CN" altLang="en-US" sz="1400" baseline="0" dirty="0" smtClean="0">
+                        <a:rPr lang="zh-CN" altLang="en-US" sz="1400" baseline="0" dirty="0">
                           <a:latin typeface="Times New Roman" panose="02020603050405020304" pitchFamily="18" charset="0"/>
                           <a:ea typeface="幼圆" panose="02010509060101010101" pitchFamily="49" charset="-122"/>
                         </a:rPr>
                         <a:t>是否显示坐标轴边框</a:t>
                       </a:r>
-                      <a:endParaRPr lang="zh-CN" altLang="en-US" sz="1400" baseline="0" dirty="0">
-                        <a:latin typeface="Times New Roman" panose="02020603050405020304" pitchFamily="18" charset="0"/>
-                        <a:ea typeface="幼圆" panose="02010509060101010101" pitchFamily="49" charset="-122"/>
-                      </a:endParaRPr>
                     </a:p>
                   </a:txBody>
                   <a:tcPr anchor="ctr"/>
                 </a:tc>
+                <a:extLst>
+                  <a:ext uri="{0D108BD9-81ED-4DB2-BD59-A6C34878D82A}">
+                    <a16:rowId xmlns:a16="http://schemas.microsoft.com/office/drawing/2014/main" val="10002"/>
+                  </a:ext>
+                </a:extLst>
               </a:tr>
               <a:tr h="370840">
                 <a:tc>
@@ -3450,7 +3616,7 @@
                     <a:p>
                       <a:pPr marL="0" algn="ctr" defTabSz="685800" rtl="0" eaLnBrk="1" latinLnBrk="0" hangingPunct="1"/>
                       <a:r>
-                        <a:rPr lang="en-US" altLang="zh-CN" sz="1400" kern="1200" dirty="0" smtClean="0">
+                        <a:rPr lang="en-US" altLang="zh-CN" sz="1400" kern="1200" dirty="0">
                           <a:solidFill>
                             <a:srgbClr val="0000FF"/>
                           </a:solidFill>
@@ -3461,7 +3627,7 @@
                         <a:t>‘</a:t>
                       </a:r>
                       <a:r>
-                        <a:rPr lang="en-US" altLang="zh-CN" sz="1400" kern="1200" dirty="0" err="1" smtClean="0">
+                        <a:rPr lang="en-US" altLang="zh-CN" sz="1400" kern="1200" dirty="0" err="1">
                           <a:solidFill>
                             <a:srgbClr val="0000FF"/>
                           </a:solidFill>
@@ -3472,7 +3638,7 @@
                         <a:t>FontSize</a:t>
                       </a:r>
                       <a:r>
-                        <a:rPr lang="en-US" altLang="zh-CN" sz="1400" kern="1200" dirty="0" smtClean="0">
+                        <a:rPr lang="en-US" altLang="zh-CN" sz="1400" kern="1200" dirty="0">
                           <a:solidFill>
                             <a:srgbClr val="0000FF"/>
                           </a:solidFill>
@@ -3501,20 +3667,21 @@
                     <a:p>
                       <a:pPr marL="0" algn="ctr"/>
                       <a:r>
-                        <a:rPr lang="zh-CN" altLang="en-US" sz="1400" baseline="0" dirty="0" smtClean="0">
+                        <a:rPr lang="zh-CN" altLang="en-US" sz="1400" baseline="0" dirty="0">
                           <a:latin typeface="Times New Roman" panose="02020603050405020304" pitchFamily="18" charset="0"/>
                           <a:ea typeface="幼圆" panose="02010509060101010101" pitchFamily="49" charset="-122"/>
                         </a:rPr>
                         <a:t>字号</a:t>
                       </a:r>
-                      <a:endParaRPr lang="zh-CN" altLang="en-US" sz="1400" baseline="0" dirty="0">
-                        <a:latin typeface="Times New Roman" panose="02020603050405020304" pitchFamily="18" charset="0"/>
-                        <a:ea typeface="幼圆" panose="02010509060101010101" pitchFamily="49" charset="-122"/>
-                      </a:endParaRPr>
                     </a:p>
                   </a:txBody>
                   <a:tcPr anchor="ctr"/>
                 </a:tc>
+                <a:extLst>
+                  <a:ext uri="{0D108BD9-81ED-4DB2-BD59-A6C34878D82A}">
+                    <a16:rowId xmlns:a16="http://schemas.microsoft.com/office/drawing/2014/main" val="10003"/>
+                  </a:ext>
+                </a:extLst>
               </a:tr>
               <a:tr h="370840">
                 <a:tc>
@@ -3524,7 +3691,7 @@
                     <a:p>
                       <a:pPr marL="0" algn="ctr" defTabSz="685800" rtl="0" eaLnBrk="1" latinLnBrk="0" hangingPunct="1"/>
                       <a:r>
-                        <a:rPr lang="en-US" altLang="zh-CN" sz="1400" kern="1200" dirty="0" smtClean="0">
+                        <a:rPr lang="en-US" altLang="zh-CN" sz="1400" kern="1200" dirty="0">
                           <a:solidFill>
                             <a:srgbClr val="0000FF"/>
                           </a:solidFill>
@@ -3535,7 +3702,7 @@
                         <a:t>‘</a:t>
                       </a:r>
                       <a:r>
-                        <a:rPr lang="en-US" altLang="zh-CN" sz="1400" kern="1200" dirty="0" err="1" smtClean="0">
+                        <a:rPr lang="en-US" altLang="zh-CN" sz="1400" kern="1200" dirty="0" err="1">
                           <a:solidFill>
                             <a:srgbClr val="0000FF"/>
                           </a:solidFill>
@@ -3546,7 +3713,7 @@
                         <a:t>FontName</a:t>
                       </a:r>
                       <a:r>
-                        <a:rPr lang="en-US" altLang="zh-CN" sz="1400" kern="1200" dirty="0" smtClean="0">
+                        <a:rPr lang="en-US" altLang="zh-CN" sz="1400" kern="1200" dirty="0">
                           <a:solidFill>
                             <a:srgbClr val="0000FF"/>
                           </a:solidFill>
@@ -3575,20 +3742,21 @@
                     <a:p>
                       <a:pPr marL="0" algn="ctr"/>
                       <a:r>
-                        <a:rPr lang="zh-CN" altLang="en-US" sz="1400" baseline="0" dirty="0" smtClean="0">
+                        <a:rPr lang="zh-CN" altLang="en-US" sz="1400" baseline="0" dirty="0">
                           <a:latin typeface="Times New Roman" panose="02020603050405020304" pitchFamily="18" charset="0"/>
                           <a:ea typeface="幼圆" panose="02010509060101010101" pitchFamily="49" charset="-122"/>
                         </a:rPr>
                         <a:t>字体</a:t>
                       </a:r>
-                      <a:endParaRPr lang="zh-CN" altLang="en-US" sz="1400" baseline="0" dirty="0">
-                        <a:latin typeface="Times New Roman" panose="02020603050405020304" pitchFamily="18" charset="0"/>
-                        <a:ea typeface="幼圆" panose="02010509060101010101" pitchFamily="49" charset="-122"/>
-                      </a:endParaRPr>
                     </a:p>
                   </a:txBody>
                   <a:tcPr anchor="ctr"/>
                 </a:tc>
+                <a:extLst>
+                  <a:ext uri="{0D108BD9-81ED-4DB2-BD59-A6C34878D82A}">
+                    <a16:rowId xmlns:a16="http://schemas.microsoft.com/office/drawing/2014/main" val="10004"/>
+                  </a:ext>
+                </a:extLst>
               </a:tr>
               <a:tr h="370840">
                 <a:tc>
@@ -3598,7 +3766,7 @@
                     <a:p>
                       <a:pPr marL="0" algn="ctr" defTabSz="685800" rtl="0" eaLnBrk="1" latinLnBrk="0" hangingPunct="1"/>
                       <a:r>
-                        <a:rPr lang="en-US" altLang="zh-CN" sz="1400" kern="1200" dirty="0" smtClean="0">
+                        <a:rPr lang="en-US" altLang="zh-CN" sz="1400" kern="1200" dirty="0">
                           <a:solidFill>
                             <a:srgbClr val="0000FF"/>
                           </a:solidFill>
@@ -3627,20 +3795,21 @@
                     <a:p>
                       <a:pPr marL="0" algn="ctr"/>
                       <a:r>
-                        <a:rPr lang="zh-CN" altLang="en-US" sz="1400" baseline="0" dirty="0" smtClean="0">
+                        <a:rPr lang="zh-CN" altLang="en-US" sz="1400" baseline="0" dirty="0">
                           <a:latin typeface="Times New Roman" panose="02020603050405020304" pitchFamily="18" charset="0"/>
                           <a:ea typeface="幼圆" panose="02010509060101010101" pitchFamily="49" charset="-122"/>
                         </a:rPr>
                         <a:t>坐标轴的三维视角</a:t>
                       </a:r>
-                      <a:endParaRPr lang="zh-CN" altLang="en-US" sz="1400" baseline="0" dirty="0">
-                        <a:latin typeface="Times New Roman" panose="02020603050405020304" pitchFamily="18" charset="0"/>
-                        <a:ea typeface="幼圆" panose="02010509060101010101" pitchFamily="49" charset="-122"/>
-                      </a:endParaRPr>
                     </a:p>
                   </a:txBody>
                   <a:tcPr anchor="ctr"/>
                 </a:tc>
+                <a:extLst>
+                  <a:ext uri="{0D108BD9-81ED-4DB2-BD59-A6C34878D82A}">
+                    <a16:rowId xmlns:a16="http://schemas.microsoft.com/office/drawing/2014/main" val="10005"/>
+                  </a:ext>
+                </a:extLst>
               </a:tr>
               <a:tr h="370840">
                 <a:tc>
@@ -3650,7 +3819,7 @@
                     <a:p>
                       <a:pPr marL="0" algn="ctr" defTabSz="685800" rtl="0" eaLnBrk="1" latinLnBrk="0" hangingPunct="1"/>
                       <a:r>
-                        <a:rPr lang="en-US" altLang="zh-CN" sz="1400" kern="1200" dirty="0" smtClean="0">
+                        <a:rPr lang="en-US" altLang="zh-CN" sz="1400" kern="1200" dirty="0">
                           <a:solidFill>
                             <a:srgbClr val="0000FF"/>
                           </a:solidFill>
@@ -3661,7 +3830,7 @@
                         <a:t>‘</a:t>
                       </a:r>
                       <a:r>
-                        <a:rPr lang="en-US" altLang="zh-CN" sz="1400" kern="1200" dirty="0" err="1" smtClean="0">
+                        <a:rPr lang="en-US" altLang="zh-CN" sz="1400" kern="1200" dirty="0" err="1">
                           <a:solidFill>
                             <a:srgbClr val="0000FF"/>
                           </a:solidFill>
@@ -3672,7 +3841,7 @@
                         <a:t>XScale</a:t>
                       </a:r>
                       <a:r>
-                        <a:rPr lang="en-US" altLang="zh-CN" sz="1400" kern="1200" dirty="0" smtClean="0">
+                        <a:rPr lang="en-US" altLang="zh-CN" sz="1400" kern="1200" dirty="0">
                           <a:solidFill>
                             <a:srgbClr val="0000FF"/>
                           </a:solidFill>
@@ -3686,7 +3855,7 @@
                     <a:p>
                       <a:pPr marL="0" algn="ctr" defTabSz="685800" rtl="0" eaLnBrk="1" latinLnBrk="0" hangingPunct="1"/>
                       <a:r>
-                        <a:rPr lang="en-US" altLang="zh-CN" sz="1400" kern="1200" dirty="0" smtClean="0">
+                        <a:rPr lang="en-US" altLang="zh-CN" sz="1400" kern="1200" dirty="0">
                           <a:solidFill>
                             <a:srgbClr val="0000FF"/>
                           </a:solidFill>
@@ -3697,7 +3866,7 @@
                         <a:t>‘</a:t>
                       </a:r>
                       <a:r>
-                        <a:rPr lang="en-US" altLang="zh-CN" sz="1400" kern="1200" dirty="0" err="1" smtClean="0">
+                        <a:rPr lang="en-US" altLang="zh-CN" sz="1400" kern="1200" dirty="0" err="1">
                           <a:solidFill>
                             <a:srgbClr val="0000FF"/>
                           </a:solidFill>
@@ -3708,7 +3877,7 @@
                         <a:t>YScale</a:t>
                       </a:r>
                       <a:r>
-                        <a:rPr lang="en-US" altLang="zh-CN" sz="1400" kern="1200" dirty="0" smtClean="0">
+                        <a:rPr lang="en-US" altLang="zh-CN" sz="1400" kern="1200" dirty="0">
                           <a:solidFill>
                             <a:srgbClr val="0000FF"/>
                           </a:solidFill>
@@ -3722,7 +3891,7 @@
                     <a:p>
                       <a:pPr marL="0" algn="ctr" defTabSz="685800" rtl="0" eaLnBrk="1" latinLnBrk="0" hangingPunct="1"/>
                       <a:r>
-                        <a:rPr lang="en-US" altLang="zh-CN" sz="1400" kern="1200" dirty="0" smtClean="0">
+                        <a:rPr lang="en-US" altLang="zh-CN" sz="1400" kern="1200" dirty="0">
                           <a:solidFill>
                             <a:srgbClr val="0000FF"/>
                           </a:solidFill>
@@ -3733,7 +3902,7 @@
                         <a:t>‘</a:t>
                       </a:r>
                       <a:r>
-                        <a:rPr lang="en-US" altLang="zh-CN" sz="1400" kern="1200" dirty="0" err="1" smtClean="0">
+                        <a:rPr lang="en-US" altLang="zh-CN" sz="1400" kern="1200" dirty="0" err="1">
                           <a:solidFill>
                             <a:srgbClr val="0000FF"/>
                           </a:solidFill>
@@ -3744,7 +3913,7 @@
                         <a:t>ZScale</a:t>
                       </a:r>
                       <a:r>
-                        <a:rPr lang="en-US" altLang="zh-CN" sz="1400" kern="1200" dirty="0" smtClean="0">
+                        <a:rPr lang="en-US" altLang="zh-CN" sz="1400" kern="1200" dirty="0">
                           <a:solidFill>
                             <a:srgbClr val="0000FF"/>
                           </a:solidFill>
@@ -3773,20 +3942,21 @@
                     <a:p>
                       <a:pPr marL="0" algn="ctr"/>
                       <a:r>
-                        <a:rPr lang="zh-CN" altLang="en-US" sz="1400" baseline="0" dirty="0" smtClean="0">
+                        <a:rPr lang="zh-CN" altLang="en-US" sz="1400" baseline="0" dirty="0">
                           <a:latin typeface="Times New Roman" panose="02020603050405020304" pitchFamily="18" charset="0"/>
                           <a:ea typeface="幼圆" panose="02010509060101010101" pitchFamily="49" charset="-122"/>
                         </a:rPr>
                         <a:t>该维度坐标轴是线性还是对数显示</a:t>
                       </a:r>
-                      <a:endParaRPr lang="zh-CN" altLang="en-US" sz="1400" baseline="0" dirty="0">
-                        <a:latin typeface="Times New Roman" panose="02020603050405020304" pitchFamily="18" charset="0"/>
-                        <a:ea typeface="幼圆" panose="02010509060101010101" pitchFamily="49" charset="-122"/>
-                      </a:endParaRPr>
                     </a:p>
                   </a:txBody>
                   <a:tcPr anchor="ctr"/>
                 </a:tc>
+                <a:extLst>
+                  <a:ext uri="{0D108BD9-81ED-4DB2-BD59-A6C34878D82A}">
+                    <a16:rowId xmlns:a16="http://schemas.microsoft.com/office/drawing/2014/main" val="10006"/>
+                  </a:ext>
+                </a:extLst>
               </a:tr>
               <a:tr h="370840">
                 <a:tc>
@@ -3796,7 +3966,7 @@
                     <a:p>
                       <a:pPr marL="0" algn="ctr" defTabSz="685800" rtl="0" eaLnBrk="1" latinLnBrk="0" hangingPunct="1"/>
                       <a:r>
-                        <a:rPr lang="en-US" altLang="zh-CN" sz="1400" kern="1200" dirty="0" smtClean="0">
+                        <a:rPr lang="en-US" altLang="zh-CN" sz="1400" kern="1200" dirty="0">
                           <a:solidFill>
                             <a:srgbClr val="0000FF"/>
                           </a:solidFill>
@@ -3807,7 +3977,7 @@
                         <a:t>‘</a:t>
                       </a:r>
                       <a:r>
-                        <a:rPr lang="en-US" altLang="zh-CN" sz="1400" kern="1200" dirty="0" err="1" smtClean="0">
+                        <a:rPr lang="en-US" altLang="zh-CN" sz="1400" kern="1200" dirty="0" err="1">
                           <a:solidFill>
                             <a:srgbClr val="0000FF"/>
                           </a:solidFill>
@@ -3818,7 +3988,7 @@
                         <a:t>XLim</a:t>
                       </a:r>
                       <a:r>
-                        <a:rPr lang="en-US" altLang="zh-CN" sz="1400" kern="1200" dirty="0" smtClean="0">
+                        <a:rPr lang="en-US" altLang="zh-CN" sz="1400" kern="1200" dirty="0">
                           <a:solidFill>
                             <a:srgbClr val="0000FF"/>
                           </a:solidFill>
@@ -3832,7 +4002,7 @@
                     <a:p>
                       <a:pPr marL="0" algn="ctr" defTabSz="685800" rtl="0" eaLnBrk="1" latinLnBrk="0" hangingPunct="1"/>
                       <a:r>
-                        <a:rPr lang="en-US" altLang="zh-CN" sz="1400" kern="1200" dirty="0" smtClean="0">
+                        <a:rPr lang="en-US" altLang="zh-CN" sz="1400" kern="1200" dirty="0">
                           <a:solidFill>
                             <a:srgbClr val="0000FF"/>
                           </a:solidFill>
@@ -3843,7 +4013,7 @@
                         <a:t>‘</a:t>
                       </a:r>
                       <a:r>
-                        <a:rPr lang="en-US" altLang="zh-CN" sz="1400" kern="1200" dirty="0" err="1" smtClean="0">
+                        <a:rPr lang="en-US" altLang="zh-CN" sz="1400" kern="1200" dirty="0" err="1">
                           <a:solidFill>
                             <a:srgbClr val="0000FF"/>
                           </a:solidFill>
@@ -3854,7 +4024,7 @@
                         <a:t>YLim</a:t>
                       </a:r>
                       <a:r>
-                        <a:rPr lang="en-US" altLang="zh-CN" sz="1400" kern="1200" dirty="0" smtClean="0">
+                        <a:rPr lang="en-US" altLang="zh-CN" sz="1400" kern="1200" dirty="0">
                           <a:solidFill>
                             <a:srgbClr val="0000FF"/>
                           </a:solidFill>
@@ -3868,7 +4038,7 @@
                     <a:p>
                       <a:pPr marL="0" algn="ctr" defTabSz="685800" rtl="0" eaLnBrk="1" latinLnBrk="0" hangingPunct="1"/>
                       <a:r>
-                        <a:rPr lang="en-US" altLang="zh-CN" sz="1400" kern="1200" dirty="0" smtClean="0">
+                        <a:rPr lang="en-US" altLang="zh-CN" sz="1400" kern="1200" dirty="0">
                           <a:solidFill>
                             <a:srgbClr val="0000FF"/>
                           </a:solidFill>
@@ -3879,7 +4049,7 @@
                         <a:t>‘</a:t>
                       </a:r>
                       <a:r>
-                        <a:rPr lang="en-US" altLang="zh-CN" sz="1400" kern="1200" dirty="0" err="1" smtClean="0">
+                        <a:rPr lang="en-US" altLang="zh-CN" sz="1400" kern="1200" dirty="0" err="1">
                           <a:solidFill>
                             <a:srgbClr val="0000FF"/>
                           </a:solidFill>
@@ -3890,7 +4060,7 @@
                         <a:t>ZLim</a:t>
                       </a:r>
                       <a:r>
-                        <a:rPr lang="en-US" altLang="zh-CN" sz="1400" kern="1200" dirty="0" smtClean="0">
+                        <a:rPr lang="en-US" altLang="zh-CN" sz="1400" kern="1200" dirty="0">
                           <a:solidFill>
                             <a:srgbClr val="0000FF"/>
                           </a:solidFill>
@@ -3919,20 +4089,21 @@
                     <a:p>
                       <a:pPr marL="0" algn="ctr"/>
                       <a:r>
-                        <a:rPr lang="zh-CN" altLang="en-US" sz="1400" baseline="0" dirty="0" smtClean="0">
+                        <a:rPr lang="zh-CN" altLang="en-US" sz="1400" baseline="0" dirty="0">
                           <a:latin typeface="Times New Roman" panose="02020603050405020304" pitchFamily="18" charset="0"/>
                           <a:ea typeface="幼圆" panose="02010509060101010101" pitchFamily="49" charset="-122"/>
                         </a:rPr>
                         <a:t>该维度坐标轴的显示范围</a:t>
                       </a:r>
-                      <a:endParaRPr lang="zh-CN" altLang="en-US" sz="1400" baseline="0" dirty="0">
-                        <a:latin typeface="Times New Roman" panose="02020603050405020304" pitchFamily="18" charset="0"/>
-                        <a:ea typeface="幼圆" panose="02010509060101010101" pitchFamily="49" charset="-122"/>
-                      </a:endParaRPr>
                     </a:p>
                   </a:txBody>
                   <a:tcPr anchor="ctr"/>
                 </a:tc>
+                <a:extLst>
+                  <a:ext uri="{0D108BD9-81ED-4DB2-BD59-A6C34878D82A}">
+                    <a16:rowId xmlns:a16="http://schemas.microsoft.com/office/drawing/2014/main" val="10007"/>
+                  </a:ext>
+                </a:extLst>
               </a:tr>
               <a:tr h="370840">
                 <a:tc>
@@ -3942,7 +4113,7 @@
                     <a:p>
                       <a:pPr marL="0" algn="ctr" defTabSz="685800" rtl="0" eaLnBrk="1" latinLnBrk="0" hangingPunct="1"/>
                       <a:r>
-                        <a:rPr lang="en-US" altLang="zh-CN" sz="1400" kern="1200" dirty="0" smtClean="0">
+                        <a:rPr lang="en-US" altLang="zh-CN" sz="1400" kern="1200" dirty="0">
                           <a:solidFill>
                             <a:srgbClr val="0000FF"/>
                           </a:solidFill>
@@ -3953,7 +4124,7 @@
                         <a:t>‘</a:t>
                       </a:r>
                       <a:r>
-                        <a:rPr lang="en-US" altLang="zh-CN" sz="1400" kern="1200" dirty="0" err="1" smtClean="0">
+                        <a:rPr lang="en-US" altLang="zh-CN" sz="1400" kern="1200" dirty="0" err="1">
                           <a:solidFill>
                             <a:srgbClr val="0000FF"/>
                           </a:solidFill>
@@ -3964,7 +4135,7 @@
                         <a:t>XTick</a:t>
                       </a:r>
                       <a:r>
-                        <a:rPr lang="en-US" altLang="zh-CN" sz="1400" kern="1200" dirty="0" smtClean="0">
+                        <a:rPr lang="en-US" altLang="zh-CN" sz="1400" kern="1200" dirty="0">
                           <a:solidFill>
                             <a:srgbClr val="0000FF"/>
                           </a:solidFill>
@@ -3978,7 +4149,7 @@
                     <a:p>
                       <a:pPr marL="0" algn="ctr" defTabSz="685800" rtl="0" eaLnBrk="1" latinLnBrk="0" hangingPunct="1"/>
                       <a:r>
-                        <a:rPr lang="en-US" altLang="zh-CN" sz="1400" kern="1200" dirty="0" smtClean="0">
+                        <a:rPr lang="en-US" altLang="zh-CN" sz="1400" kern="1200" dirty="0">
                           <a:solidFill>
                             <a:srgbClr val="0000FF"/>
                           </a:solidFill>
@@ -3989,7 +4160,7 @@
                         <a:t>‘</a:t>
                       </a:r>
                       <a:r>
-                        <a:rPr lang="en-US" altLang="zh-CN" sz="1400" kern="1200" dirty="0" err="1" smtClean="0">
+                        <a:rPr lang="en-US" altLang="zh-CN" sz="1400" kern="1200" dirty="0" err="1">
                           <a:solidFill>
                             <a:srgbClr val="0000FF"/>
                           </a:solidFill>
@@ -4000,7 +4171,7 @@
                         <a:t>YTick</a:t>
                       </a:r>
                       <a:r>
-                        <a:rPr lang="en-US" altLang="zh-CN" sz="1400" kern="1200" dirty="0" smtClean="0">
+                        <a:rPr lang="en-US" altLang="zh-CN" sz="1400" kern="1200" dirty="0">
                           <a:solidFill>
                             <a:srgbClr val="0000FF"/>
                           </a:solidFill>
@@ -4014,7 +4185,7 @@
                     <a:p>
                       <a:pPr marL="0" algn="ctr" defTabSz="685800" rtl="0" eaLnBrk="1" latinLnBrk="0" hangingPunct="1"/>
                       <a:r>
-                        <a:rPr lang="en-US" altLang="zh-CN" sz="1400" kern="1200" dirty="0" smtClean="0">
+                        <a:rPr lang="en-US" altLang="zh-CN" sz="1400" kern="1200" dirty="0">
                           <a:solidFill>
                             <a:srgbClr val="0000FF"/>
                           </a:solidFill>
@@ -4025,7 +4196,7 @@
                         <a:t>‘</a:t>
                       </a:r>
                       <a:r>
-                        <a:rPr lang="en-US" altLang="zh-CN" sz="1400" kern="1200" dirty="0" err="1" smtClean="0">
+                        <a:rPr lang="en-US" altLang="zh-CN" sz="1400" kern="1200" dirty="0" err="1">
                           <a:solidFill>
                             <a:srgbClr val="0000FF"/>
                           </a:solidFill>
@@ -4036,7 +4207,7 @@
                         <a:t>ZTick</a:t>
                       </a:r>
                       <a:r>
-                        <a:rPr lang="en-US" altLang="zh-CN" sz="1400" kern="1200" dirty="0" smtClean="0">
+                        <a:rPr lang="en-US" altLang="zh-CN" sz="1400" kern="1200" dirty="0">
                           <a:solidFill>
                             <a:srgbClr val="0000FF"/>
                           </a:solidFill>
@@ -4065,20 +4236,21 @@
                     <a:p>
                       <a:pPr marL="0" algn="ctr"/>
                       <a:r>
-                        <a:rPr lang="zh-CN" altLang="en-US" sz="1400" baseline="0" dirty="0" smtClean="0">
+                        <a:rPr lang="zh-CN" altLang="en-US" sz="1400" baseline="0" dirty="0">
                           <a:latin typeface="Times New Roman" panose="02020603050405020304" pitchFamily="18" charset="0"/>
                           <a:ea typeface="幼圆" panose="02010509060101010101" pitchFamily="49" charset="-122"/>
                         </a:rPr>
                         <a:t>该维度坐标轴的刻度线位置</a:t>
                       </a:r>
-                      <a:endParaRPr lang="zh-CN" altLang="en-US" sz="1400" baseline="0" dirty="0">
-                        <a:latin typeface="Times New Roman" panose="02020603050405020304" pitchFamily="18" charset="0"/>
-                        <a:ea typeface="幼圆" panose="02010509060101010101" pitchFamily="49" charset="-122"/>
-                      </a:endParaRPr>
                     </a:p>
                   </a:txBody>
                   <a:tcPr anchor="ctr"/>
                 </a:tc>
+                <a:extLst>
+                  <a:ext uri="{0D108BD9-81ED-4DB2-BD59-A6C34878D82A}">
+                    <a16:rowId xmlns:a16="http://schemas.microsoft.com/office/drawing/2014/main" val="10008"/>
+                  </a:ext>
+                </a:extLst>
               </a:tr>
               <a:tr h="370840">
                 <a:tc>
@@ -4088,7 +4260,7 @@
                     <a:p>
                       <a:pPr marL="0" algn="ctr" defTabSz="685800" rtl="0" eaLnBrk="1" latinLnBrk="0" hangingPunct="1"/>
                       <a:r>
-                        <a:rPr lang="en-US" altLang="zh-CN" sz="1400" kern="1200" dirty="0" smtClean="0">
+                        <a:rPr lang="en-US" altLang="zh-CN" sz="1400" kern="1200" dirty="0">
                           <a:solidFill>
                             <a:srgbClr val="0000FF"/>
                           </a:solidFill>
@@ -4099,7 +4271,7 @@
                         <a:t>‘</a:t>
                       </a:r>
                       <a:r>
-                        <a:rPr lang="en-US" altLang="zh-CN" sz="1400" kern="1200" dirty="0" err="1" smtClean="0">
+                        <a:rPr lang="en-US" altLang="zh-CN" sz="1400" kern="1200" dirty="0" err="1">
                           <a:solidFill>
                             <a:srgbClr val="0000FF"/>
                           </a:solidFill>
@@ -4110,7 +4282,7 @@
                         <a:t>XTickLabel</a:t>
                       </a:r>
                       <a:r>
-                        <a:rPr lang="en-US" altLang="zh-CN" sz="1400" kern="1200" dirty="0" smtClean="0">
+                        <a:rPr lang="en-US" altLang="zh-CN" sz="1400" kern="1200" dirty="0">
                           <a:solidFill>
                             <a:srgbClr val="0000FF"/>
                           </a:solidFill>
@@ -4124,7 +4296,7 @@
                     <a:p>
                       <a:pPr marL="0" algn="ctr" defTabSz="685800" rtl="0" eaLnBrk="1" latinLnBrk="0" hangingPunct="1"/>
                       <a:r>
-                        <a:rPr lang="en-US" altLang="zh-CN" sz="1400" kern="1200" dirty="0" smtClean="0">
+                        <a:rPr lang="en-US" altLang="zh-CN" sz="1400" kern="1200" dirty="0">
                           <a:solidFill>
                             <a:srgbClr val="0000FF"/>
                           </a:solidFill>
@@ -4135,7 +4307,7 @@
                         <a:t>‘</a:t>
                       </a:r>
                       <a:r>
-                        <a:rPr lang="en-US" altLang="zh-CN" sz="1400" kern="1200" dirty="0" err="1" smtClean="0">
+                        <a:rPr lang="en-US" altLang="zh-CN" sz="1400" kern="1200" dirty="0" err="1">
                           <a:solidFill>
                             <a:srgbClr val="0000FF"/>
                           </a:solidFill>
@@ -4146,7 +4318,7 @@
                         <a:t>YTickLabel</a:t>
                       </a:r>
                       <a:r>
-                        <a:rPr lang="en-US" altLang="zh-CN" sz="1400" kern="1200" dirty="0" smtClean="0">
+                        <a:rPr lang="en-US" altLang="zh-CN" sz="1400" kern="1200" dirty="0">
                           <a:solidFill>
                             <a:srgbClr val="0000FF"/>
                           </a:solidFill>
@@ -4160,7 +4332,7 @@
                     <a:p>
                       <a:pPr marL="0" algn="ctr" defTabSz="685800" rtl="0" eaLnBrk="1" latinLnBrk="0" hangingPunct="1"/>
                       <a:r>
-                        <a:rPr lang="en-US" altLang="zh-CN" sz="1400" kern="1200" dirty="0" smtClean="0">
+                        <a:rPr lang="en-US" altLang="zh-CN" sz="1400" kern="1200" dirty="0">
                           <a:solidFill>
                             <a:srgbClr val="0000FF"/>
                           </a:solidFill>
@@ -4171,7 +4343,7 @@
                         <a:t>‘</a:t>
                       </a:r>
                       <a:r>
-                        <a:rPr lang="en-US" altLang="zh-CN" sz="1400" kern="1200" dirty="0" err="1" smtClean="0">
+                        <a:rPr lang="en-US" altLang="zh-CN" sz="1400" kern="1200" dirty="0" err="1">
                           <a:solidFill>
                             <a:srgbClr val="0000FF"/>
                           </a:solidFill>
@@ -4182,7 +4354,7 @@
                         <a:t>ZTickLabel</a:t>
                       </a:r>
                       <a:r>
-                        <a:rPr lang="en-US" altLang="zh-CN" sz="1400" kern="1200" dirty="0" smtClean="0">
+                        <a:rPr lang="en-US" altLang="zh-CN" sz="1400" kern="1200" dirty="0">
                           <a:solidFill>
                             <a:srgbClr val="0000FF"/>
                           </a:solidFill>
@@ -4211,20 +4383,21 @@
                     <a:p>
                       <a:pPr marL="0" algn="ctr"/>
                       <a:r>
-                        <a:rPr lang="zh-CN" altLang="en-US" sz="1400" baseline="0" dirty="0" smtClean="0">
+                        <a:rPr lang="zh-CN" altLang="en-US" sz="1400" baseline="0" dirty="0">
                           <a:latin typeface="Times New Roman" panose="02020603050405020304" pitchFamily="18" charset="0"/>
                           <a:ea typeface="幼圆" panose="02010509060101010101" pitchFamily="49" charset="-122"/>
                         </a:rPr>
                         <a:t>该维度坐标轴的刻度线上显示的内容</a:t>
                       </a:r>
-                      <a:endParaRPr lang="zh-CN" altLang="en-US" sz="1400" baseline="0" dirty="0">
-                        <a:latin typeface="Times New Roman" panose="02020603050405020304" pitchFamily="18" charset="0"/>
-                        <a:ea typeface="幼圆" panose="02010509060101010101" pitchFamily="49" charset="-122"/>
-                      </a:endParaRPr>
                     </a:p>
                   </a:txBody>
                   <a:tcPr anchor="ctr"/>
                 </a:tc>
+                <a:extLst>
+                  <a:ext uri="{0D108BD9-81ED-4DB2-BD59-A6C34878D82A}">
+                    <a16:rowId xmlns:a16="http://schemas.microsoft.com/office/drawing/2014/main" val="10009"/>
+                  </a:ext>
+                </a:extLst>
               </a:tr>
             </a:tbl>
           </a:graphicData>
@@ -4240,17 +4413,10 @@
   <p:clrMapOvr>
     <a:masterClrMapping/>
   </p:clrMapOvr>
-  <p:timing>
-    <p:tnLst>
-      <p:par>
-        <p:cTn id="1" dur="indefinite" restart="never" nodeType="tmRoot"/>
-      </p:par>
-    </p:tnLst>
-  </p:timing>
 </p:sld>
 </file>
 
-<file path=ppt/slides/slide16.xml><?xml version="1.0" encoding="utf-8"?>
+<file path=ppt/slides/slide17.xml><?xml version="1.0" encoding="utf-8"?>
 <p:sld xmlns:a="http://schemas.openxmlformats.org/drawingml/2006/main" xmlns:r="http://schemas.openxmlformats.org/officeDocument/2006/relationships" xmlns:p="http://schemas.openxmlformats.org/presentationml/2006/main">
   <p:cSld>
     <p:spTree>
@@ -4291,13 +4457,8 @@
           <a:p>
             <a:r>
               <a:rPr lang="zh-CN" altLang="en-US" dirty="0"/>
-              <a:t>控制</a:t>
-            </a:r>
-            <a:r>
-              <a:rPr lang="zh-CN" altLang="en-US" dirty="0" smtClean="0"/>
-              <a:t>命令</a:t>
-            </a:r>
-            <a:endParaRPr lang="zh-CN" altLang="en-US" dirty="0"/>
+              <a:t>控制命令</a:t>
+            </a:r>
           </a:p>
         </p:txBody>
       </p:sp>
@@ -4317,10 +4478,9 @@
           <a:lstStyle/>
           <a:p>
             <a:r>
-              <a:rPr lang="zh-CN" altLang="en-US" dirty="0" smtClean="0"/>
+              <a:rPr lang="zh-CN" altLang="en-US" dirty="0"/>
               <a:t>绘图时利用                                                     来详细指定图形的属性</a:t>
             </a:r>
-            <a:endParaRPr lang="zh-CN" altLang="en-US" dirty="0"/>
           </a:p>
         </p:txBody>
       </p:sp>
@@ -4373,8 +4533,20 @@
                 <a:tableStyleId>{5C22544A-7EE6-4342-B048-85BDC9FD1C3A}</a:tableStyleId>
               </a:tblPr>
               <a:tblGrid>
-                <a:gridCol w="1710166"/>
-                <a:gridCol w="3350362"/>
+                <a:gridCol w="1710166">
+                  <a:extLst>
+                    <a:ext uri="{9D8B030D-6E8A-4147-A177-3AD203B41FA5}">
+                      <a16:colId xmlns:a16="http://schemas.microsoft.com/office/drawing/2014/main" val="20000"/>
+                    </a:ext>
+                  </a:extLst>
+                </a:gridCol>
+                <a:gridCol w="3350362">
+                  <a:extLst>
+                    <a:ext uri="{9D8B030D-6E8A-4147-A177-3AD203B41FA5}">
+                      <a16:colId xmlns:a16="http://schemas.microsoft.com/office/drawing/2014/main" val="20001"/>
+                    </a:ext>
+                  </a:extLst>
+                </a:gridCol>
               </a:tblGrid>
               <a:tr h="370840">
                 <a:tc>
@@ -4384,7 +4556,7 @@
                     <a:p>
                       <a:pPr algn="ctr"/>
                       <a:r>
-                        <a:rPr lang="en-US" altLang="zh-CN" sz="1800" b="0" baseline="0" dirty="0" smtClean="0">
+                        <a:rPr lang="en-US" altLang="zh-CN" sz="1800" b="0" baseline="0" dirty="0">
                           <a:latin typeface="Times New Roman" panose="02020603050405020304" pitchFamily="18" charset="0"/>
                           <a:ea typeface="微软雅黑" panose="020B0503020204020204" pitchFamily="34" charset="-122"/>
                         </a:rPr>
@@ -4405,20 +4577,21 @@
                     <a:p>
                       <a:pPr algn="ctr"/>
                       <a:r>
-                        <a:rPr lang="zh-CN" altLang="en-US" sz="1800" b="0" baseline="0" dirty="0" smtClean="0">
+                        <a:rPr lang="zh-CN" altLang="en-US" sz="1800" b="0" baseline="0" dirty="0">
                           <a:latin typeface="Times New Roman" panose="02020603050405020304" pitchFamily="18" charset="0"/>
                           <a:ea typeface="微软雅黑" panose="020B0503020204020204" pitchFamily="34" charset="-122"/>
                         </a:rPr>
                         <a:t>含义</a:t>
                       </a:r>
-                      <a:endParaRPr lang="zh-CN" altLang="en-US" sz="1800" b="0" baseline="0" dirty="0">
-                        <a:latin typeface="Times New Roman" panose="02020603050405020304" pitchFamily="18" charset="0"/>
-                        <a:ea typeface="微软雅黑" panose="020B0503020204020204" pitchFamily="34" charset="-122"/>
-                      </a:endParaRPr>
                     </a:p>
                   </a:txBody>
                   <a:tcPr anchor="ctr"/>
                 </a:tc>
+                <a:extLst>
+                  <a:ext uri="{0D108BD9-81ED-4DB2-BD59-A6C34878D82A}">
+                    <a16:rowId xmlns:a16="http://schemas.microsoft.com/office/drawing/2014/main" val="10000"/>
+                  </a:ext>
+                </a:extLst>
               </a:tr>
               <a:tr h="370840">
                 <a:tc>
@@ -4428,7 +4601,7 @@
                     <a:p>
                       <a:pPr marL="0" algn="ctr" defTabSz="685800" rtl="0" eaLnBrk="1" latinLnBrk="0" hangingPunct="1"/>
                       <a:r>
-                        <a:rPr lang="en-US" altLang="zh-CN" sz="1400" kern="1200" dirty="0" smtClean="0">
+                        <a:rPr lang="en-US" altLang="zh-CN" sz="1400" kern="1200" dirty="0">
                           <a:solidFill>
                             <a:srgbClr val="0000FF"/>
                           </a:solidFill>
@@ -4439,7 +4612,7 @@
                         <a:t>‘</a:t>
                       </a:r>
                       <a:r>
-                        <a:rPr lang="en-US" altLang="zh-CN" sz="1400" kern="1200" dirty="0" err="1" smtClean="0">
+                        <a:rPr lang="en-US" altLang="zh-CN" sz="1400" kern="1200" dirty="0" err="1">
                           <a:solidFill>
                             <a:srgbClr val="0000FF"/>
                           </a:solidFill>
@@ -4450,7 +4623,7 @@
                         <a:t>LineStyle</a:t>
                       </a:r>
                       <a:r>
-                        <a:rPr lang="en-US" altLang="zh-CN" sz="1400" kern="1200" dirty="0" smtClean="0">
+                        <a:rPr lang="en-US" altLang="zh-CN" sz="1400" kern="1200" dirty="0">
                           <a:solidFill>
                             <a:srgbClr val="0000FF"/>
                           </a:solidFill>
@@ -4479,20 +4652,21 @@
                     <a:p>
                       <a:pPr marL="0" algn="ctr"/>
                       <a:r>
-                        <a:rPr lang="zh-CN" altLang="en-US" sz="1400" baseline="0" dirty="0" smtClean="0">
+                        <a:rPr lang="zh-CN" altLang="en-US" sz="1400" baseline="0" dirty="0">
                           <a:latin typeface="Times New Roman" panose="02020603050405020304" pitchFamily="18" charset="0"/>
                           <a:ea typeface="幼圆" panose="02010509060101010101" pitchFamily="49" charset="-122"/>
                         </a:rPr>
                         <a:t>线型</a:t>
                       </a:r>
-                      <a:endParaRPr lang="zh-CN" altLang="en-US" sz="1400" baseline="0" dirty="0">
-                        <a:latin typeface="Times New Roman" panose="02020603050405020304" pitchFamily="18" charset="0"/>
-                        <a:ea typeface="幼圆" panose="02010509060101010101" pitchFamily="49" charset="-122"/>
-                      </a:endParaRPr>
                     </a:p>
                   </a:txBody>
                   <a:tcPr anchor="ctr"/>
                 </a:tc>
+                <a:extLst>
+                  <a:ext uri="{0D108BD9-81ED-4DB2-BD59-A6C34878D82A}">
+                    <a16:rowId xmlns:a16="http://schemas.microsoft.com/office/drawing/2014/main" val="10001"/>
+                  </a:ext>
+                </a:extLst>
               </a:tr>
               <a:tr h="370840">
                 <a:tc>
@@ -4502,7 +4676,7 @@
                     <a:p>
                       <a:pPr algn="ctr"/>
                       <a:r>
-                        <a:rPr lang="en-US" altLang="zh-CN" sz="1400" dirty="0" smtClean="0">
+                        <a:rPr lang="en-US" altLang="zh-CN" sz="1400" dirty="0">
                           <a:solidFill>
                             <a:srgbClr val="0000FF"/>
                           </a:solidFill>
@@ -4527,20 +4701,21 @@
                     <a:p>
                       <a:pPr marL="0" algn="ctr"/>
                       <a:r>
-                        <a:rPr lang="zh-CN" altLang="en-US" sz="1400" baseline="0" dirty="0" smtClean="0">
+                        <a:rPr lang="zh-CN" altLang="en-US" sz="1400" baseline="0" dirty="0">
                           <a:latin typeface="Times New Roman" panose="02020603050405020304" pitchFamily="18" charset="0"/>
                           <a:ea typeface="幼圆" panose="02010509060101010101" pitchFamily="49" charset="-122"/>
                         </a:rPr>
                         <a:t>线的颜色</a:t>
                       </a:r>
-                      <a:endParaRPr lang="zh-CN" altLang="en-US" sz="1400" baseline="0" dirty="0">
-                        <a:latin typeface="Times New Roman" panose="02020603050405020304" pitchFamily="18" charset="0"/>
-                        <a:ea typeface="幼圆" panose="02010509060101010101" pitchFamily="49" charset="-122"/>
-                      </a:endParaRPr>
                     </a:p>
                   </a:txBody>
                   <a:tcPr anchor="ctr"/>
                 </a:tc>
+                <a:extLst>
+                  <a:ext uri="{0D108BD9-81ED-4DB2-BD59-A6C34878D82A}">
+                    <a16:rowId xmlns:a16="http://schemas.microsoft.com/office/drawing/2014/main" val="10002"/>
+                  </a:ext>
+                </a:extLst>
               </a:tr>
               <a:tr h="370840">
                 <a:tc>
@@ -4550,7 +4725,7 @@
                     <a:p>
                       <a:pPr algn="ctr"/>
                       <a:r>
-                        <a:rPr lang="en-US" altLang="zh-CN" sz="1400" dirty="0" smtClean="0">
+                        <a:rPr lang="en-US" altLang="zh-CN" sz="1400" dirty="0">
                           <a:solidFill>
                             <a:srgbClr val="0000FF"/>
                           </a:solidFill>
@@ -4558,7 +4733,7 @@
                         <a:t>‘</a:t>
                       </a:r>
                       <a:r>
-                        <a:rPr lang="en-US" altLang="zh-CN" sz="1400" dirty="0" err="1" smtClean="0">
+                        <a:rPr lang="en-US" altLang="zh-CN" sz="1400" dirty="0" err="1">
                           <a:solidFill>
                             <a:srgbClr val="0000FF"/>
                           </a:solidFill>
@@ -4566,7 +4741,7 @@
                         <a:t>LineWidth</a:t>
                       </a:r>
                       <a:r>
-                        <a:rPr lang="en-US" altLang="zh-CN" sz="1400" dirty="0" smtClean="0">
+                        <a:rPr lang="en-US" altLang="zh-CN" sz="1400" dirty="0">
                           <a:solidFill>
                             <a:srgbClr val="0000FF"/>
                           </a:solidFill>
@@ -4591,20 +4766,21 @@
                     <a:p>
                       <a:pPr marL="0" algn="ctr"/>
                       <a:r>
-                        <a:rPr lang="zh-CN" altLang="en-US" sz="1400" baseline="0" dirty="0" smtClean="0">
+                        <a:rPr lang="zh-CN" altLang="en-US" sz="1400" baseline="0" dirty="0">
                           <a:latin typeface="Times New Roman" panose="02020603050405020304" pitchFamily="18" charset="0"/>
                           <a:ea typeface="幼圆" panose="02010509060101010101" pitchFamily="49" charset="-122"/>
                         </a:rPr>
                         <a:t>线的宽度</a:t>
                       </a:r>
-                      <a:endParaRPr lang="zh-CN" altLang="en-US" sz="1400" baseline="0" dirty="0">
-                        <a:latin typeface="Times New Roman" panose="02020603050405020304" pitchFamily="18" charset="0"/>
-                        <a:ea typeface="幼圆" panose="02010509060101010101" pitchFamily="49" charset="-122"/>
-                      </a:endParaRPr>
                     </a:p>
                   </a:txBody>
                   <a:tcPr anchor="ctr"/>
                 </a:tc>
+                <a:extLst>
+                  <a:ext uri="{0D108BD9-81ED-4DB2-BD59-A6C34878D82A}">
+                    <a16:rowId xmlns:a16="http://schemas.microsoft.com/office/drawing/2014/main" val="10003"/>
+                  </a:ext>
+                </a:extLst>
               </a:tr>
               <a:tr h="370840">
                 <a:tc>
@@ -4630,14 +4806,14 @@
                         <a:defRPr/>
                       </a:pPr>
                       <a:r>
-                        <a:rPr lang="en-US" altLang="zh-CN" sz="1400" dirty="0" smtClean="0">
+                        <a:rPr lang="en-US" altLang="zh-CN" sz="1400" dirty="0">
                           <a:solidFill>
                             <a:srgbClr val="0000FF"/>
                           </a:solidFill>
                         </a:rPr>
                         <a:t>‘Marker’</a:t>
                       </a:r>
-                      <a:endParaRPr lang="zh-CN" altLang="en-US" sz="1400" b="1" dirty="0" smtClean="0">
+                      <a:endParaRPr lang="zh-CN" altLang="en-US" sz="1400" b="1" dirty="0">
                         <a:solidFill>
                           <a:srgbClr val="0000FF"/>
                         </a:solidFill>
@@ -4655,20 +4831,21 @@
                     <a:p>
                       <a:pPr marL="0" algn="ctr"/>
                       <a:r>
-                        <a:rPr lang="zh-CN" altLang="en-US" sz="1400" baseline="0" dirty="0" smtClean="0">
+                        <a:rPr lang="zh-CN" altLang="en-US" sz="1400" baseline="0" dirty="0">
                           <a:latin typeface="Times New Roman" panose="02020603050405020304" pitchFamily="18" charset="0"/>
                           <a:ea typeface="幼圆" panose="02010509060101010101" pitchFamily="49" charset="-122"/>
                         </a:rPr>
                         <a:t>点型</a:t>
                       </a:r>
-                      <a:endParaRPr lang="zh-CN" altLang="en-US" sz="1400" baseline="0" dirty="0">
-                        <a:latin typeface="Times New Roman" panose="02020603050405020304" pitchFamily="18" charset="0"/>
-                        <a:ea typeface="幼圆" panose="02010509060101010101" pitchFamily="49" charset="-122"/>
-                      </a:endParaRPr>
                     </a:p>
                   </a:txBody>
                   <a:tcPr anchor="ctr"/>
                 </a:tc>
+                <a:extLst>
+                  <a:ext uri="{0D108BD9-81ED-4DB2-BD59-A6C34878D82A}">
+                    <a16:rowId xmlns:a16="http://schemas.microsoft.com/office/drawing/2014/main" val="10004"/>
+                  </a:ext>
+                </a:extLst>
               </a:tr>
               <a:tr h="370840">
                 <a:tc>
@@ -4678,7 +4855,7 @@
                     <a:p>
                       <a:pPr algn="ctr"/>
                       <a:r>
-                        <a:rPr lang="en-US" altLang="zh-CN" sz="1400" b="0" dirty="0" smtClean="0">
+                        <a:rPr lang="en-US" altLang="zh-CN" sz="1400" b="0" dirty="0">
                           <a:solidFill>
                             <a:srgbClr val="0000FF"/>
                           </a:solidFill>
@@ -4688,7 +4865,7 @@
                         <a:t>‘</a:t>
                       </a:r>
                       <a:r>
-                        <a:rPr lang="en-US" altLang="zh-CN" sz="1400" b="0" dirty="0" err="1" smtClean="0">
+                        <a:rPr lang="en-US" altLang="zh-CN" sz="1400" b="0" dirty="0" err="1">
                           <a:solidFill>
                             <a:srgbClr val="0000FF"/>
                           </a:solidFill>
@@ -4698,7 +4875,7 @@
                         <a:t>MarkerSize</a:t>
                       </a:r>
                       <a:r>
-                        <a:rPr lang="en-US" altLang="zh-CN" sz="1400" b="0" dirty="0" smtClean="0">
+                        <a:rPr lang="en-US" altLang="zh-CN" sz="1400" b="0" dirty="0">
                           <a:solidFill>
                             <a:srgbClr val="0000FF"/>
                           </a:solidFill>
@@ -4725,20 +4902,21 @@
                     <a:p>
                       <a:pPr marL="0" algn="ctr"/>
                       <a:r>
-                        <a:rPr lang="zh-CN" altLang="en-US" sz="1400" baseline="0" dirty="0" smtClean="0">
+                        <a:rPr lang="zh-CN" altLang="en-US" sz="1400" baseline="0" dirty="0">
                           <a:latin typeface="Times New Roman" panose="02020603050405020304" pitchFamily="18" charset="0"/>
                           <a:ea typeface="幼圆" panose="02010509060101010101" pitchFamily="49" charset="-122"/>
                         </a:rPr>
                         <a:t>点的大小</a:t>
                       </a:r>
-                      <a:endParaRPr lang="zh-CN" altLang="en-US" sz="1400" baseline="0" dirty="0">
-                        <a:latin typeface="Times New Roman" panose="02020603050405020304" pitchFamily="18" charset="0"/>
-                        <a:ea typeface="幼圆" panose="02010509060101010101" pitchFamily="49" charset="-122"/>
-                      </a:endParaRPr>
                     </a:p>
                   </a:txBody>
                   <a:tcPr anchor="ctr"/>
                 </a:tc>
+                <a:extLst>
+                  <a:ext uri="{0D108BD9-81ED-4DB2-BD59-A6C34878D82A}">
+                    <a16:rowId xmlns:a16="http://schemas.microsoft.com/office/drawing/2014/main" val="10005"/>
+                  </a:ext>
+                </a:extLst>
               </a:tr>
               <a:tr h="370840">
                 <a:tc>
@@ -4748,7 +4926,7 @@
                     <a:p>
                       <a:pPr algn="ctr"/>
                       <a:r>
-                        <a:rPr lang="en-US" altLang="zh-CN" sz="1400" b="0" kern="1200" dirty="0" smtClean="0">
+                        <a:rPr lang="en-US" altLang="zh-CN" sz="1400" b="0" kern="1200" dirty="0">
                           <a:solidFill>
                             <a:srgbClr val="0000FF"/>
                           </a:solidFill>
@@ -4759,7 +4937,7 @@
                         <a:t>‘</a:t>
                       </a:r>
                       <a:r>
-                        <a:rPr lang="en-US" altLang="zh-CN" sz="1400" b="0" kern="1200" dirty="0" err="1" smtClean="0">
+                        <a:rPr lang="en-US" altLang="zh-CN" sz="1400" b="0" kern="1200" dirty="0" err="1">
                           <a:solidFill>
                             <a:srgbClr val="0000FF"/>
                           </a:solidFill>
@@ -4770,7 +4948,7 @@
                         <a:t>MarkerFaceColor</a:t>
                       </a:r>
                       <a:r>
-                        <a:rPr lang="en-US" altLang="zh-CN" sz="1400" b="0" kern="1200" dirty="0" smtClean="0">
+                        <a:rPr lang="en-US" altLang="zh-CN" sz="1400" b="0" kern="1200" dirty="0">
                           <a:solidFill>
                             <a:srgbClr val="0000FF"/>
                           </a:solidFill>
@@ -4799,20 +4977,21 @@
                     <a:p>
                       <a:pPr marL="0" algn="ctr"/>
                       <a:r>
-                        <a:rPr lang="zh-CN" altLang="en-US" sz="1400" baseline="0" dirty="0" smtClean="0">
+                        <a:rPr lang="zh-CN" altLang="en-US" sz="1400" baseline="0" dirty="0">
                           <a:latin typeface="Times New Roman" panose="02020603050405020304" pitchFamily="18" charset="0"/>
                           <a:ea typeface="幼圆" panose="02010509060101010101" pitchFamily="49" charset="-122"/>
                         </a:rPr>
                         <a:t>点的填充颜色</a:t>
                       </a:r>
-                      <a:endParaRPr lang="zh-CN" altLang="en-US" sz="1400" baseline="0" dirty="0">
-                        <a:latin typeface="Times New Roman" panose="02020603050405020304" pitchFamily="18" charset="0"/>
-                        <a:ea typeface="幼圆" panose="02010509060101010101" pitchFamily="49" charset="-122"/>
-                      </a:endParaRPr>
                     </a:p>
                   </a:txBody>
                   <a:tcPr anchor="ctr"/>
                 </a:tc>
+                <a:extLst>
+                  <a:ext uri="{0D108BD9-81ED-4DB2-BD59-A6C34878D82A}">
+                    <a16:rowId xmlns:a16="http://schemas.microsoft.com/office/drawing/2014/main" val="10006"/>
+                  </a:ext>
+                </a:extLst>
               </a:tr>
               <a:tr h="370840">
                 <a:tc>
@@ -4822,7 +5001,7 @@
                     <a:p>
                       <a:pPr algn="ctr"/>
                       <a:r>
-                        <a:rPr lang="en-US" altLang="zh-CN" sz="1400" b="0" kern="1200" dirty="0" smtClean="0">
+                        <a:rPr lang="en-US" altLang="zh-CN" sz="1400" b="0" kern="1200" dirty="0">
                           <a:solidFill>
                             <a:srgbClr val="0000FF"/>
                           </a:solidFill>
@@ -4833,7 +5012,7 @@
                         <a:t>‘</a:t>
                       </a:r>
                       <a:r>
-                        <a:rPr lang="en-US" altLang="zh-CN" sz="1400" b="0" kern="1200" dirty="0" err="1" smtClean="0">
+                        <a:rPr lang="en-US" altLang="zh-CN" sz="1400" b="0" kern="1200" dirty="0" err="1">
                           <a:solidFill>
                             <a:srgbClr val="0000FF"/>
                           </a:solidFill>
@@ -4844,7 +5023,7 @@
                         <a:t>MarkerEdgeColor</a:t>
                       </a:r>
                       <a:r>
-                        <a:rPr lang="en-US" altLang="zh-CN" sz="1400" b="0" kern="1200" dirty="0" smtClean="0">
+                        <a:rPr lang="en-US" altLang="zh-CN" sz="1400" b="0" kern="1200" dirty="0">
                           <a:solidFill>
                             <a:srgbClr val="0000FF"/>
                           </a:solidFill>
@@ -4873,20 +5052,21 @@
                     <a:p>
                       <a:pPr marL="0" algn="ctr"/>
                       <a:r>
-                        <a:rPr lang="zh-CN" altLang="en-US" sz="1400" baseline="0" dirty="0" smtClean="0">
+                        <a:rPr lang="zh-CN" altLang="en-US" sz="1400" baseline="0" dirty="0">
                           <a:latin typeface="Times New Roman" panose="02020603050405020304" pitchFamily="18" charset="0"/>
                           <a:ea typeface="幼圆" panose="02010509060101010101" pitchFamily="49" charset="-122"/>
                         </a:rPr>
                         <a:t>点的轮廓颜色</a:t>
                       </a:r>
-                      <a:endParaRPr lang="zh-CN" altLang="en-US" sz="1400" baseline="0" dirty="0">
-                        <a:latin typeface="Times New Roman" panose="02020603050405020304" pitchFamily="18" charset="0"/>
-                        <a:ea typeface="幼圆" panose="02010509060101010101" pitchFamily="49" charset="-122"/>
-                      </a:endParaRPr>
                     </a:p>
                   </a:txBody>
                   <a:tcPr anchor="ctr"/>
                 </a:tc>
+                <a:extLst>
+                  <a:ext uri="{0D108BD9-81ED-4DB2-BD59-A6C34878D82A}">
+                    <a16:rowId xmlns:a16="http://schemas.microsoft.com/office/drawing/2014/main" val="10007"/>
+                  </a:ext>
+                </a:extLst>
               </a:tr>
             </a:tbl>
           </a:graphicData>
@@ -4902,125 +5082,6 @@
   <p:clrMapOvr>
     <a:masterClrMapping/>
   </p:clrMapOvr>
-  <p:timing>
-    <p:tnLst>
-      <p:par>
-        <p:cTn id="1" dur="indefinite" restart="never" nodeType="tmRoot"/>
-      </p:par>
-    </p:tnLst>
-  </p:timing>
-</p:sld>
-</file>
-
-<file path=ppt/slides/slide17.xml><?xml version="1.0" encoding="utf-8"?>
-<p:sld xmlns:a="http://schemas.openxmlformats.org/drawingml/2006/main" xmlns:r="http://schemas.openxmlformats.org/officeDocument/2006/relationships" xmlns:p="http://schemas.openxmlformats.org/presentationml/2006/main">
-  <p:cSld>
-    <p:spTree>
-      <p:nvGrpSpPr>
-        <p:cNvPr id="1" name=""/>
-        <p:cNvGrpSpPr/>
-        <p:nvPr/>
-      </p:nvGrpSpPr>
-      <p:grpSpPr>
-        <a:xfrm>
-          <a:off x="0" y="0"/>
-          <a:ext cx="0" cy="0"/>
-          <a:chOff x="0" y="0"/>
-          <a:chExt cx="0" cy="0"/>
-        </a:xfrm>
-      </p:grpSpPr>
-      <p:sp>
-        <p:nvSpPr>
-          <p:cNvPr id="2" name="文本占位符 1"/>
-          <p:cNvSpPr>
-            <a:spLocks noGrp="1"/>
-          </p:cNvSpPr>
-          <p:nvPr>
-            <p:ph type="body" sz="quarter" idx="10"/>
-          </p:nvPr>
-        </p:nvSpPr>
-        <p:spPr/>
-        <p:txBody>
-          <a:bodyPr/>
-          <a:lstStyle/>
-          <a:p>
-            <a:r>
-              <a:rPr lang="zh-CN" altLang="en-US" dirty="0" smtClean="0"/>
-              <a:t>绘图注释</a:t>
-            </a:r>
-            <a:endParaRPr lang="zh-CN" altLang="en-US" dirty="0"/>
-          </a:p>
-        </p:txBody>
-      </p:sp>
-      <p:sp>
-        <p:nvSpPr>
-          <p:cNvPr id="3" name="文本占位符 2"/>
-          <p:cNvSpPr>
-            <a:spLocks noGrp="1"/>
-          </p:cNvSpPr>
-          <p:nvPr>
-            <p:ph type="body" sz="quarter" idx="11"/>
-          </p:nvPr>
-        </p:nvSpPr>
-        <p:spPr/>
-        <p:txBody>
-          <a:bodyPr/>
-          <a:lstStyle/>
-          <a:p>
-            <a:r>
-              <a:rPr lang="zh-CN" altLang="en-US" dirty="0" smtClean="0"/>
-              <a:t>可在坐标轴上添加各种类型的文字注释</a:t>
-            </a:r>
-            <a:endParaRPr lang="zh-CN" altLang="en-US" dirty="0"/>
-          </a:p>
-        </p:txBody>
-      </p:sp>
-      <p:pic>
-        <p:nvPicPr>
-          <p:cNvPr id="5" name="图片 4"/>
-          <p:cNvPicPr>
-            <a:picLocks noChangeAspect="1"/>
-          </p:cNvPicPr>
-          <p:nvPr/>
-        </p:nvPicPr>
-        <p:blipFill>
-          <a:blip r:embed="rId2"/>
-          <a:stretch>
-            <a:fillRect/>
-          </a:stretch>
-        </p:blipFill>
-        <p:spPr>
-          <a:xfrm>
-            <a:off x="2694194" y="1352962"/>
-            <a:ext cx="5721644" cy="1752690"/>
-          </a:xfrm>
-          <a:prstGeom prst="rect">
-            <a:avLst/>
-          </a:prstGeom>
-          <a:ln>
-            <a:solidFill>
-              <a:schemeClr val="tx1"/>
-            </a:solidFill>
-          </a:ln>
-        </p:spPr>
-      </p:pic>
-    </p:spTree>
-    <p:extLst>
-      <p:ext uri="{BB962C8B-B14F-4D97-AF65-F5344CB8AC3E}">
-        <p14:creationId xmlns:p14="http://schemas.microsoft.com/office/powerpoint/2010/main" val="2968124407"/>
-      </p:ext>
-    </p:extLst>
-  </p:cSld>
-  <p:clrMapOvr>
-    <a:masterClrMapping/>
-  </p:clrMapOvr>
-  <p:timing>
-    <p:tnLst>
-      <p:par>
-        <p:cTn id="1" dur="indefinite" restart="never" nodeType="tmRoot"/>
-      </p:par>
-    </p:tnLst>
-  </p:timing>
 </p:sld>
 </file>
 
@@ -5057,10 +5118,9 @@
           <a:lstStyle/>
           <a:p>
             <a:r>
-              <a:rPr lang="zh-CN" altLang="en-US" dirty="0" smtClean="0"/>
-              <a:t>美化图形</a:t>
-            </a:r>
-            <a:endParaRPr lang="zh-CN" altLang="en-US" dirty="0"/>
+              <a:rPr lang="zh-CN" altLang="en-US" dirty="0"/>
+              <a:t>绘图注释</a:t>
+            </a:r>
           </a:p>
         </p:txBody>
       </p:sp>
@@ -5074,49 +5134,15 @@
             <p:ph type="body" sz="quarter" idx="11"/>
           </p:nvPr>
         </p:nvSpPr>
-        <p:spPr>
-          <a:xfrm>
-            <a:off x="2137483" y="21490"/>
-            <a:ext cx="6835067" cy="1332525"/>
-          </a:xfrm>
-        </p:spPr>
+        <p:spPr/>
         <p:txBody>
           <a:bodyPr/>
           <a:lstStyle/>
           <a:p>
             <a:r>
-              <a:rPr lang="en-US" altLang="zh-CN" dirty="0" smtClean="0"/>
-              <a:t>3</a:t>
-            </a:r>
-            <a:r>
-              <a:rPr lang="zh-CN" altLang="en-US" dirty="0" smtClean="0"/>
-              <a:t>个班的</a:t>
-            </a:r>
-            <a:r>
-              <a:rPr lang="en-US" altLang="zh-CN" dirty="0" smtClean="0"/>
-              <a:t>6</a:t>
-            </a:r>
-            <a:r>
-              <a:rPr lang="zh-CN" altLang="en-US" dirty="0" smtClean="0"/>
-              <a:t>门平均成绩构成一个</a:t>
-            </a:r>
-            <a:r>
-              <a:rPr lang="en-US" altLang="zh-CN" dirty="0" smtClean="0"/>
-              <a:t>3</a:t>
-            </a:r>
-            <a:r>
-              <a:rPr lang="zh-CN" altLang="en-US" dirty="0" smtClean="0"/>
-              <a:t>*</a:t>
-            </a:r>
-            <a:r>
-              <a:rPr lang="en-US" altLang="zh-CN" dirty="0" smtClean="0"/>
-              <a:t>6</a:t>
-            </a:r>
-            <a:r>
-              <a:rPr lang="zh-CN" altLang="en-US" dirty="0" smtClean="0"/>
-              <a:t>矩阵，将该数据显示在坐标轴上</a:t>
-            </a:r>
-            <a:endParaRPr lang="zh-CN" altLang="en-US" dirty="0"/>
+              <a:rPr lang="zh-CN" altLang="en-US" dirty="0"/>
+              <a:t>可在坐标轴上添加各种类型的文字注释</a:t>
+            </a:r>
           </a:p>
         </p:txBody>
       </p:sp>
@@ -5136,8 +5162,8 @@
         </p:blipFill>
         <p:spPr>
           <a:xfrm>
-            <a:off x="2604595" y="920262"/>
-            <a:ext cx="5783608" cy="3045200"/>
+            <a:off x="2694194" y="1352962"/>
+            <a:ext cx="5721644" cy="1752690"/>
           </a:xfrm>
           <a:prstGeom prst="rect">
             <a:avLst/>
@@ -5149,222 +5175,16 @@
           </a:ln>
         </p:spPr>
       </p:pic>
-      <p:pic>
-        <p:nvPicPr>
-          <p:cNvPr id="6" name="图片 5"/>
-          <p:cNvPicPr>
-            <a:picLocks noChangeAspect="1"/>
-          </p:cNvPicPr>
-          <p:nvPr/>
-        </p:nvPicPr>
-        <p:blipFill>
-          <a:blip r:embed="rId3"/>
-          <a:stretch>
-            <a:fillRect/>
-          </a:stretch>
-        </p:blipFill>
-        <p:spPr>
-          <a:xfrm>
-            <a:off x="2604595" y="4175513"/>
-            <a:ext cx="2829120" cy="2520000"/>
-          </a:xfrm>
-          <a:prstGeom prst="rect">
-            <a:avLst/>
-          </a:prstGeom>
-          <a:ln>
-            <a:solidFill>
-              <a:schemeClr val="tx1"/>
-            </a:solidFill>
-          </a:ln>
-        </p:spPr>
-      </p:pic>
-      <p:pic>
-        <p:nvPicPr>
-          <p:cNvPr id="7" name="图片 6"/>
-          <p:cNvPicPr>
-            <a:picLocks noChangeAspect="1"/>
-          </p:cNvPicPr>
-          <p:nvPr/>
-        </p:nvPicPr>
-        <p:blipFill>
-          <a:blip r:embed="rId4"/>
-          <a:stretch>
-            <a:fillRect/>
-          </a:stretch>
-        </p:blipFill>
-        <p:spPr>
-          <a:xfrm>
-            <a:off x="5935019" y="4175513"/>
-            <a:ext cx="2829120" cy="2520000"/>
-          </a:xfrm>
-          <a:prstGeom prst="rect">
-            <a:avLst/>
-          </a:prstGeom>
-          <a:ln>
-            <a:solidFill>
-              <a:schemeClr val="tx1"/>
-            </a:solidFill>
-          </a:ln>
-        </p:spPr>
-      </p:pic>
-      <p:sp>
-        <p:nvSpPr>
-          <p:cNvPr id="8" name="文本框 7"/>
-          <p:cNvSpPr txBox="1"/>
-          <p:nvPr/>
-        </p:nvSpPr>
-        <p:spPr>
-          <a:xfrm>
-            <a:off x="1878368" y="801658"/>
-            <a:ext cx="762000" cy="400110"/>
-          </a:xfrm>
-          <a:prstGeom prst="rect">
-            <a:avLst/>
-          </a:prstGeom>
-          <a:noFill/>
-        </p:spPr>
-        <p:txBody>
-          <a:bodyPr wrap="square" rtlCol="0" anchor="ctr">
-            <a:spAutoFit/>
-          </a:bodyPr>
-          <a:lstStyle/>
-          <a:p>
-            <a:pPr algn="ctr"/>
-            <a:r>
-              <a:rPr lang="zh-CN" altLang="en-US" sz="2000" dirty="0" smtClean="0">
-                <a:solidFill>
-                  <a:schemeClr val="accent5">
-                    <a:lumMod val="75000"/>
-                  </a:schemeClr>
-                </a:solidFill>
-                <a:latin typeface="幼圆" panose="02010509060101010101" pitchFamily="49" charset="-122"/>
-                <a:ea typeface="幼圆" panose="02010509060101010101" pitchFamily="49" charset="-122"/>
-              </a:rPr>
-              <a:t>代码</a:t>
-            </a:r>
-            <a:endParaRPr lang="zh-CN" altLang="en-US" sz="2000" dirty="0">
-              <a:solidFill>
-                <a:schemeClr val="accent5">
-                  <a:lumMod val="75000"/>
-                </a:schemeClr>
-              </a:solidFill>
-              <a:latin typeface="幼圆" panose="02010509060101010101" pitchFamily="49" charset="-122"/>
-              <a:ea typeface="幼圆" panose="02010509060101010101" pitchFamily="49" charset="-122"/>
-            </a:endParaRPr>
-          </a:p>
-        </p:txBody>
-      </p:sp>
-      <p:sp>
-        <p:nvSpPr>
-          <p:cNvPr id="9" name="文本框 8"/>
-          <p:cNvSpPr txBox="1"/>
-          <p:nvPr/>
-        </p:nvSpPr>
-        <p:spPr>
-          <a:xfrm>
-            <a:off x="1875663" y="4065054"/>
-            <a:ext cx="762000" cy="400110"/>
-          </a:xfrm>
-          <a:prstGeom prst="rect">
-            <a:avLst/>
-          </a:prstGeom>
-          <a:noFill/>
-        </p:spPr>
-        <p:txBody>
-          <a:bodyPr wrap="square" rtlCol="0" anchor="ctr">
-            <a:spAutoFit/>
-          </a:bodyPr>
-          <a:lstStyle/>
-          <a:p>
-            <a:pPr algn="ctr"/>
-            <a:r>
-              <a:rPr lang="zh-CN" altLang="en-US" sz="2000" dirty="0" smtClean="0">
-                <a:solidFill>
-                  <a:schemeClr val="accent5">
-                    <a:lumMod val="75000"/>
-                  </a:schemeClr>
-                </a:solidFill>
-                <a:latin typeface="幼圆" panose="02010509060101010101" pitchFamily="49" charset="-122"/>
-                <a:ea typeface="幼圆" panose="02010509060101010101" pitchFamily="49" charset="-122"/>
-              </a:rPr>
-              <a:t>输出</a:t>
-            </a:r>
-            <a:endParaRPr lang="zh-CN" altLang="en-US" sz="2000" dirty="0">
-              <a:solidFill>
-                <a:schemeClr val="accent5">
-                  <a:lumMod val="75000"/>
-                </a:schemeClr>
-              </a:solidFill>
-              <a:latin typeface="幼圆" panose="02010509060101010101" pitchFamily="49" charset="-122"/>
-              <a:ea typeface="幼圆" panose="02010509060101010101" pitchFamily="49" charset="-122"/>
-            </a:endParaRPr>
-          </a:p>
-        </p:txBody>
-      </p:sp>
-      <p:sp>
-        <p:nvSpPr>
-          <p:cNvPr id="10" name="文本框 9"/>
-          <p:cNvSpPr txBox="1"/>
-          <p:nvPr/>
-        </p:nvSpPr>
-        <p:spPr>
-          <a:xfrm>
-            <a:off x="5521527" y="4065054"/>
-            <a:ext cx="436938" cy="1015663"/>
-          </a:xfrm>
-          <a:prstGeom prst="rect">
-            <a:avLst/>
-          </a:prstGeom>
-          <a:noFill/>
-        </p:spPr>
-        <p:txBody>
-          <a:bodyPr wrap="square" rtlCol="0" anchor="ctr">
-            <a:spAutoFit/>
-          </a:bodyPr>
-          <a:lstStyle/>
-          <a:p>
-            <a:pPr algn="ctr"/>
-            <a:r>
-              <a:rPr lang="zh-CN" altLang="en-US" sz="2000" dirty="0" smtClean="0">
-                <a:solidFill>
-                  <a:schemeClr val="accent5">
-                    <a:lumMod val="75000"/>
-                  </a:schemeClr>
-                </a:solidFill>
-                <a:latin typeface="幼圆" panose="02010509060101010101" pitchFamily="49" charset="-122"/>
-                <a:ea typeface="幼圆" panose="02010509060101010101" pitchFamily="49" charset="-122"/>
-              </a:rPr>
-              <a:t>美化前</a:t>
-            </a:r>
-            <a:endParaRPr lang="zh-CN" altLang="en-US" sz="2000" dirty="0">
-              <a:solidFill>
-                <a:schemeClr val="accent5">
-                  <a:lumMod val="75000"/>
-                </a:schemeClr>
-              </a:solidFill>
-              <a:latin typeface="幼圆" panose="02010509060101010101" pitchFamily="49" charset="-122"/>
-              <a:ea typeface="幼圆" panose="02010509060101010101" pitchFamily="49" charset="-122"/>
-            </a:endParaRPr>
-          </a:p>
-        </p:txBody>
-      </p:sp>
     </p:spTree>
     <p:extLst>
       <p:ext uri="{BB962C8B-B14F-4D97-AF65-F5344CB8AC3E}">
-        <p14:creationId xmlns:p14="http://schemas.microsoft.com/office/powerpoint/2010/main" val="3894084374"/>
+        <p14:creationId xmlns:p14="http://schemas.microsoft.com/office/powerpoint/2010/main" val="2968124407"/>
       </p:ext>
     </p:extLst>
   </p:cSld>
   <p:clrMapOvr>
     <a:masterClrMapping/>
   </p:clrMapOvr>
-  <p:timing>
-    <p:tnLst>
-      <p:par>
-        <p:cTn id="1" dur="indefinite" restart="never" nodeType="tmRoot"/>
-      </p:par>
-    </p:tnLst>
-  </p:timing>
 </p:sld>
 </file>
 
@@ -5419,8 +5239,8 @@
         </p:nvSpPr>
         <p:spPr>
           <a:xfrm>
-            <a:off x="2137483" y="173888"/>
-            <a:ext cx="6835067" cy="1019658"/>
+            <a:off x="2137483" y="21490"/>
+            <a:ext cx="6835067" cy="1332525"/>
           </a:xfrm>
         </p:spPr>
         <p:txBody>
@@ -5428,16 +5248,43 @@
           <a:lstStyle/>
           <a:p>
             <a:r>
-              <a:rPr lang="zh-CN" altLang="en-US" dirty="0" smtClean="0"/>
-              <a:t>绘制三个同心球面</a:t>
-            </a:r>
-            <a:endParaRPr lang="zh-CN" altLang="en-US" dirty="0"/>
+              <a:rPr lang="en-US" altLang="zh-CN" dirty="0"/>
+              <a:t>3</a:t>
+            </a:r>
+            <a:r>
+              <a:rPr lang="zh-CN" altLang="en-US" dirty="0"/>
+              <a:t>个班的</a:t>
+            </a:r>
+            <a:r>
+              <a:rPr lang="en-US" altLang="zh-CN" dirty="0"/>
+              <a:t>6</a:t>
+            </a:r>
+            <a:r>
+              <a:rPr lang="zh-CN" altLang="en-US" dirty="0"/>
+              <a:t>门平均成绩构成一个</a:t>
+            </a:r>
+            <a:r>
+              <a:rPr lang="en-US" altLang="zh-CN" dirty="0"/>
+              <a:t>3</a:t>
+            </a:r>
+            <a:r>
+              <a:rPr lang="zh-CN" altLang="en-US" dirty="0"/>
+              <a:t>*</a:t>
+            </a:r>
+            <a:r>
+              <a:rPr lang="en-US" altLang="zh-CN" dirty="0"/>
+              <a:t>6</a:t>
+            </a:r>
+            <a:r>
+              <a:rPr lang="zh-CN" altLang="en-US" dirty="0"/>
+              <a:t>矩阵，将该数据显示在坐标轴上</a:t>
+            </a:r>
           </a:p>
         </p:txBody>
       </p:sp>
       <p:pic>
         <p:nvPicPr>
-          <p:cNvPr id="4" name="图片 3"/>
+          <p:cNvPr id="5" name="图片 4"/>
           <p:cNvPicPr>
             <a:picLocks noChangeAspect="1"/>
           </p:cNvPicPr>
@@ -5451,8 +5298,8 @@
         </p:blipFill>
         <p:spPr>
           <a:xfrm>
-            <a:off x="2598776" y="3895934"/>
-            <a:ext cx="3233280" cy="2880000"/>
+            <a:off x="2604595" y="920262"/>
+            <a:ext cx="5783608" cy="3045200"/>
           </a:xfrm>
           <a:prstGeom prst="rect">
             <a:avLst/>
@@ -5466,7 +5313,7 @@
       </p:pic>
       <p:pic>
         <p:nvPicPr>
-          <p:cNvPr id="5" name="图片 4"/>
+          <p:cNvPr id="6" name="图片 5"/>
           <p:cNvPicPr>
             <a:picLocks noChangeAspect="1"/>
           </p:cNvPicPr>
@@ -5480,8 +5327,8 @@
         </p:blipFill>
         <p:spPr>
           <a:xfrm>
-            <a:off x="2598776" y="759919"/>
-            <a:ext cx="6426530" cy="2984653"/>
+            <a:off x="2604595" y="4175513"/>
+            <a:ext cx="2829120" cy="2520000"/>
           </a:xfrm>
           <a:prstGeom prst="rect">
             <a:avLst/>
@@ -5493,15 +5340,44 @@
           </a:ln>
         </p:spPr>
       </p:pic>
-      <p:sp>
-        <p:nvSpPr>
-          <p:cNvPr id="6" name="文本框 5"/>
+      <p:pic>
+        <p:nvPicPr>
+          <p:cNvPr id="7" name="图片 6"/>
+          <p:cNvPicPr>
+            <a:picLocks noChangeAspect="1"/>
+          </p:cNvPicPr>
+          <p:nvPr/>
+        </p:nvPicPr>
+        <p:blipFill>
+          <a:blip r:embed="rId4"/>
+          <a:stretch>
+            <a:fillRect/>
+          </a:stretch>
+        </p:blipFill>
+        <p:spPr>
+          <a:xfrm>
+            <a:off x="5935019" y="4175513"/>
+            <a:ext cx="2829120" cy="2520000"/>
+          </a:xfrm>
+          <a:prstGeom prst="rect">
+            <a:avLst/>
+          </a:prstGeom>
+          <a:ln>
+            <a:solidFill>
+              <a:schemeClr val="tx1"/>
+            </a:solidFill>
+          </a:ln>
+        </p:spPr>
+      </p:pic>
+      <p:sp>
+        <p:nvSpPr>
+          <p:cNvPr id="8" name="文本框 7"/>
           <p:cNvSpPr txBox="1"/>
           <p:nvPr/>
         </p:nvSpPr>
         <p:spPr>
           <a:xfrm>
-            <a:off x="1885409" y="675772"/>
+            <a:off x="1878368" y="801658"/>
             <a:ext cx="762000" cy="400110"/>
           </a:xfrm>
           <a:prstGeom prst="rect">
@@ -5517,7 +5393,7 @@
           <a:p>
             <a:pPr algn="ctr"/>
             <a:r>
-              <a:rPr lang="zh-CN" altLang="en-US" sz="2000" dirty="0" smtClean="0">
+              <a:rPr lang="zh-CN" altLang="en-US" sz="2000" dirty="0">
                 <a:solidFill>
                   <a:schemeClr val="accent5">
                     <a:lumMod val="75000"/>
@@ -5528,27 +5404,18 @@
               </a:rPr>
               <a:t>代码</a:t>
             </a:r>
-            <a:endParaRPr lang="zh-CN" altLang="en-US" sz="2000" dirty="0">
-              <a:solidFill>
-                <a:schemeClr val="accent5">
-                  <a:lumMod val="75000"/>
-                </a:schemeClr>
-              </a:solidFill>
-              <a:latin typeface="幼圆" panose="02010509060101010101" pitchFamily="49" charset="-122"/>
-              <a:ea typeface="幼圆" panose="02010509060101010101" pitchFamily="49" charset="-122"/>
-            </a:endParaRPr>
-          </a:p>
-        </p:txBody>
-      </p:sp>
-      <p:sp>
-        <p:nvSpPr>
-          <p:cNvPr id="7" name="文本框 6"/>
+          </a:p>
+        </p:txBody>
+      </p:sp>
+      <p:sp>
+        <p:nvSpPr>
+          <p:cNvPr id="9" name="文本框 8"/>
           <p:cNvSpPr txBox="1"/>
           <p:nvPr/>
         </p:nvSpPr>
         <p:spPr>
           <a:xfrm>
-            <a:off x="1885409" y="3788392"/>
+            <a:off x="1875663" y="4065054"/>
             <a:ext cx="762000" cy="400110"/>
           </a:xfrm>
           <a:prstGeom prst="rect">
@@ -5564,7 +5431,7 @@
           <a:p>
             <a:pPr algn="ctr"/>
             <a:r>
-              <a:rPr lang="zh-CN" altLang="en-US" sz="2000" dirty="0" smtClean="0">
+              <a:rPr lang="zh-CN" altLang="en-US" sz="2000" dirty="0">
                 <a:solidFill>
                   <a:schemeClr val="accent5">
                     <a:lumMod val="75000"/>
@@ -5575,35 +5442,57 @@
               </a:rPr>
               <a:t>输出</a:t>
             </a:r>
-            <a:endParaRPr lang="zh-CN" altLang="en-US" sz="2000" dirty="0">
-              <a:solidFill>
-                <a:schemeClr val="accent5">
-                  <a:lumMod val="75000"/>
-                </a:schemeClr>
-              </a:solidFill>
-              <a:latin typeface="幼圆" panose="02010509060101010101" pitchFamily="49" charset="-122"/>
-              <a:ea typeface="幼圆" panose="02010509060101010101" pitchFamily="49" charset="-122"/>
-            </a:endParaRPr>
+          </a:p>
+        </p:txBody>
+      </p:sp>
+      <p:sp>
+        <p:nvSpPr>
+          <p:cNvPr id="10" name="文本框 9"/>
+          <p:cNvSpPr txBox="1"/>
+          <p:nvPr/>
+        </p:nvSpPr>
+        <p:spPr>
+          <a:xfrm>
+            <a:off x="5521527" y="4065054"/>
+            <a:ext cx="436938" cy="1015663"/>
+          </a:xfrm>
+          <a:prstGeom prst="rect">
+            <a:avLst/>
+          </a:prstGeom>
+          <a:noFill/>
+        </p:spPr>
+        <p:txBody>
+          <a:bodyPr wrap="square" rtlCol="0" anchor="ctr">
+            <a:spAutoFit/>
+          </a:bodyPr>
+          <a:lstStyle/>
+          <a:p>
+            <a:pPr algn="ctr"/>
+            <a:r>
+              <a:rPr lang="zh-CN" altLang="en-US" sz="2000" dirty="0">
+                <a:solidFill>
+                  <a:schemeClr val="accent5">
+                    <a:lumMod val="75000"/>
+                  </a:schemeClr>
+                </a:solidFill>
+                <a:latin typeface="幼圆" panose="02010509060101010101" pitchFamily="49" charset="-122"/>
+                <a:ea typeface="幼圆" panose="02010509060101010101" pitchFamily="49" charset="-122"/>
+              </a:rPr>
+              <a:t>美化前</a:t>
+            </a:r>
           </a:p>
         </p:txBody>
       </p:sp>
     </p:spTree>
     <p:extLst>
       <p:ext uri="{BB962C8B-B14F-4D97-AF65-F5344CB8AC3E}">
-        <p14:creationId xmlns:p14="http://schemas.microsoft.com/office/powerpoint/2010/main" val="955248877"/>
+        <p14:creationId xmlns:p14="http://schemas.microsoft.com/office/powerpoint/2010/main" val="3894084374"/>
       </p:ext>
     </p:extLst>
   </p:cSld>
   <p:clrMapOvr>
     <a:masterClrMapping/>
   </p:clrMapOvr>
-  <p:timing>
-    <p:tnLst>
-      <p:par>
-        <p:cTn id="1" dur="indefinite" restart="never" nodeType="tmRoot"/>
-      </p:par>
-    </p:tnLst>
-  </p:timing>
 </p:sld>
 </file>
 
@@ -5640,10 +5529,9 @@
           <a:lstStyle/>
           <a:p>
             <a:r>
-              <a:rPr lang="zh-CN" altLang="en-US" dirty="0" smtClean="0"/>
+              <a:rPr lang="zh-CN" altLang="en-US" dirty="0"/>
               <a:t>绘图函数</a:t>
             </a:r>
-            <a:endParaRPr lang="zh-CN" altLang="en-US" dirty="0"/>
           </a:p>
         </p:txBody>
       </p:sp>
@@ -5663,10 +5551,9 @@
           <a:lstStyle/>
           <a:p>
             <a:r>
-              <a:rPr lang="zh-CN" altLang="en-US" dirty="0" smtClean="0"/>
+              <a:rPr lang="zh-CN" altLang="en-US" dirty="0"/>
               <a:t>图形美化</a:t>
             </a:r>
-            <a:endParaRPr lang="zh-CN" altLang="en-US" dirty="0"/>
           </a:p>
         </p:txBody>
       </p:sp>
@@ -5686,10 +5573,9 @@
           <a:lstStyle/>
           <a:p>
             <a:r>
-              <a:rPr lang="zh-CN" altLang="en-US" dirty="0" smtClean="0"/>
+              <a:rPr lang="zh-CN" altLang="en-US" dirty="0"/>
               <a:t>句柄图形系统</a:t>
             </a:r>
-            <a:endParaRPr lang="zh-CN" altLang="en-US" dirty="0"/>
           </a:p>
         </p:txBody>
       </p:sp>
@@ -5703,13 +5589,6 @@
   <p:clrMapOvr>
     <a:masterClrMapping/>
   </p:clrMapOvr>
-  <p:timing>
-    <p:tnLst>
-      <p:par>
-        <p:cTn id="1" dur="indefinite" restart="never" nodeType="tmRoot"/>
-      </p:par>
-    </p:tnLst>
-  </p:timing>
 </p:sld>
 </file>
 
@@ -5732,7 +5611,7 @@
       </p:grpSpPr>
       <p:sp>
         <p:nvSpPr>
-          <p:cNvPr id="4" name="文本占位符 3"/>
+          <p:cNvPr id="2" name="文本占位符 1"/>
           <p:cNvSpPr>
             <a:spLocks noGrp="1"/>
           </p:cNvSpPr>
@@ -5746,16 +5625,15 @@
           <a:lstStyle/>
           <a:p>
             <a:r>
-              <a:rPr lang="zh-CN" altLang="en-US" dirty="0" smtClean="0"/>
-              <a:t>句柄图形系统</a:t>
-            </a:r>
-            <a:endParaRPr lang="zh-CN" altLang="en-US" dirty="0"/>
-          </a:p>
-        </p:txBody>
-      </p:sp>
-      <p:sp>
-        <p:nvSpPr>
-          <p:cNvPr id="5" name="文本占位符 4"/>
+              <a:rPr lang="zh-CN" altLang="en-US" dirty="0"/>
+              <a:t>美化图形</a:t>
+            </a:r>
+          </a:p>
+        </p:txBody>
+      </p:sp>
+      <p:sp>
+        <p:nvSpPr>
+          <p:cNvPr id="3" name="文本占位符 2"/>
           <p:cNvSpPr>
             <a:spLocks noGrp="1"/>
           </p:cNvSpPr>
@@ -5763,36 +5641,167 @@
             <p:ph type="body" sz="quarter" idx="11"/>
           </p:nvPr>
         </p:nvSpPr>
-        <p:spPr/>
+        <p:spPr>
+          <a:xfrm>
+            <a:off x="2137483" y="173888"/>
+            <a:ext cx="6835067" cy="1019658"/>
+          </a:xfrm>
+        </p:spPr>
         <p:txBody>
           <a:bodyPr/>
           <a:lstStyle/>
           <a:p>
             <a:r>
-              <a:rPr lang="en-US" altLang="zh-CN" dirty="0" smtClean="0"/>
-              <a:t>3</a:t>
-            </a:r>
-            <a:endParaRPr lang="zh-CN" altLang="en-US" dirty="0"/>
+              <a:rPr lang="zh-CN" altLang="en-US" dirty="0"/>
+              <a:t>绘制三个同心球面</a:t>
+            </a:r>
+          </a:p>
+        </p:txBody>
+      </p:sp>
+      <p:pic>
+        <p:nvPicPr>
+          <p:cNvPr id="4" name="图片 3"/>
+          <p:cNvPicPr>
+            <a:picLocks noChangeAspect="1"/>
+          </p:cNvPicPr>
+          <p:nvPr/>
+        </p:nvPicPr>
+        <p:blipFill>
+          <a:blip r:embed="rId2"/>
+          <a:stretch>
+            <a:fillRect/>
+          </a:stretch>
+        </p:blipFill>
+        <p:spPr>
+          <a:xfrm>
+            <a:off x="2598776" y="3895934"/>
+            <a:ext cx="3233280" cy="2880000"/>
+          </a:xfrm>
+          <a:prstGeom prst="rect">
+            <a:avLst/>
+          </a:prstGeom>
+          <a:ln>
+            <a:solidFill>
+              <a:schemeClr val="tx1"/>
+            </a:solidFill>
+          </a:ln>
+        </p:spPr>
+      </p:pic>
+      <p:pic>
+        <p:nvPicPr>
+          <p:cNvPr id="5" name="图片 4"/>
+          <p:cNvPicPr>
+            <a:picLocks noChangeAspect="1"/>
+          </p:cNvPicPr>
+          <p:nvPr/>
+        </p:nvPicPr>
+        <p:blipFill>
+          <a:blip r:embed="rId3"/>
+          <a:stretch>
+            <a:fillRect/>
+          </a:stretch>
+        </p:blipFill>
+        <p:spPr>
+          <a:xfrm>
+            <a:off x="2598776" y="759919"/>
+            <a:ext cx="6426530" cy="2984653"/>
+          </a:xfrm>
+          <a:prstGeom prst="rect">
+            <a:avLst/>
+          </a:prstGeom>
+          <a:ln>
+            <a:solidFill>
+              <a:schemeClr val="tx1"/>
+            </a:solidFill>
+          </a:ln>
+        </p:spPr>
+      </p:pic>
+      <p:sp>
+        <p:nvSpPr>
+          <p:cNvPr id="6" name="文本框 5"/>
+          <p:cNvSpPr txBox="1"/>
+          <p:nvPr/>
+        </p:nvSpPr>
+        <p:spPr>
+          <a:xfrm>
+            <a:off x="1885409" y="675772"/>
+            <a:ext cx="762000" cy="400110"/>
+          </a:xfrm>
+          <a:prstGeom prst="rect">
+            <a:avLst/>
+          </a:prstGeom>
+          <a:noFill/>
+        </p:spPr>
+        <p:txBody>
+          <a:bodyPr wrap="square" rtlCol="0" anchor="ctr">
+            <a:spAutoFit/>
+          </a:bodyPr>
+          <a:lstStyle/>
+          <a:p>
+            <a:pPr algn="ctr"/>
+            <a:r>
+              <a:rPr lang="zh-CN" altLang="en-US" sz="2000" dirty="0">
+                <a:solidFill>
+                  <a:schemeClr val="accent5">
+                    <a:lumMod val="75000"/>
+                  </a:schemeClr>
+                </a:solidFill>
+                <a:latin typeface="幼圆" panose="02010509060101010101" pitchFamily="49" charset="-122"/>
+                <a:ea typeface="幼圆" panose="02010509060101010101" pitchFamily="49" charset="-122"/>
+              </a:rPr>
+              <a:t>代码</a:t>
+            </a:r>
+          </a:p>
+        </p:txBody>
+      </p:sp>
+      <p:sp>
+        <p:nvSpPr>
+          <p:cNvPr id="7" name="文本框 6"/>
+          <p:cNvSpPr txBox="1"/>
+          <p:nvPr/>
+        </p:nvSpPr>
+        <p:spPr>
+          <a:xfrm>
+            <a:off x="1885409" y="3788392"/>
+            <a:ext cx="762000" cy="400110"/>
+          </a:xfrm>
+          <a:prstGeom prst="rect">
+            <a:avLst/>
+          </a:prstGeom>
+          <a:noFill/>
+        </p:spPr>
+        <p:txBody>
+          <a:bodyPr wrap="square" rtlCol="0" anchor="ctr">
+            <a:spAutoFit/>
+          </a:bodyPr>
+          <a:lstStyle/>
+          <a:p>
+            <a:pPr algn="ctr"/>
+            <a:r>
+              <a:rPr lang="zh-CN" altLang="en-US" sz="2000" dirty="0">
+                <a:solidFill>
+                  <a:schemeClr val="accent5">
+                    <a:lumMod val="75000"/>
+                  </a:schemeClr>
+                </a:solidFill>
+                <a:latin typeface="幼圆" panose="02010509060101010101" pitchFamily="49" charset="-122"/>
+                <a:ea typeface="幼圆" panose="02010509060101010101" pitchFamily="49" charset="-122"/>
+              </a:rPr>
+              <a:t>输出</a:t>
+            </a:r>
           </a:p>
         </p:txBody>
       </p:sp>
     </p:spTree>
     <p:extLst>
       <p:ext uri="{BB962C8B-B14F-4D97-AF65-F5344CB8AC3E}">
-        <p14:creationId xmlns:p14="http://schemas.microsoft.com/office/powerpoint/2010/main" val="1746794094"/>
+        <p14:creationId xmlns:p14="http://schemas.microsoft.com/office/powerpoint/2010/main" val="955248877"/>
       </p:ext>
     </p:extLst>
   </p:cSld>
   <p:clrMapOvr>
     <a:masterClrMapping/>
   </p:clrMapOvr>
-  <p:timing>
-    <p:tnLst>
-      <p:par>
-        <p:cTn id="1" dur="indefinite" restart="never" nodeType="tmRoot"/>
-      </p:par>
-    </p:tnLst>
-  </p:timing>
 </p:sld>
 </file>
 
@@ -5815,6 +5824,81 @@
       </p:grpSpPr>
       <p:sp>
         <p:nvSpPr>
+          <p:cNvPr id="4" name="文本占位符 3"/>
+          <p:cNvSpPr>
+            <a:spLocks noGrp="1"/>
+          </p:cNvSpPr>
+          <p:nvPr>
+            <p:ph type="body" sz="quarter" idx="10"/>
+          </p:nvPr>
+        </p:nvSpPr>
+        <p:spPr/>
+        <p:txBody>
+          <a:bodyPr/>
+          <a:lstStyle/>
+          <a:p>
+            <a:r>
+              <a:rPr lang="zh-CN" altLang="en-US" dirty="0"/>
+              <a:t>句柄图形系统</a:t>
+            </a:r>
+          </a:p>
+        </p:txBody>
+      </p:sp>
+      <p:sp>
+        <p:nvSpPr>
+          <p:cNvPr id="5" name="文本占位符 4"/>
+          <p:cNvSpPr>
+            <a:spLocks noGrp="1"/>
+          </p:cNvSpPr>
+          <p:nvPr>
+            <p:ph type="body" sz="quarter" idx="11"/>
+          </p:nvPr>
+        </p:nvSpPr>
+        <p:spPr/>
+        <p:txBody>
+          <a:bodyPr/>
+          <a:lstStyle/>
+          <a:p>
+            <a:r>
+              <a:rPr lang="en-US" altLang="zh-CN" dirty="0"/>
+              <a:t>3</a:t>
+            </a:r>
+            <a:endParaRPr lang="zh-CN" altLang="en-US" dirty="0"/>
+          </a:p>
+        </p:txBody>
+      </p:sp>
+    </p:spTree>
+    <p:extLst>
+      <p:ext uri="{BB962C8B-B14F-4D97-AF65-F5344CB8AC3E}">
+        <p14:creationId xmlns:p14="http://schemas.microsoft.com/office/powerpoint/2010/main" val="1746794094"/>
+      </p:ext>
+    </p:extLst>
+  </p:cSld>
+  <p:clrMapOvr>
+    <a:masterClrMapping/>
+  </p:clrMapOvr>
+</p:sld>
+</file>
+
+<file path=ppt/slides/slide22.xml><?xml version="1.0" encoding="utf-8"?>
+<p:sld xmlns:a="http://schemas.openxmlformats.org/drawingml/2006/main" xmlns:r="http://schemas.openxmlformats.org/officeDocument/2006/relationships" xmlns:p="http://schemas.openxmlformats.org/presentationml/2006/main">
+  <p:cSld>
+    <p:spTree>
+      <p:nvGrpSpPr>
+        <p:cNvPr id="1" name=""/>
+        <p:cNvGrpSpPr/>
+        <p:nvPr/>
+      </p:nvGrpSpPr>
+      <p:grpSpPr>
+        <a:xfrm>
+          <a:off x="0" y="0"/>
+          <a:ext cx="0" cy="0"/>
+          <a:chOff x="0" y="0"/>
+          <a:chExt cx="0" cy="0"/>
+        </a:xfrm>
+      </p:grpSpPr>
+      <p:sp>
+        <p:nvSpPr>
           <p:cNvPr id="2" name="文本占位符 1"/>
           <p:cNvSpPr>
             <a:spLocks noGrp="1"/>
@@ -5829,10 +5913,9 @@
           <a:lstStyle/>
           <a:p>
             <a:r>
-              <a:rPr lang="zh-CN" altLang="en-US" dirty="0" smtClean="0"/>
+              <a:rPr lang="zh-CN" altLang="en-US" dirty="0"/>
               <a:t>层次结构</a:t>
             </a:r>
-            <a:endParaRPr lang="zh-CN" altLang="en-US" dirty="0"/>
           </a:p>
         </p:txBody>
       </p:sp>
@@ -5857,10 +5940,9 @@
           <a:lstStyle/>
           <a:p>
             <a:r>
-              <a:rPr lang="zh-CN" altLang="en-US" dirty="0" smtClean="0"/>
+              <a:rPr lang="zh-CN" altLang="en-US" dirty="0"/>
               <a:t>常见句柄图形对象的层次结构如下</a:t>
             </a:r>
-            <a:endParaRPr lang="zh-CN" altLang="en-US" dirty="0"/>
           </a:p>
         </p:txBody>
       </p:sp>
@@ -5907,7 +5989,7 @@
           <a:p>
             <a:pPr algn="ctr"/>
             <a:r>
-              <a:rPr lang="zh-CN" altLang="en-US" dirty="0" smtClean="0">
+              <a:rPr lang="zh-CN" altLang="en-US" dirty="0">
                 <a:solidFill>
                   <a:schemeClr val="bg1"/>
                 </a:solidFill>
@@ -5917,7 +5999,7 @@
               <a:t>窗口 </a:t>
             </a:r>
             <a:r>
-              <a:rPr lang="en-US" altLang="zh-CN" dirty="0" smtClean="0">
+              <a:rPr lang="en-US" altLang="zh-CN" dirty="0">
                 <a:solidFill>
                   <a:schemeClr val="bg1"/>
                 </a:solidFill>
@@ -5979,7 +6061,7 @@
           <a:p>
             <a:pPr algn="ctr"/>
             <a:r>
-              <a:rPr lang="zh-CN" altLang="en-US" dirty="0" smtClean="0">
+              <a:rPr lang="zh-CN" altLang="en-US" dirty="0">
                 <a:solidFill>
                   <a:schemeClr val="bg1"/>
                 </a:solidFill>
@@ -5988,13 +6070,6 @@
               </a:rPr>
               <a:t>菜单</a:t>
             </a:r>
-            <a:endParaRPr lang="zh-CN" altLang="en-US" dirty="0">
-              <a:solidFill>
-                <a:schemeClr val="bg1"/>
-              </a:solidFill>
-              <a:latin typeface="幼圆" panose="02010509060101010101" pitchFamily="49" charset="-122"/>
-              <a:ea typeface="幼圆" panose="02010509060101010101" pitchFamily="49" charset="-122"/>
-            </a:endParaRPr>
           </a:p>
         </p:txBody>
       </p:sp>
@@ -6041,7 +6116,7 @@
           <a:p>
             <a:pPr algn="ctr"/>
             <a:r>
-              <a:rPr lang="zh-CN" altLang="en-US" dirty="0" smtClean="0">
+              <a:rPr lang="zh-CN" altLang="en-US" dirty="0">
                 <a:solidFill>
                   <a:schemeClr val="bg1"/>
                 </a:solidFill>
@@ -6050,13 +6125,6 @@
               </a:rPr>
               <a:t>工具栏</a:t>
             </a:r>
-            <a:endParaRPr lang="zh-CN" altLang="en-US" dirty="0">
-              <a:solidFill>
-                <a:schemeClr val="bg1"/>
-              </a:solidFill>
-              <a:latin typeface="幼圆" panose="02010509060101010101" pitchFamily="49" charset="-122"/>
-              <a:ea typeface="幼圆" panose="02010509060101010101" pitchFamily="49" charset="-122"/>
-            </a:endParaRPr>
           </a:p>
         </p:txBody>
       </p:sp>
@@ -6103,7 +6171,7 @@
           <a:p>
             <a:pPr algn="ctr"/>
             <a:r>
-              <a:rPr lang="zh-CN" altLang="en-US" dirty="0" smtClean="0">
+              <a:rPr lang="zh-CN" altLang="en-US" dirty="0">
                 <a:solidFill>
                   <a:schemeClr val="bg1"/>
                 </a:solidFill>
@@ -6113,7 +6181,7 @@
               <a:t>坐标轴 </a:t>
             </a:r>
             <a:r>
-              <a:rPr lang="en-US" altLang="zh-CN" dirty="0" smtClean="0">
+              <a:rPr lang="en-US" altLang="zh-CN" dirty="0">
                 <a:solidFill>
                   <a:schemeClr val="bg1"/>
                 </a:solidFill>
@@ -6175,7 +6243,7 @@
           <a:p>
             <a:pPr algn="ctr"/>
             <a:r>
-              <a:rPr lang="zh-CN" altLang="en-US" dirty="0" smtClean="0">
+              <a:rPr lang="zh-CN" altLang="en-US" dirty="0">
                 <a:solidFill>
                   <a:schemeClr val="bg1"/>
                 </a:solidFill>
@@ -6185,7 +6253,7 @@
               <a:t>图形 </a:t>
             </a:r>
             <a:r>
-              <a:rPr lang="en-US" altLang="zh-CN" dirty="0" smtClean="0">
+              <a:rPr lang="en-US" altLang="zh-CN" dirty="0">
                 <a:solidFill>
                   <a:schemeClr val="bg1"/>
                 </a:solidFill>
@@ -6247,7 +6315,7 @@
           <a:p>
             <a:pPr algn="ctr"/>
             <a:r>
-              <a:rPr lang="zh-CN" altLang="en-US" dirty="0" smtClean="0">
+              <a:rPr lang="zh-CN" altLang="en-US" dirty="0">
                 <a:solidFill>
                   <a:schemeClr val="bg1"/>
                 </a:solidFill>
@@ -6257,7 +6325,7 @@
               <a:t>标题 </a:t>
             </a:r>
             <a:r>
-              <a:rPr lang="en-US" altLang="zh-CN" dirty="0" smtClean="0">
+              <a:rPr lang="en-US" altLang="zh-CN" dirty="0">
                 <a:solidFill>
                   <a:schemeClr val="bg1"/>
                 </a:solidFill>
@@ -6348,7 +6416,7 @@
           <a:p>
             <a:pPr algn="ctr"/>
             <a:r>
-              <a:rPr lang="zh-CN" altLang="en-US" dirty="0" smtClean="0">
+              <a:rPr lang="zh-CN" altLang="en-US" dirty="0">
                 <a:solidFill>
                   <a:schemeClr val="bg1"/>
                 </a:solidFill>
@@ -6358,7 +6426,7 @@
               <a:t>图例 </a:t>
             </a:r>
             <a:r>
-              <a:rPr lang="en-US" altLang="zh-CN" dirty="0" smtClean="0">
+              <a:rPr lang="en-US" altLang="zh-CN" dirty="0">
                 <a:solidFill>
                   <a:schemeClr val="bg1"/>
                 </a:solidFill>
@@ -6420,7 +6488,7 @@
           <a:p>
             <a:pPr algn="ctr"/>
             <a:r>
-              <a:rPr lang="zh-CN" altLang="en-US" dirty="0" smtClean="0">
+              <a:rPr lang="zh-CN" altLang="en-US" dirty="0">
                 <a:solidFill>
                   <a:schemeClr val="bg1"/>
                 </a:solidFill>
@@ -6430,7 +6498,7 @@
               <a:t>坐标轴标签 </a:t>
             </a:r>
             <a:r>
-              <a:rPr lang="en-US" altLang="zh-CN" dirty="0" err="1" smtClean="0">
+              <a:rPr lang="en-US" altLang="zh-CN" dirty="0" err="1">
                 <a:solidFill>
                   <a:schemeClr val="bg1"/>
                 </a:solidFill>
@@ -7026,7 +7094,7 @@
           <a:lstStyle/>
           <a:p>
             <a:r>
-              <a:rPr lang="zh-CN" altLang="en-US" sz="1600" dirty="0" smtClean="0">
+              <a:rPr lang="zh-CN" altLang="en-US" sz="1600" dirty="0">
                 <a:solidFill>
                   <a:srgbClr val="FF0000"/>
                 </a:solidFill>
@@ -7035,13 +7103,6 @@
               </a:rPr>
               <a:t>菜单</a:t>
             </a:r>
-            <a:endParaRPr lang="zh-CN" altLang="en-US" sz="1600" dirty="0">
-              <a:solidFill>
-                <a:srgbClr val="FF0000"/>
-              </a:solidFill>
-              <a:latin typeface="幼圆" panose="02010509060101010101" pitchFamily="49" charset="-122"/>
-              <a:ea typeface="幼圆" panose="02010509060101010101" pitchFamily="49" charset="-122"/>
-            </a:endParaRPr>
           </a:p>
         </p:txBody>
       </p:sp>
@@ -7068,7 +7129,7 @@
           <a:lstStyle/>
           <a:p>
             <a:r>
-              <a:rPr lang="zh-CN" altLang="en-US" sz="1600" dirty="0" smtClean="0">
+              <a:rPr lang="zh-CN" altLang="en-US" sz="1600" dirty="0">
                 <a:solidFill>
                   <a:srgbClr val="FF0000"/>
                 </a:solidFill>
@@ -7077,13 +7138,6 @@
               </a:rPr>
               <a:t>工具栏</a:t>
             </a:r>
-            <a:endParaRPr lang="zh-CN" altLang="en-US" sz="1600" dirty="0">
-              <a:solidFill>
-                <a:srgbClr val="FF0000"/>
-              </a:solidFill>
-              <a:latin typeface="幼圆" panose="02010509060101010101" pitchFamily="49" charset="-122"/>
-              <a:ea typeface="幼圆" panose="02010509060101010101" pitchFamily="49" charset="-122"/>
-            </a:endParaRPr>
           </a:p>
         </p:txBody>
       </p:sp>
@@ -7110,7 +7164,7 @@
           <a:lstStyle/>
           <a:p>
             <a:r>
-              <a:rPr lang="zh-CN" altLang="en-US" sz="1600" dirty="0" smtClean="0">
+              <a:rPr lang="zh-CN" altLang="en-US" sz="1600" dirty="0">
                 <a:solidFill>
                   <a:srgbClr val="FF0000"/>
                 </a:solidFill>
@@ -7119,13 +7173,6 @@
               </a:rPr>
               <a:t>标题</a:t>
             </a:r>
-            <a:endParaRPr lang="zh-CN" altLang="en-US" sz="1600" dirty="0">
-              <a:solidFill>
-                <a:srgbClr val="FF0000"/>
-              </a:solidFill>
-              <a:latin typeface="幼圆" panose="02010509060101010101" pitchFamily="49" charset="-122"/>
-              <a:ea typeface="幼圆" panose="02010509060101010101" pitchFamily="49" charset="-122"/>
-            </a:endParaRPr>
           </a:p>
         </p:txBody>
       </p:sp>
@@ -7152,7 +7199,7 @@
           <a:lstStyle/>
           <a:p>
             <a:r>
-              <a:rPr lang="zh-CN" altLang="en-US" sz="1600" dirty="0" smtClean="0">
+              <a:rPr lang="zh-CN" altLang="en-US" sz="1600" dirty="0">
                 <a:solidFill>
                   <a:srgbClr val="FF0000"/>
                 </a:solidFill>
@@ -7161,13 +7208,6 @@
               </a:rPr>
               <a:t>图形</a:t>
             </a:r>
-            <a:endParaRPr lang="zh-CN" altLang="en-US" sz="1600" dirty="0">
-              <a:solidFill>
-                <a:srgbClr val="FF0000"/>
-              </a:solidFill>
-              <a:latin typeface="幼圆" panose="02010509060101010101" pitchFamily="49" charset="-122"/>
-              <a:ea typeface="幼圆" panose="02010509060101010101" pitchFamily="49" charset="-122"/>
-            </a:endParaRPr>
           </a:p>
         </p:txBody>
       </p:sp>
@@ -7194,7 +7234,7 @@
           <a:lstStyle/>
           <a:p>
             <a:r>
-              <a:rPr lang="zh-CN" altLang="en-US" sz="1600" dirty="0" smtClean="0">
+              <a:rPr lang="zh-CN" altLang="en-US" sz="1600" dirty="0">
                 <a:solidFill>
                   <a:srgbClr val="FF0000"/>
                 </a:solidFill>
@@ -7203,13 +7243,6 @@
               </a:rPr>
               <a:t>图例</a:t>
             </a:r>
-            <a:endParaRPr lang="zh-CN" altLang="en-US" sz="1600" dirty="0">
-              <a:solidFill>
-                <a:srgbClr val="FF0000"/>
-              </a:solidFill>
-              <a:latin typeface="幼圆" panose="02010509060101010101" pitchFamily="49" charset="-122"/>
-              <a:ea typeface="幼圆" panose="02010509060101010101" pitchFamily="49" charset="-122"/>
-            </a:endParaRPr>
           </a:p>
         </p:txBody>
       </p:sp>
@@ -7236,7 +7269,7 @@
           <a:lstStyle/>
           <a:p>
             <a:r>
-              <a:rPr lang="zh-CN" altLang="en-US" sz="1600" dirty="0" smtClean="0">
+              <a:rPr lang="zh-CN" altLang="en-US" sz="1600" dirty="0">
                 <a:solidFill>
                   <a:srgbClr val="FF0000"/>
                 </a:solidFill>
@@ -7245,13 +7278,6 @@
               </a:rPr>
               <a:t>坐标轴标签</a:t>
             </a:r>
-            <a:endParaRPr lang="zh-CN" altLang="en-US" sz="1600" dirty="0">
-              <a:solidFill>
-                <a:srgbClr val="FF0000"/>
-              </a:solidFill>
-              <a:latin typeface="幼圆" panose="02010509060101010101" pitchFamily="49" charset="-122"/>
-              <a:ea typeface="幼圆" panose="02010509060101010101" pitchFamily="49" charset="-122"/>
-            </a:endParaRPr>
           </a:p>
         </p:txBody>
       </p:sp>
@@ -7279,7 +7305,7 @@
           <a:p>
             <a:pPr algn="r"/>
             <a:r>
-              <a:rPr lang="zh-CN" altLang="en-US" sz="1600" dirty="0" smtClean="0">
+              <a:rPr lang="zh-CN" altLang="en-US" sz="1600" dirty="0">
                 <a:solidFill>
                   <a:srgbClr val="FF0000"/>
                 </a:solidFill>
@@ -7288,13 +7314,6 @@
               </a:rPr>
               <a:t>窗口</a:t>
             </a:r>
-            <a:endParaRPr lang="zh-CN" altLang="en-US" sz="1600" dirty="0">
-              <a:solidFill>
-                <a:srgbClr val="FF0000"/>
-              </a:solidFill>
-              <a:latin typeface="幼圆" panose="02010509060101010101" pitchFamily="49" charset="-122"/>
-              <a:ea typeface="幼圆" panose="02010509060101010101" pitchFamily="49" charset="-122"/>
-            </a:endParaRPr>
           </a:p>
         </p:txBody>
       </p:sp>
@@ -7322,7 +7341,7 @@
           <a:p>
             <a:pPr algn="r"/>
             <a:r>
-              <a:rPr lang="zh-CN" altLang="en-US" sz="1600" dirty="0" smtClean="0">
+              <a:rPr lang="zh-CN" altLang="en-US" sz="1600" dirty="0">
                 <a:solidFill>
                   <a:srgbClr val="FF0000"/>
                 </a:solidFill>
@@ -7331,13 +7350,6 @@
               </a:rPr>
               <a:t>坐标轴</a:t>
             </a:r>
-            <a:endParaRPr lang="zh-CN" altLang="en-US" sz="1600" dirty="0">
-              <a:solidFill>
-                <a:srgbClr val="FF0000"/>
-              </a:solidFill>
-              <a:latin typeface="幼圆" panose="02010509060101010101" pitchFamily="49" charset="-122"/>
-              <a:ea typeface="幼圆" panose="02010509060101010101" pitchFamily="49" charset="-122"/>
-            </a:endParaRPr>
           </a:p>
         </p:txBody>
       </p:sp>
@@ -7351,293 +7363,6 @@
   <p:clrMapOvr>
     <a:masterClrMapping/>
   </p:clrMapOvr>
-  <p:timing>
-    <p:tnLst>
-      <p:par>
-        <p:cTn id="1" dur="indefinite" restart="never" nodeType="tmRoot"/>
-      </p:par>
-    </p:tnLst>
-  </p:timing>
-</p:sld>
-</file>
-
-<file path=ppt/slides/slide22.xml><?xml version="1.0" encoding="utf-8"?>
-<p:sld xmlns:a="http://schemas.openxmlformats.org/drawingml/2006/main" xmlns:r="http://schemas.openxmlformats.org/officeDocument/2006/relationships" xmlns:p="http://schemas.openxmlformats.org/presentationml/2006/main">
-  <p:cSld>
-    <p:spTree>
-      <p:nvGrpSpPr>
-        <p:cNvPr id="1" name=""/>
-        <p:cNvGrpSpPr/>
-        <p:nvPr/>
-      </p:nvGrpSpPr>
-      <p:grpSpPr>
-        <a:xfrm>
-          <a:off x="0" y="0"/>
-          <a:ext cx="0" cy="0"/>
-          <a:chOff x="0" y="0"/>
-          <a:chExt cx="0" cy="0"/>
-        </a:xfrm>
-      </p:grpSpPr>
-      <p:sp>
-        <p:nvSpPr>
-          <p:cNvPr id="2" name="文本占位符 1"/>
-          <p:cNvSpPr>
-            <a:spLocks noGrp="1"/>
-          </p:cNvSpPr>
-          <p:nvPr>
-            <p:ph type="body" sz="quarter" idx="10"/>
-          </p:nvPr>
-        </p:nvSpPr>
-        <p:spPr/>
-        <p:txBody>
-          <a:bodyPr/>
-          <a:lstStyle/>
-          <a:p>
-            <a:r>
-              <a:rPr lang="zh-CN" altLang="en-US" dirty="0" smtClean="0"/>
-              <a:t>图形对象</a:t>
-            </a:r>
-            <a:endParaRPr lang="en-US" altLang="zh-CN" dirty="0" smtClean="0"/>
-          </a:p>
-          <a:p>
-            <a:r>
-              <a:rPr lang="zh-CN" altLang="en-US" dirty="0" smtClean="0"/>
-              <a:t>基本操作</a:t>
-            </a:r>
-            <a:endParaRPr lang="zh-CN" altLang="en-US" dirty="0"/>
-          </a:p>
-        </p:txBody>
-      </p:sp>
-      <p:sp>
-        <p:nvSpPr>
-          <p:cNvPr id="3" name="文本占位符 2"/>
-          <p:cNvSpPr>
-            <a:spLocks noGrp="1"/>
-          </p:cNvSpPr>
-          <p:nvPr>
-            <p:ph type="body" sz="quarter" idx="11"/>
-          </p:nvPr>
-        </p:nvSpPr>
-        <p:spPr/>
-        <p:txBody>
-          <a:bodyPr/>
-          <a:lstStyle/>
-          <a:p>
-            <a:r>
-              <a:rPr lang="zh-CN" altLang="en-US" dirty="0" smtClean="0"/>
-              <a:t>利用不同的函数来创建图形对象</a:t>
-            </a:r>
-            <a:endParaRPr lang="en-US" altLang="zh-CN" dirty="0" smtClean="0"/>
-          </a:p>
-          <a:p>
-            <a:endParaRPr lang="en-US" altLang="zh-CN" dirty="0"/>
-          </a:p>
-          <a:p>
-            <a:endParaRPr lang="en-US" altLang="zh-CN" dirty="0" smtClean="0"/>
-          </a:p>
-          <a:p>
-            <a:endParaRPr lang="en-US" altLang="zh-CN" dirty="0"/>
-          </a:p>
-          <a:p>
-            <a:r>
-              <a:rPr lang="zh-CN" altLang="en-US" dirty="0" smtClean="0"/>
-              <a:t>获取当前活动的对象句柄</a:t>
-            </a:r>
-            <a:endParaRPr lang="en-US" altLang="zh-CN" dirty="0" smtClean="0"/>
-          </a:p>
-          <a:p>
-            <a:endParaRPr lang="en-US" altLang="zh-CN" dirty="0"/>
-          </a:p>
-          <a:p>
-            <a:endParaRPr lang="en-US" altLang="zh-CN" dirty="0" smtClean="0"/>
-          </a:p>
-          <a:p>
-            <a:endParaRPr lang="en-US" altLang="zh-CN" dirty="0"/>
-          </a:p>
-          <a:p>
-            <a:r>
-              <a:rPr lang="zh-CN" altLang="en-US" dirty="0" smtClean="0"/>
-              <a:t>利用</a:t>
-            </a:r>
-            <a:r>
-              <a:rPr lang="en-US" altLang="zh-CN" dirty="0" smtClean="0"/>
-              <a:t>delete()</a:t>
-            </a:r>
-            <a:r>
-              <a:rPr lang="zh-CN" altLang="en-US" dirty="0" smtClean="0"/>
-              <a:t>删除指定对象</a:t>
-            </a:r>
-            <a:endParaRPr lang="zh-CN" altLang="en-US" dirty="0"/>
-          </a:p>
-        </p:txBody>
-      </p:sp>
-      <p:pic>
-        <p:nvPicPr>
-          <p:cNvPr id="4" name="图片 3"/>
-          <p:cNvPicPr>
-            <a:picLocks noChangeAspect="1"/>
-          </p:cNvPicPr>
-          <p:nvPr/>
-        </p:nvPicPr>
-        <p:blipFill>
-          <a:blip r:embed="rId2"/>
-          <a:stretch>
-            <a:fillRect/>
-          </a:stretch>
-        </p:blipFill>
-        <p:spPr>
-          <a:xfrm>
-            <a:off x="2302130" y="1001713"/>
-            <a:ext cx="3899100" cy="825542"/>
-          </a:xfrm>
-          <a:prstGeom prst="rect">
-            <a:avLst/>
-          </a:prstGeom>
-          <a:ln>
-            <a:solidFill>
-              <a:schemeClr val="tx1"/>
-            </a:solidFill>
-          </a:ln>
-        </p:spPr>
-      </p:pic>
-      <p:sp>
-        <p:nvSpPr>
-          <p:cNvPr id="5" name="文本框 4"/>
-          <p:cNvSpPr txBox="1"/>
-          <p:nvPr/>
-        </p:nvSpPr>
-        <p:spPr>
-          <a:xfrm>
-            <a:off x="6314802" y="875875"/>
-            <a:ext cx="2652332" cy="1077218"/>
-          </a:xfrm>
-          <a:prstGeom prst="rect">
-            <a:avLst/>
-          </a:prstGeom>
-          <a:noFill/>
-        </p:spPr>
-        <p:txBody>
-          <a:bodyPr wrap="square" rtlCol="0">
-            <a:spAutoFit/>
-          </a:bodyPr>
-          <a:lstStyle/>
-          <a:p>
-            <a:pPr algn="just"/>
-            <a:r>
-              <a:rPr lang="zh-CN" altLang="en-US" sz="1600" dirty="0" smtClean="0">
-                <a:solidFill>
-                  <a:srgbClr val="FF0000"/>
-                </a:solidFill>
-                <a:latin typeface="幼圆" panose="02010509060101010101" pitchFamily="49" charset="-122"/>
-                <a:ea typeface="幼圆" panose="02010509060101010101" pitchFamily="49" charset="-122"/>
-              </a:rPr>
-              <a:t>若创建坐标轴时无窗口，则自动创建一个窗口；</a:t>
-            </a:r>
-            <a:endParaRPr lang="en-US" altLang="zh-CN" sz="1600" dirty="0" smtClean="0">
-              <a:solidFill>
-                <a:srgbClr val="FF0000"/>
-              </a:solidFill>
-              <a:latin typeface="幼圆" panose="02010509060101010101" pitchFamily="49" charset="-122"/>
-              <a:ea typeface="幼圆" panose="02010509060101010101" pitchFamily="49" charset="-122"/>
-            </a:endParaRPr>
-          </a:p>
-          <a:p>
-            <a:pPr algn="just"/>
-            <a:r>
-              <a:rPr lang="zh-CN" altLang="en-US" sz="1600" dirty="0" smtClean="0">
-                <a:solidFill>
-                  <a:srgbClr val="FF0000"/>
-                </a:solidFill>
-                <a:latin typeface="幼圆" panose="02010509060101010101" pitchFamily="49" charset="-122"/>
-                <a:ea typeface="幼圆" panose="02010509060101010101" pitchFamily="49" charset="-122"/>
-              </a:rPr>
-              <a:t>若创建图形时无坐标轴，则自动创建一个坐标轴</a:t>
-            </a:r>
-            <a:endParaRPr lang="zh-CN" altLang="en-US" sz="1600" dirty="0">
-              <a:solidFill>
-                <a:srgbClr val="FF0000"/>
-              </a:solidFill>
-              <a:latin typeface="幼圆" panose="02010509060101010101" pitchFamily="49" charset="-122"/>
-              <a:ea typeface="幼圆" panose="02010509060101010101" pitchFamily="49" charset="-122"/>
-            </a:endParaRPr>
-          </a:p>
-        </p:txBody>
-      </p:sp>
-      <p:pic>
-        <p:nvPicPr>
-          <p:cNvPr id="6" name="图片 5"/>
-          <p:cNvPicPr>
-            <a:picLocks noChangeAspect="1"/>
-          </p:cNvPicPr>
-          <p:nvPr/>
-        </p:nvPicPr>
-        <p:blipFill>
-          <a:blip r:embed="rId3"/>
-          <a:stretch>
-            <a:fillRect/>
-          </a:stretch>
-        </p:blipFill>
-        <p:spPr>
-          <a:xfrm>
-            <a:off x="2302130" y="2984479"/>
-            <a:ext cx="3105310" cy="825542"/>
-          </a:xfrm>
-          <a:prstGeom prst="rect">
-            <a:avLst/>
-          </a:prstGeom>
-          <a:ln>
-            <a:solidFill>
-              <a:schemeClr val="tx1"/>
-            </a:solidFill>
-          </a:ln>
-        </p:spPr>
-      </p:pic>
-      <p:pic>
-        <p:nvPicPr>
-          <p:cNvPr id="7" name="图片 6"/>
-          <p:cNvPicPr>
-            <a:picLocks noChangeAspect="1"/>
-          </p:cNvPicPr>
-          <p:nvPr/>
-        </p:nvPicPr>
-        <p:blipFill>
-          <a:blip r:embed="rId4"/>
-          <a:stretch>
-            <a:fillRect/>
-          </a:stretch>
-        </p:blipFill>
-        <p:spPr>
-          <a:xfrm>
-            <a:off x="2302130" y="4967245"/>
-            <a:ext cx="3340272" cy="831893"/>
-          </a:xfrm>
-          <a:prstGeom prst="rect">
-            <a:avLst/>
-          </a:prstGeom>
-          <a:ln>
-            <a:solidFill>
-              <a:schemeClr val="tx1"/>
-            </a:solidFill>
-          </a:ln>
-        </p:spPr>
-      </p:pic>
-    </p:spTree>
-    <p:extLst>
-      <p:ext uri="{BB962C8B-B14F-4D97-AF65-F5344CB8AC3E}">
-        <p14:creationId xmlns:p14="http://schemas.microsoft.com/office/powerpoint/2010/main" val="1212376072"/>
-      </p:ext>
-    </p:extLst>
-  </p:cSld>
-  <p:clrMapOvr>
-    <a:masterClrMapping/>
-  </p:clrMapOvr>
-  <p:timing>
-    <p:tnLst>
-      <p:par>
-        <p:cTn id="1" dur="indefinite" restart="never" nodeType="tmRoot"/>
-      </p:par>
-    </p:tnLst>
-  </p:timing>
 </p:sld>
 </file>
 
@@ -7674,17 +7399,16 @@
           <a:lstStyle/>
           <a:p>
             <a:r>
-              <a:rPr lang="zh-CN" altLang="en-US" dirty="0" smtClean="0"/>
-              <a:t>获取</a:t>
-            </a:r>
-            <a:endParaRPr lang="en-US" altLang="zh-CN" dirty="0" smtClean="0"/>
-          </a:p>
-          <a:p>
-            <a:r>
-              <a:rPr lang="zh-CN" altLang="en-US" dirty="0" smtClean="0"/>
-              <a:t>图形对象的属性</a:t>
-            </a:r>
-            <a:endParaRPr lang="zh-CN" altLang="en-US" dirty="0"/>
+              <a:rPr lang="zh-CN" altLang="en-US" dirty="0"/>
+              <a:t>图形对象</a:t>
+            </a:r>
+            <a:endParaRPr lang="en-US" altLang="zh-CN" dirty="0"/>
+          </a:p>
+          <a:p>
+            <a:r>
+              <a:rPr lang="zh-CN" altLang="en-US" dirty="0"/>
+              <a:t>基本操作</a:t>
+            </a:r>
           </a:p>
         </p:txBody>
       </p:sp>
@@ -7698,29 +7422,55 @@
             <p:ph type="body" sz="quarter" idx="11"/>
           </p:nvPr>
         </p:nvSpPr>
-        <p:spPr>
-          <a:xfrm>
-            <a:off x="2124783" y="76213"/>
-            <a:ext cx="6835067" cy="6057900"/>
-          </a:xfrm>
-        </p:spPr>
+        <p:spPr/>
         <p:txBody>
           <a:bodyPr/>
           <a:lstStyle/>
           <a:p>
             <a:r>
-              <a:rPr lang="zh-CN" altLang="en-US" dirty="0" smtClean="0"/>
-              <a:t>创建对象时、或创建后获取当前对象的句柄，利用</a:t>
-            </a:r>
-            <a:r>
-              <a:rPr lang="en-US" altLang="zh-CN" dirty="0" smtClean="0"/>
-              <a:t>get()</a:t>
-            </a:r>
-            <a:r>
-              <a:rPr lang="zh-CN" altLang="en-US" dirty="0" smtClean="0"/>
-              <a:t>获取其指定属性</a:t>
-            </a:r>
-            <a:endParaRPr lang="zh-CN" altLang="en-US" dirty="0"/>
+              <a:rPr lang="zh-CN" altLang="en-US" dirty="0"/>
+              <a:t>利用不同的函数来创建图形对象</a:t>
+            </a:r>
+            <a:endParaRPr lang="en-US" altLang="zh-CN" dirty="0"/>
+          </a:p>
+          <a:p>
+            <a:endParaRPr lang="en-US" altLang="zh-CN" dirty="0"/>
+          </a:p>
+          <a:p>
+            <a:endParaRPr lang="en-US" altLang="zh-CN" dirty="0"/>
+          </a:p>
+          <a:p>
+            <a:endParaRPr lang="en-US" altLang="zh-CN" dirty="0"/>
+          </a:p>
+          <a:p>
+            <a:r>
+              <a:rPr lang="zh-CN" altLang="en-US" dirty="0"/>
+              <a:t>获取当前活动的对象句柄</a:t>
+            </a:r>
+            <a:endParaRPr lang="en-US" altLang="zh-CN" dirty="0"/>
+          </a:p>
+          <a:p>
+            <a:endParaRPr lang="en-US" altLang="zh-CN" dirty="0"/>
+          </a:p>
+          <a:p>
+            <a:endParaRPr lang="en-US" altLang="zh-CN" dirty="0"/>
+          </a:p>
+          <a:p>
+            <a:endParaRPr lang="en-US" altLang="zh-CN" dirty="0"/>
+          </a:p>
+          <a:p>
+            <a:r>
+              <a:rPr lang="zh-CN" altLang="en-US" dirty="0"/>
+              <a:t>利用</a:t>
+            </a:r>
+            <a:r>
+              <a:rPr lang="en-US" altLang="zh-CN" dirty="0"/>
+              <a:t>delete()</a:t>
+            </a:r>
+            <a:r>
+              <a:rPr lang="zh-CN" altLang="en-US" dirty="0"/>
+              <a:t>删除指定对象</a:t>
+            </a:r>
           </a:p>
         </p:txBody>
       </p:sp>
@@ -7740,8 +7490,8 @@
         </p:blipFill>
         <p:spPr>
           <a:xfrm>
-            <a:off x="2637663" y="1030282"/>
-            <a:ext cx="2076557" cy="857294"/>
+            <a:off x="2302130" y="1001713"/>
+            <a:ext cx="3899100" cy="825542"/>
           </a:xfrm>
           <a:prstGeom prst="rect">
             <a:avLst/>
@@ -7753,9 +7503,65 @@
           </a:ln>
         </p:spPr>
       </p:pic>
+      <p:sp>
+        <p:nvSpPr>
+          <p:cNvPr id="5" name="文本框 4"/>
+          <p:cNvSpPr txBox="1"/>
+          <p:nvPr/>
+        </p:nvSpPr>
+        <p:spPr>
+          <a:xfrm>
+            <a:off x="6314802" y="875875"/>
+            <a:ext cx="2652332" cy="1077218"/>
+          </a:xfrm>
+          <a:prstGeom prst="rect">
+            <a:avLst/>
+          </a:prstGeom>
+          <a:noFill/>
+        </p:spPr>
+        <p:txBody>
+          <a:bodyPr wrap="square" rtlCol="0">
+            <a:spAutoFit/>
+          </a:bodyPr>
+          <a:lstStyle/>
+          <a:p>
+            <a:pPr algn="just"/>
+            <a:r>
+              <a:rPr lang="zh-CN" altLang="en-US" sz="1600" dirty="0">
+                <a:solidFill>
+                  <a:srgbClr val="FF0000"/>
+                </a:solidFill>
+                <a:latin typeface="幼圆" panose="02010509060101010101" pitchFamily="49" charset="-122"/>
+                <a:ea typeface="幼圆" panose="02010509060101010101" pitchFamily="49" charset="-122"/>
+              </a:rPr>
+              <a:t>若创建坐标轴时无窗口，则自动创建一个窗口；</a:t>
+            </a:r>
+            <a:endParaRPr lang="en-US" altLang="zh-CN" sz="1600" dirty="0">
+              <a:solidFill>
+                <a:srgbClr val="FF0000"/>
+              </a:solidFill>
+              <a:latin typeface="幼圆" panose="02010509060101010101" pitchFamily="49" charset="-122"/>
+              <a:ea typeface="幼圆" panose="02010509060101010101" pitchFamily="49" charset="-122"/>
+            </a:endParaRPr>
+          </a:p>
+          <a:p>
+            <a:pPr algn="just"/>
+            <a:r>
+              <a:rPr lang="zh-CN" altLang="en-US" sz="1600" dirty="0">
+                <a:solidFill>
+                  <a:srgbClr val="FF0000"/>
+                </a:solidFill>
+                <a:latin typeface="幼圆" panose="02010509060101010101" pitchFamily="49" charset="-122"/>
+                <a:ea typeface="幼圆" panose="02010509060101010101" pitchFamily="49" charset="-122"/>
+              </a:rPr>
+              <a:t>若创建图形时无坐标轴，则自动创建一个坐标轴</a:t>
+            </a:r>
+          </a:p>
+        </p:txBody>
+      </p:sp>
       <p:pic>
         <p:nvPicPr>
-          <p:cNvPr id="5" name="图片 4"/>
+          <p:cNvPr id="6" name="图片 5"/>
           <p:cNvPicPr>
             <a:picLocks noChangeAspect="1"/>
           </p:cNvPicPr>
@@ -7769,8 +7575,8 @@
         </p:blipFill>
         <p:spPr>
           <a:xfrm>
-            <a:off x="2627567" y="2085656"/>
-            <a:ext cx="2508379" cy="520727"/>
+            <a:off x="2302130" y="2984479"/>
+            <a:ext cx="3105310" cy="825542"/>
           </a:xfrm>
           <a:prstGeom prst="rect">
             <a:avLst/>
@@ -7784,7 +7590,7 @@
       </p:pic>
       <p:pic>
         <p:nvPicPr>
-          <p:cNvPr id="6" name="图片 5"/>
+          <p:cNvPr id="7" name="图片 6"/>
           <p:cNvPicPr>
             <a:picLocks noChangeAspect="1"/>
           </p:cNvPicPr>
@@ -7798,8 +7604,8 @@
         </p:blipFill>
         <p:spPr>
           <a:xfrm>
-            <a:off x="6031164" y="1001713"/>
-            <a:ext cx="2743341" cy="850944"/>
+            <a:off x="2302130" y="4967245"/>
+            <a:ext cx="3340272" cy="831893"/>
           </a:xfrm>
           <a:prstGeom prst="rect">
             <a:avLst/>
@@ -7811,392 +7617,16 @@
           </a:ln>
         </p:spPr>
       </p:pic>
-      <p:pic>
-        <p:nvPicPr>
-          <p:cNvPr id="7" name="图片 6"/>
-          <p:cNvPicPr>
-            <a:picLocks noChangeAspect="1"/>
-          </p:cNvPicPr>
-          <p:nvPr/>
-        </p:nvPicPr>
-        <p:blipFill>
-          <a:blip r:embed="rId5"/>
-          <a:stretch>
-            <a:fillRect/>
-          </a:stretch>
-        </p:blipFill>
-        <p:spPr>
-          <a:xfrm>
-            <a:off x="6031164" y="2085656"/>
-            <a:ext cx="2743341" cy="730083"/>
-          </a:xfrm>
-          <a:prstGeom prst="rect">
-            <a:avLst/>
-          </a:prstGeom>
-          <a:ln>
-            <a:solidFill>
-              <a:schemeClr val="tx1"/>
-            </a:solidFill>
-          </a:ln>
-        </p:spPr>
-      </p:pic>
-      <p:pic>
-        <p:nvPicPr>
-          <p:cNvPr id="8" name="图片 7"/>
-          <p:cNvPicPr>
-            <a:picLocks noChangeAspect="1"/>
-          </p:cNvPicPr>
-          <p:nvPr/>
-        </p:nvPicPr>
-        <p:blipFill>
-          <a:blip r:embed="rId6"/>
-          <a:stretch>
-            <a:fillRect/>
-          </a:stretch>
-        </p:blipFill>
-        <p:spPr>
-          <a:xfrm>
-            <a:off x="2627567" y="3445031"/>
-            <a:ext cx="2070206" cy="844593"/>
-          </a:xfrm>
-          <a:prstGeom prst="rect">
-            <a:avLst/>
-          </a:prstGeom>
-          <a:ln>
-            <a:solidFill>
-              <a:schemeClr val="tx1"/>
-            </a:solidFill>
-          </a:ln>
-        </p:spPr>
-      </p:pic>
-      <p:pic>
-        <p:nvPicPr>
-          <p:cNvPr id="9" name="图片 8"/>
-          <p:cNvPicPr>
-            <a:picLocks noChangeAspect="1"/>
-          </p:cNvPicPr>
-          <p:nvPr/>
-        </p:nvPicPr>
-        <p:blipFill>
-          <a:blip r:embed="rId7"/>
-          <a:stretch>
-            <a:fillRect/>
-          </a:stretch>
-        </p:blipFill>
-        <p:spPr>
-          <a:xfrm>
-            <a:off x="5422692" y="3445031"/>
-            <a:ext cx="3351813" cy="3257793"/>
-          </a:xfrm>
-          <a:prstGeom prst="rect">
-            <a:avLst/>
-          </a:prstGeom>
-          <a:ln>
-            <a:solidFill>
-              <a:schemeClr val="tx1"/>
-            </a:solidFill>
-          </a:ln>
-        </p:spPr>
-      </p:pic>
-      <p:sp>
-        <p:nvSpPr>
-          <p:cNvPr id="10" name="文本框 9"/>
-          <p:cNvSpPr txBox="1"/>
-          <p:nvPr/>
-        </p:nvSpPr>
-        <p:spPr>
-          <a:xfrm>
-            <a:off x="1879512" y="915487"/>
-            <a:ext cx="762000" cy="400110"/>
-          </a:xfrm>
-          <a:prstGeom prst="rect">
-            <a:avLst/>
-          </a:prstGeom>
-          <a:noFill/>
-        </p:spPr>
-        <p:txBody>
-          <a:bodyPr wrap="square" rtlCol="0" anchor="ctr">
-            <a:spAutoFit/>
-          </a:bodyPr>
-          <a:lstStyle/>
-          <a:p>
-            <a:pPr algn="ctr"/>
-            <a:r>
-              <a:rPr lang="zh-CN" altLang="en-US" sz="2000" dirty="0" smtClean="0">
-                <a:solidFill>
-                  <a:schemeClr val="accent5">
-                    <a:lumMod val="75000"/>
-                  </a:schemeClr>
-                </a:solidFill>
-                <a:latin typeface="幼圆" panose="02010509060101010101" pitchFamily="49" charset="-122"/>
-                <a:ea typeface="幼圆" panose="02010509060101010101" pitchFamily="49" charset="-122"/>
-              </a:rPr>
-              <a:t>代码</a:t>
-            </a:r>
-            <a:endParaRPr lang="zh-CN" altLang="en-US" sz="2000" dirty="0">
-              <a:solidFill>
-                <a:schemeClr val="accent5">
-                  <a:lumMod val="75000"/>
-                </a:schemeClr>
-              </a:solidFill>
-              <a:latin typeface="幼圆" panose="02010509060101010101" pitchFamily="49" charset="-122"/>
-              <a:ea typeface="幼圆" panose="02010509060101010101" pitchFamily="49" charset="-122"/>
-            </a:endParaRPr>
-          </a:p>
-        </p:txBody>
-      </p:sp>
-      <p:sp>
-        <p:nvSpPr>
-          <p:cNvPr id="11" name="文本框 10"/>
-          <p:cNvSpPr txBox="1"/>
-          <p:nvPr/>
-        </p:nvSpPr>
-        <p:spPr>
-          <a:xfrm>
-            <a:off x="1873196" y="1941158"/>
-            <a:ext cx="762000" cy="400110"/>
-          </a:xfrm>
-          <a:prstGeom prst="rect">
-            <a:avLst/>
-          </a:prstGeom>
-          <a:noFill/>
-        </p:spPr>
-        <p:txBody>
-          <a:bodyPr wrap="square" rtlCol="0" anchor="ctr">
-            <a:spAutoFit/>
-          </a:bodyPr>
-          <a:lstStyle/>
-          <a:p>
-            <a:pPr algn="ctr"/>
-            <a:r>
-              <a:rPr lang="zh-CN" altLang="en-US" sz="2000" dirty="0" smtClean="0">
-                <a:solidFill>
-                  <a:schemeClr val="accent5">
-                    <a:lumMod val="75000"/>
-                  </a:schemeClr>
-                </a:solidFill>
-                <a:latin typeface="幼圆" panose="02010509060101010101" pitchFamily="49" charset="-122"/>
-                <a:ea typeface="幼圆" panose="02010509060101010101" pitchFamily="49" charset="-122"/>
-              </a:rPr>
-              <a:t>输出</a:t>
-            </a:r>
-            <a:endParaRPr lang="zh-CN" altLang="en-US" sz="2000" dirty="0">
-              <a:solidFill>
-                <a:schemeClr val="accent5">
-                  <a:lumMod val="75000"/>
-                </a:schemeClr>
-              </a:solidFill>
-              <a:latin typeface="幼圆" panose="02010509060101010101" pitchFamily="49" charset="-122"/>
-              <a:ea typeface="幼圆" panose="02010509060101010101" pitchFamily="49" charset="-122"/>
-            </a:endParaRPr>
-          </a:p>
-        </p:txBody>
-      </p:sp>
-      <p:sp>
-        <p:nvSpPr>
-          <p:cNvPr id="12" name="文本框 11"/>
-          <p:cNvSpPr txBox="1"/>
-          <p:nvPr/>
-        </p:nvSpPr>
-        <p:spPr>
-          <a:xfrm>
-            <a:off x="5275480" y="915487"/>
-            <a:ext cx="762000" cy="400110"/>
-          </a:xfrm>
-          <a:prstGeom prst="rect">
-            <a:avLst/>
-          </a:prstGeom>
-          <a:noFill/>
-        </p:spPr>
-        <p:txBody>
-          <a:bodyPr wrap="square" rtlCol="0" anchor="ctr">
-            <a:spAutoFit/>
-          </a:bodyPr>
-          <a:lstStyle/>
-          <a:p>
-            <a:pPr algn="ctr"/>
-            <a:r>
-              <a:rPr lang="zh-CN" altLang="en-US" sz="2000" dirty="0" smtClean="0">
-                <a:solidFill>
-                  <a:schemeClr val="accent5">
-                    <a:lumMod val="75000"/>
-                  </a:schemeClr>
-                </a:solidFill>
-                <a:latin typeface="幼圆" panose="02010509060101010101" pitchFamily="49" charset="-122"/>
-                <a:ea typeface="幼圆" panose="02010509060101010101" pitchFamily="49" charset="-122"/>
-              </a:rPr>
-              <a:t>代码</a:t>
-            </a:r>
-            <a:endParaRPr lang="zh-CN" altLang="en-US" sz="2000" dirty="0">
-              <a:solidFill>
-                <a:schemeClr val="accent5">
-                  <a:lumMod val="75000"/>
-                </a:schemeClr>
-              </a:solidFill>
-              <a:latin typeface="幼圆" panose="02010509060101010101" pitchFamily="49" charset="-122"/>
-              <a:ea typeface="幼圆" panose="02010509060101010101" pitchFamily="49" charset="-122"/>
-            </a:endParaRPr>
-          </a:p>
-        </p:txBody>
-      </p:sp>
-      <p:sp>
-        <p:nvSpPr>
-          <p:cNvPr id="13" name="文本框 12"/>
-          <p:cNvSpPr txBox="1"/>
-          <p:nvPr/>
-        </p:nvSpPr>
-        <p:spPr>
-          <a:xfrm>
-            <a:off x="5269164" y="1941158"/>
-            <a:ext cx="762000" cy="400110"/>
-          </a:xfrm>
-          <a:prstGeom prst="rect">
-            <a:avLst/>
-          </a:prstGeom>
-          <a:noFill/>
-        </p:spPr>
-        <p:txBody>
-          <a:bodyPr wrap="square" rtlCol="0" anchor="ctr">
-            <a:spAutoFit/>
-          </a:bodyPr>
-          <a:lstStyle/>
-          <a:p>
-            <a:pPr algn="ctr"/>
-            <a:r>
-              <a:rPr lang="zh-CN" altLang="en-US" sz="2000" dirty="0" smtClean="0">
-                <a:solidFill>
-                  <a:schemeClr val="accent5">
-                    <a:lumMod val="75000"/>
-                  </a:schemeClr>
-                </a:solidFill>
-                <a:latin typeface="幼圆" panose="02010509060101010101" pitchFamily="49" charset="-122"/>
-                <a:ea typeface="幼圆" panose="02010509060101010101" pitchFamily="49" charset="-122"/>
-              </a:rPr>
-              <a:t>输出</a:t>
-            </a:r>
-            <a:endParaRPr lang="zh-CN" altLang="en-US" sz="2000" dirty="0">
-              <a:solidFill>
-                <a:schemeClr val="accent5">
-                  <a:lumMod val="75000"/>
-                </a:schemeClr>
-              </a:solidFill>
-              <a:latin typeface="幼圆" panose="02010509060101010101" pitchFamily="49" charset="-122"/>
-              <a:ea typeface="幼圆" panose="02010509060101010101" pitchFamily="49" charset="-122"/>
-            </a:endParaRPr>
-          </a:p>
-        </p:txBody>
-      </p:sp>
-      <p:sp>
-        <p:nvSpPr>
-          <p:cNvPr id="14" name="文本框 13"/>
-          <p:cNvSpPr txBox="1"/>
-          <p:nvPr/>
-        </p:nvSpPr>
-        <p:spPr>
-          <a:xfrm>
-            <a:off x="1873196" y="3331390"/>
-            <a:ext cx="762000" cy="400110"/>
-          </a:xfrm>
-          <a:prstGeom prst="rect">
-            <a:avLst/>
-          </a:prstGeom>
-          <a:noFill/>
-        </p:spPr>
-        <p:txBody>
-          <a:bodyPr wrap="square" rtlCol="0" anchor="ctr">
-            <a:spAutoFit/>
-          </a:bodyPr>
-          <a:lstStyle/>
-          <a:p>
-            <a:pPr algn="ctr"/>
-            <a:r>
-              <a:rPr lang="zh-CN" altLang="en-US" sz="2000" dirty="0" smtClean="0">
-                <a:solidFill>
-                  <a:schemeClr val="accent5">
-                    <a:lumMod val="75000"/>
-                  </a:schemeClr>
-                </a:solidFill>
-                <a:latin typeface="幼圆" panose="02010509060101010101" pitchFamily="49" charset="-122"/>
-                <a:ea typeface="幼圆" panose="02010509060101010101" pitchFamily="49" charset="-122"/>
-              </a:rPr>
-              <a:t>代码</a:t>
-            </a:r>
-            <a:endParaRPr lang="zh-CN" altLang="en-US" sz="2000" dirty="0">
-              <a:solidFill>
-                <a:schemeClr val="accent5">
-                  <a:lumMod val="75000"/>
-                </a:schemeClr>
-              </a:solidFill>
-              <a:latin typeface="幼圆" panose="02010509060101010101" pitchFamily="49" charset="-122"/>
-              <a:ea typeface="幼圆" panose="02010509060101010101" pitchFamily="49" charset="-122"/>
-            </a:endParaRPr>
-          </a:p>
-        </p:txBody>
-      </p:sp>
-      <p:sp>
-        <p:nvSpPr>
-          <p:cNvPr id="15" name="文本框 14"/>
-          <p:cNvSpPr txBox="1"/>
-          <p:nvPr/>
-        </p:nvSpPr>
-        <p:spPr>
-          <a:xfrm>
-            <a:off x="4688820" y="3352411"/>
-            <a:ext cx="762000" cy="400110"/>
-          </a:xfrm>
-          <a:prstGeom prst="rect">
-            <a:avLst/>
-          </a:prstGeom>
-          <a:noFill/>
-        </p:spPr>
-        <p:txBody>
-          <a:bodyPr wrap="square" rtlCol="0" anchor="ctr">
-            <a:spAutoFit/>
-          </a:bodyPr>
-          <a:lstStyle/>
-          <a:p>
-            <a:pPr algn="ctr"/>
-            <a:r>
-              <a:rPr lang="zh-CN" altLang="en-US" sz="2000" dirty="0" smtClean="0">
-                <a:solidFill>
-                  <a:schemeClr val="accent5">
-                    <a:lumMod val="75000"/>
-                  </a:schemeClr>
-                </a:solidFill>
-                <a:latin typeface="幼圆" panose="02010509060101010101" pitchFamily="49" charset="-122"/>
-                <a:ea typeface="幼圆" panose="02010509060101010101" pitchFamily="49" charset="-122"/>
-              </a:rPr>
-              <a:t>输出</a:t>
-            </a:r>
-            <a:endParaRPr lang="zh-CN" altLang="en-US" sz="2000" dirty="0">
-              <a:solidFill>
-                <a:schemeClr val="accent5">
-                  <a:lumMod val="75000"/>
-                </a:schemeClr>
-              </a:solidFill>
-              <a:latin typeface="幼圆" panose="02010509060101010101" pitchFamily="49" charset="-122"/>
-              <a:ea typeface="幼圆" panose="02010509060101010101" pitchFamily="49" charset="-122"/>
-            </a:endParaRPr>
-          </a:p>
-        </p:txBody>
-      </p:sp>
     </p:spTree>
     <p:extLst>
       <p:ext uri="{BB962C8B-B14F-4D97-AF65-F5344CB8AC3E}">
-        <p14:creationId xmlns:p14="http://schemas.microsoft.com/office/powerpoint/2010/main" val="1824132149"/>
+        <p14:creationId xmlns:p14="http://schemas.microsoft.com/office/powerpoint/2010/main" val="1212376072"/>
       </p:ext>
     </p:extLst>
   </p:cSld>
   <p:clrMapOvr>
     <a:masterClrMapping/>
   </p:clrMapOvr>
-  <p:timing>
-    <p:tnLst>
-      <p:par>
-        <p:cTn id="1" dur="indefinite" restart="never" nodeType="tmRoot"/>
-      </p:par>
-    </p:tnLst>
-  </p:timing>
 </p:sld>
 </file>
 
@@ -8233,19 +7663,15 @@
           <a:lstStyle/>
           <a:p>
             <a:r>
-              <a:rPr lang="zh-CN" altLang="en-US" dirty="0" smtClean="0"/>
-              <a:t>设置</a:t>
-            </a:r>
-            <a:endParaRPr lang="en-US" altLang="zh-CN" dirty="0" smtClean="0"/>
-          </a:p>
-          <a:p>
-            <a:r>
-              <a:rPr lang="zh-CN" altLang="en-US" dirty="0" smtClean="0"/>
-              <a:t>图形</a:t>
-            </a:r>
-            <a:r>
               <a:rPr lang="zh-CN" altLang="en-US" dirty="0"/>
-              <a:t>对象的属性</a:t>
+              <a:t>获取</a:t>
+            </a:r>
+            <a:endParaRPr lang="en-US" altLang="zh-CN" dirty="0"/>
+          </a:p>
+          <a:p>
+            <a:r>
+              <a:rPr lang="zh-CN" altLang="en-US" dirty="0"/>
+              <a:t>图形对象的属性</a:t>
             </a:r>
           </a:p>
         </p:txBody>
@@ -8260,40 +7686,28 @@
             <p:ph type="body" sz="quarter" idx="11"/>
           </p:nvPr>
         </p:nvSpPr>
-        <p:spPr/>
+        <p:spPr>
+          <a:xfrm>
+            <a:off x="2124783" y="76213"/>
+            <a:ext cx="6835067" cy="6057900"/>
+          </a:xfrm>
+        </p:spPr>
         <p:txBody>
           <a:bodyPr/>
           <a:lstStyle/>
           <a:p>
             <a:r>
-              <a:rPr lang="zh-CN" altLang="en-US" dirty="0" smtClean="0"/>
-              <a:t>利用</a:t>
-            </a:r>
-            <a:r>
-              <a:rPr lang="en-US" altLang="zh-CN" dirty="0" smtClean="0"/>
-              <a:t>set()</a:t>
-            </a:r>
-            <a:r>
-              <a:rPr lang="zh-CN" altLang="en-US" dirty="0" smtClean="0"/>
-              <a:t>设置图形对象的属性</a:t>
-            </a:r>
-            <a:endParaRPr lang="en-US" altLang="zh-CN" dirty="0" smtClean="0"/>
-          </a:p>
-          <a:p>
-            <a:endParaRPr lang="en-US" altLang="zh-CN" dirty="0"/>
-          </a:p>
-          <a:p>
-            <a:endParaRPr lang="en-US" altLang="zh-CN" dirty="0" smtClean="0"/>
-          </a:p>
-          <a:p>
-            <a:endParaRPr lang="en-US" altLang="zh-CN" sz="800" dirty="0"/>
-          </a:p>
-          <a:p>
-            <a:r>
-              <a:rPr lang="zh-CN" altLang="en-US" dirty="0" smtClean="0"/>
-              <a:t>也可以直接获取图形对象的属性并设置</a:t>
-            </a:r>
-            <a:endParaRPr lang="zh-CN" altLang="en-US" dirty="0"/>
+              <a:rPr lang="zh-CN" altLang="en-US" dirty="0"/>
+              <a:t>创建对象时、或创建后获取当前对象的句柄，利用</a:t>
+            </a:r>
+            <a:r>
+              <a:rPr lang="en-US" altLang="zh-CN" dirty="0"/>
+              <a:t>get()</a:t>
+            </a:r>
+            <a:r>
+              <a:rPr lang="zh-CN" altLang="en-US" dirty="0"/>
+              <a:t>获取其指定属性</a:t>
+            </a:r>
           </a:p>
         </p:txBody>
       </p:sp>
@@ -8313,8 +7727,8 @@
         </p:blipFill>
         <p:spPr>
           <a:xfrm>
-            <a:off x="2435135" y="1058863"/>
-            <a:ext cx="3473629" cy="825542"/>
+            <a:off x="2637663" y="1030282"/>
+            <a:ext cx="2076557" cy="857294"/>
           </a:xfrm>
           <a:prstGeom prst="rect">
             <a:avLst/>
@@ -8342,8 +7756,37 @@
         </p:blipFill>
         <p:spPr>
           <a:xfrm>
-            <a:off x="2784385" y="2778106"/>
-            <a:ext cx="2691759" cy="1212887"/>
+            <a:off x="2627567" y="2085656"/>
+            <a:ext cx="2508379" cy="520727"/>
+          </a:xfrm>
+          <a:prstGeom prst="rect">
+            <a:avLst/>
+          </a:prstGeom>
+          <a:ln>
+            <a:solidFill>
+              <a:schemeClr val="tx1"/>
+            </a:solidFill>
+          </a:ln>
+        </p:spPr>
+      </p:pic>
+      <p:pic>
+        <p:nvPicPr>
+          <p:cNvPr id="6" name="图片 5"/>
+          <p:cNvPicPr>
+            <a:picLocks noChangeAspect="1"/>
+          </p:cNvPicPr>
+          <p:nvPr/>
+        </p:nvPicPr>
+        <p:blipFill>
+          <a:blip r:embed="rId4"/>
+          <a:stretch>
+            <a:fillRect/>
+          </a:stretch>
+        </p:blipFill>
+        <p:spPr>
+          <a:xfrm>
+            <a:off x="6031164" y="1001713"/>
+            <a:ext cx="2743341" cy="850944"/>
           </a:xfrm>
           <a:prstGeom prst="rect">
             <a:avLst/>
@@ -8364,15 +7807,15 @@
           <p:nvPr/>
         </p:nvPicPr>
         <p:blipFill>
-          <a:blip r:embed="rId4"/>
+          <a:blip r:embed="rId5"/>
           <a:stretch>
             <a:fillRect/>
           </a:stretch>
         </p:blipFill>
         <p:spPr>
           <a:xfrm>
-            <a:off x="2784385" y="4171827"/>
-            <a:ext cx="2829120" cy="2520000"/>
+            <a:off x="6031164" y="2085656"/>
+            <a:ext cx="2743341" cy="730083"/>
           </a:xfrm>
           <a:prstGeom prst="rect">
             <a:avLst/>
@@ -8384,15 +7827,73 @@
           </a:ln>
         </p:spPr>
       </p:pic>
-      <p:sp>
-        <p:nvSpPr>
-          <p:cNvPr id="8" name="文本框 7"/>
+      <p:pic>
+        <p:nvPicPr>
+          <p:cNvPr id="8" name="图片 7"/>
+          <p:cNvPicPr>
+            <a:picLocks noChangeAspect="1"/>
+          </p:cNvPicPr>
+          <p:nvPr/>
+        </p:nvPicPr>
+        <p:blipFill>
+          <a:blip r:embed="rId6"/>
+          <a:stretch>
+            <a:fillRect/>
+          </a:stretch>
+        </p:blipFill>
+        <p:spPr>
+          <a:xfrm>
+            <a:off x="2627567" y="3445031"/>
+            <a:ext cx="2070206" cy="844593"/>
+          </a:xfrm>
+          <a:prstGeom prst="rect">
+            <a:avLst/>
+          </a:prstGeom>
+          <a:ln>
+            <a:solidFill>
+              <a:schemeClr val="tx1"/>
+            </a:solidFill>
+          </a:ln>
+        </p:spPr>
+      </p:pic>
+      <p:pic>
+        <p:nvPicPr>
+          <p:cNvPr id="9" name="图片 8"/>
+          <p:cNvPicPr>
+            <a:picLocks noChangeAspect="1"/>
+          </p:cNvPicPr>
+          <p:nvPr/>
+        </p:nvPicPr>
+        <p:blipFill>
+          <a:blip r:embed="rId7"/>
+          <a:stretch>
+            <a:fillRect/>
+          </a:stretch>
+        </p:blipFill>
+        <p:spPr>
+          <a:xfrm>
+            <a:off x="5422692" y="3445031"/>
+            <a:ext cx="3351813" cy="3257793"/>
+          </a:xfrm>
+          <a:prstGeom prst="rect">
+            <a:avLst/>
+          </a:prstGeom>
+          <a:ln>
+            <a:solidFill>
+              <a:schemeClr val="tx1"/>
+            </a:solidFill>
+          </a:ln>
+        </p:spPr>
+      </p:pic>
+      <p:sp>
+        <p:nvSpPr>
+          <p:cNvPr id="10" name="文本框 9"/>
           <p:cNvSpPr txBox="1"/>
           <p:nvPr/>
         </p:nvSpPr>
         <p:spPr>
           <a:xfrm>
-            <a:off x="2022385" y="2661737"/>
+            <a:off x="1879512" y="915487"/>
             <a:ext cx="762000" cy="400110"/>
           </a:xfrm>
           <a:prstGeom prst="rect">
@@ -8408,7 +7909,7 @@
           <a:p>
             <a:pPr algn="ctr"/>
             <a:r>
-              <a:rPr lang="zh-CN" altLang="en-US" sz="2000" dirty="0" smtClean="0">
+              <a:rPr lang="zh-CN" altLang="en-US" sz="2000" dirty="0">
                 <a:solidFill>
                   <a:schemeClr val="accent5">
                     <a:lumMod val="75000"/>
@@ -8419,27 +7920,18 @@
               </a:rPr>
               <a:t>代码</a:t>
             </a:r>
-            <a:endParaRPr lang="zh-CN" altLang="en-US" sz="2000" dirty="0">
-              <a:solidFill>
-                <a:schemeClr val="accent5">
-                  <a:lumMod val="75000"/>
-                </a:schemeClr>
-              </a:solidFill>
-              <a:latin typeface="幼圆" panose="02010509060101010101" pitchFamily="49" charset="-122"/>
-              <a:ea typeface="幼圆" panose="02010509060101010101" pitchFamily="49" charset="-122"/>
-            </a:endParaRPr>
-          </a:p>
-        </p:txBody>
-      </p:sp>
-      <p:sp>
-        <p:nvSpPr>
-          <p:cNvPr id="9" name="文本框 8"/>
+          </a:p>
+        </p:txBody>
+      </p:sp>
+      <p:sp>
+        <p:nvSpPr>
+          <p:cNvPr id="11" name="文本框 10"/>
           <p:cNvSpPr txBox="1"/>
           <p:nvPr/>
         </p:nvSpPr>
         <p:spPr>
           <a:xfrm>
-            <a:off x="2022385" y="4069262"/>
+            <a:off x="1873196" y="1941158"/>
             <a:ext cx="762000" cy="400110"/>
           </a:xfrm>
           <a:prstGeom prst="rect">
@@ -8455,7 +7947,7 @@
           <a:p>
             <a:pPr algn="ctr"/>
             <a:r>
-              <a:rPr lang="zh-CN" altLang="en-US" sz="2000" dirty="0" smtClean="0">
+              <a:rPr lang="zh-CN" altLang="en-US" sz="2000" dirty="0">
                 <a:solidFill>
                   <a:schemeClr val="accent5">
                     <a:lumMod val="75000"/>
@@ -8466,35 +7958,171 @@
               </a:rPr>
               <a:t>输出</a:t>
             </a:r>
-            <a:endParaRPr lang="zh-CN" altLang="en-US" sz="2000" dirty="0">
-              <a:solidFill>
-                <a:schemeClr val="accent5">
-                  <a:lumMod val="75000"/>
-                </a:schemeClr>
-              </a:solidFill>
-              <a:latin typeface="幼圆" panose="02010509060101010101" pitchFamily="49" charset="-122"/>
-              <a:ea typeface="幼圆" panose="02010509060101010101" pitchFamily="49" charset="-122"/>
-            </a:endParaRPr>
+          </a:p>
+        </p:txBody>
+      </p:sp>
+      <p:sp>
+        <p:nvSpPr>
+          <p:cNvPr id="12" name="文本框 11"/>
+          <p:cNvSpPr txBox="1"/>
+          <p:nvPr/>
+        </p:nvSpPr>
+        <p:spPr>
+          <a:xfrm>
+            <a:off x="5275480" y="915487"/>
+            <a:ext cx="762000" cy="400110"/>
+          </a:xfrm>
+          <a:prstGeom prst="rect">
+            <a:avLst/>
+          </a:prstGeom>
+          <a:noFill/>
+        </p:spPr>
+        <p:txBody>
+          <a:bodyPr wrap="square" rtlCol="0" anchor="ctr">
+            <a:spAutoFit/>
+          </a:bodyPr>
+          <a:lstStyle/>
+          <a:p>
+            <a:pPr algn="ctr"/>
+            <a:r>
+              <a:rPr lang="zh-CN" altLang="en-US" sz="2000" dirty="0">
+                <a:solidFill>
+                  <a:schemeClr val="accent5">
+                    <a:lumMod val="75000"/>
+                  </a:schemeClr>
+                </a:solidFill>
+                <a:latin typeface="幼圆" panose="02010509060101010101" pitchFamily="49" charset="-122"/>
+                <a:ea typeface="幼圆" panose="02010509060101010101" pitchFamily="49" charset="-122"/>
+              </a:rPr>
+              <a:t>代码</a:t>
+            </a:r>
+          </a:p>
+        </p:txBody>
+      </p:sp>
+      <p:sp>
+        <p:nvSpPr>
+          <p:cNvPr id="13" name="文本框 12"/>
+          <p:cNvSpPr txBox="1"/>
+          <p:nvPr/>
+        </p:nvSpPr>
+        <p:spPr>
+          <a:xfrm>
+            <a:off x="5269164" y="1941158"/>
+            <a:ext cx="762000" cy="400110"/>
+          </a:xfrm>
+          <a:prstGeom prst="rect">
+            <a:avLst/>
+          </a:prstGeom>
+          <a:noFill/>
+        </p:spPr>
+        <p:txBody>
+          <a:bodyPr wrap="square" rtlCol="0" anchor="ctr">
+            <a:spAutoFit/>
+          </a:bodyPr>
+          <a:lstStyle/>
+          <a:p>
+            <a:pPr algn="ctr"/>
+            <a:r>
+              <a:rPr lang="zh-CN" altLang="en-US" sz="2000" dirty="0">
+                <a:solidFill>
+                  <a:schemeClr val="accent5">
+                    <a:lumMod val="75000"/>
+                  </a:schemeClr>
+                </a:solidFill>
+                <a:latin typeface="幼圆" panose="02010509060101010101" pitchFamily="49" charset="-122"/>
+                <a:ea typeface="幼圆" panose="02010509060101010101" pitchFamily="49" charset="-122"/>
+              </a:rPr>
+              <a:t>输出</a:t>
+            </a:r>
+          </a:p>
+        </p:txBody>
+      </p:sp>
+      <p:sp>
+        <p:nvSpPr>
+          <p:cNvPr id="14" name="文本框 13"/>
+          <p:cNvSpPr txBox="1"/>
+          <p:nvPr/>
+        </p:nvSpPr>
+        <p:spPr>
+          <a:xfrm>
+            <a:off x="1873196" y="3331390"/>
+            <a:ext cx="762000" cy="400110"/>
+          </a:xfrm>
+          <a:prstGeom prst="rect">
+            <a:avLst/>
+          </a:prstGeom>
+          <a:noFill/>
+        </p:spPr>
+        <p:txBody>
+          <a:bodyPr wrap="square" rtlCol="0" anchor="ctr">
+            <a:spAutoFit/>
+          </a:bodyPr>
+          <a:lstStyle/>
+          <a:p>
+            <a:pPr algn="ctr"/>
+            <a:r>
+              <a:rPr lang="zh-CN" altLang="en-US" sz="2000" dirty="0">
+                <a:solidFill>
+                  <a:schemeClr val="accent5">
+                    <a:lumMod val="75000"/>
+                  </a:schemeClr>
+                </a:solidFill>
+                <a:latin typeface="幼圆" panose="02010509060101010101" pitchFamily="49" charset="-122"/>
+                <a:ea typeface="幼圆" panose="02010509060101010101" pitchFamily="49" charset="-122"/>
+              </a:rPr>
+              <a:t>代码</a:t>
+            </a:r>
+          </a:p>
+        </p:txBody>
+      </p:sp>
+      <p:sp>
+        <p:nvSpPr>
+          <p:cNvPr id="15" name="文本框 14"/>
+          <p:cNvSpPr txBox="1"/>
+          <p:nvPr/>
+        </p:nvSpPr>
+        <p:spPr>
+          <a:xfrm>
+            <a:off x="4688820" y="3352411"/>
+            <a:ext cx="762000" cy="400110"/>
+          </a:xfrm>
+          <a:prstGeom prst="rect">
+            <a:avLst/>
+          </a:prstGeom>
+          <a:noFill/>
+        </p:spPr>
+        <p:txBody>
+          <a:bodyPr wrap="square" rtlCol="0" anchor="ctr">
+            <a:spAutoFit/>
+          </a:bodyPr>
+          <a:lstStyle/>
+          <a:p>
+            <a:pPr algn="ctr"/>
+            <a:r>
+              <a:rPr lang="zh-CN" altLang="en-US" sz="2000" dirty="0">
+                <a:solidFill>
+                  <a:schemeClr val="accent5">
+                    <a:lumMod val="75000"/>
+                  </a:schemeClr>
+                </a:solidFill>
+                <a:latin typeface="幼圆" panose="02010509060101010101" pitchFamily="49" charset="-122"/>
+                <a:ea typeface="幼圆" panose="02010509060101010101" pitchFamily="49" charset="-122"/>
+              </a:rPr>
+              <a:t>输出</a:t>
+            </a:r>
           </a:p>
         </p:txBody>
       </p:sp>
     </p:spTree>
     <p:extLst>
       <p:ext uri="{BB962C8B-B14F-4D97-AF65-F5344CB8AC3E}">
-        <p14:creationId xmlns:p14="http://schemas.microsoft.com/office/powerpoint/2010/main" val="118566038"/>
+        <p14:creationId xmlns:p14="http://schemas.microsoft.com/office/powerpoint/2010/main" val="1824132149"/>
       </p:ext>
     </p:extLst>
   </p:cSld>
   <p:clrMapOvr>
     <a:masterClrMapping/>
   </p:clrMapOvr>
-  <p:timing>
-    <p:tnLst>
-      <p:par>
-        <p:cTn id="1" dur="indefinite" restart="never" nodeType="tmRoot"/>
-      </p:par>
-    </p:tnLst>
-  </p:timing>
 </p:sld>
 </file>
 
@@ -8531,17 +8159,16 @@
           <a:lstStyle/>
           <a:p>
             <a:r>
-              <a:rPr lang="zh-CN" altLang="en-US" dirty="0" smtClean="0"/>
-              <a:t>形成</a:t>
-            </a:r>
-            <a:endParaRPr lang="en-US" altLang="zh-CN" dirty="0" smtClean="0"/>
-          </a:p>
-          <a:p>
-            <a:r>
-              <a:rPr lang="zh-CN" altLang="en-US" dirty="0" smtClean="0"/>
-              <a:t>层次结构的属性</a:t>
-            </a:r>
-            <a:endParaRPr lang="zh-CN" altLang="en-US" dirty="0"/>
+              <a:rPr lang="zh-CN" altLang="en-US" dirty="0"/>
+              <a:t>设置</a:t>
+            </a:r>
+            <a:endParaRPr lang="en-US" altLang="zh-CN" dirty="0"/>
+          </a:p>
+          <a:p>
+            <a:r>
+              <a:rPr lang="zh-CN" altLang="en-US" dirty="0"/>
+              <a:t>图形对象的属性</a:t>
+            </a:r>
           </a:p>
         </p:txBody>
       </p:sp>
@@ -8561,67 +8188,39 @@
           <a:lstStyle/>
           <a:p>
             <a:r>
-              <a:rPr lang="zh-CN" altLang="en-US" dirty="0" smtClean="0"/>
-              <a:t>窗口</a:t>
-            </a:r>
-            <a:r>
-              <a:rPr lang="en-US" altLang="zh-CN" dirty="0" smtClean="0"/>
-              <a:t>figure</a:t>
-            </a:r>
-            <a:r>
-              <a:rPr lang="zh-CN" altLang="en-US" dirty="0" smtClean="0"/>
-              <a:t>中的属性</a:t>
-            </a:r>
-            <a:endParaRPr lang="en-US" altLang="zh-CN" dirty="0" smtClean="0"/>
-          </a:p>
-          <a:p>
-            <a:endParaRPr lang="en-US" altLang="zh-CN" dirty="0" smtClean="0"/>
-          </a:p>
-          <a:p>
+              <a:rPr lang="zh-CN" altLang="en-US" dirty="0"/>
+              <a:t>利用</a:t>
+            </a:r>
+            <a:r>
+              <a:rPr lang="en-US" altLang="zh-CN" dirty="0"/>
+              <a:t>set()</a:t>
+            </a:r>
+            <a:r>
+              <a:rPr lang="zh-CN" altLang="en-US" dirty="0"/>
+              <a:t>设置图形对象的属性</a:t>
+            </a:r>
             <a:endParaRPr lang="en-US" altLang="zh-CN" dirty="0"/>
           </a:p>
           <a:p>
-            <a:endParaRPr lang="en-US" altLang="zh-CN" dirty="0" smtClean="0"/>
-          </a:p>
-          <a:p>
-            <a:r>
-              <a:rPr lang="zh-CN" altLang="en-US" dirty="0" smtClean="0"/>
-              <a:t>坐标轴</a:t>
-            </a:r>
-            <a:r>
-              <a:rPr lang="en-US" altLang="zh-CN" dirty="0" smtClean="0"/>
-              <a:t>axes</a:t>
-            </a:r>
-            <a:r>
-              <a:rPr lang="zh-CN" altLang="en-US" dirty="0" smtClean="0"/>
-              <a:t>中的属性</a:t>
-            </a:r>
-            <a:endParaRPr lang="en-US" altLang="zh-CN" dirty="0" smtClean="0"/>
-          </a:p>
-          <a:p>
             <a:endParaRPr lang="en-US" altLang="zh-CN" dirty="0"/>
           </a:p>
           <a:p>
-            <a:endParaRPr lang="en-US" altLang="zh-CN" dirty="0" smtClean="0"/>
-          </a:p>
-          <a:p>
             <a:endParaRPr lang="en-US" altLang="zh-CN" dirty="0"/>
           </a:p>
           <a:p>
-            <a:endParaRPr lang="en-US" altLang="zh-CN" sz="1000" dirty="0" smtClean="0"/>
-          </a:p>
-          <a:p>
-            <a:r>
-              <a:rPr lang="zh-CN" altLang="en-US" dirty="0" smtClean="0"/>
-              <a:t>获取图形数据</a:t>
-            </a:r>
-            <a:endParaRPr lang="zh-CN" altLang="en-US" dirty="0"/>
+            <a:endParaRPr lang="en-US" altLang="zh-CN" sz="800" dirty="0"/>
+          </a:p>
+          <a:p>
+            <a:r>
+              <a:rPr lang="zh-CN" altLang="en-US" dirty="0"/>
+              <a:t>也可以直接获取图形对象的属性并设置</a:t>
+            </a:r>
           </a:p>
         </p:txBody>
       </p:sp>
       <p:pic>
         <p:nvPicPr>
-          <p:cNvPr id="5" name="图片 4"/>
+          <p:cNvPr id="4" name="图片 3"/>
           <p:cNvPicPr>
             <a:picLocks noChangeAspect="1"/>
           </p:cNvPicPr>
@@ -8635,8 +8234,8 @@
         </p:blipFill>
         <p:spPr>
           <a:xfrm>
-            <a:off x="2409740" y="963478"/>
-            <a:ext cx="3283119" cy="1162110"/>
+            <a:off x="2435135" y="1058863"/>
+            <a:ext cx="3473629" cy="825542"/>
           </a:xfrm>
           <a:prstGeom prst="rect">
             <a:avLst/>
@@ -8650,7 +8249,7 @@
       </p:pic>
       <p:pic>
         <p:nvPicPr>
-          <p:cNvPr id="4" name="图片 3"/>
+          <p:cNvPr id="5" name="图片 4"/>
           <p:cNvPicPr>
             <a:picLocks noChangeAspect="1"/>
           </p:cNvPicPr>
@@ -8664,8 +8263,8 @@
         </p:blipFill>
         <p:spPr>
           <a:xfrm>
-            <a:off x="2409740" y="5542118"/>
-            <a:ext cx="2756042" cy="1155759"/>
+            <a:off x="2784385" y="2778106"/>
+            <a:ext cx="2691759" cy="1212887"/>
           </a:xfrm>
           <a:prstGeom prst="rect">
             <a:avLst/>
@@ -8693,8 +8292,8 @@
         </p:blipFill>
         <p:spPr>
           <a:xfrm>
-            <a:off x="5522861" y="5542118"/>
-            <a:ext cx="3092609" cy="501676"/>
+            <a:off x="2784385" y="4171827"/>
+            <a:ext cx="2829120" cy="2520000"/>
           </a:xfrm>
           <a:prstGeom prst="rect">
             <a:avLst/>
@@ -8714,7 +8313,7 @@
         </p:nvSpPr>
         <p:spPr>
           <a:xfrm>
-            <a:off x="2207148" y="5057686"/>
+            <a:off x="2022385" y="2661737"/>
             <a:ext cx="762000" cy="400110"/>
           </a:xfrm>
           <a:prstGeom prst="rect">
@@ -8730,7 +8329,7 @@
           <a:p>
             <a:pPr algn="ctr"/>
             <a:r>
-              <a:rPr lang="zh-CN" altLang="en-US" sz="2000" dirty="0" smtClean="0">
+              <a:rPr lang="zh-CN" altLang="en-US" sz="2000" dirty="0">
                 <a:solidFill>
                   <a:schemeClr val="accent5">
                     <a:lumMod val="75000"/>
@@ -8741,15 +8340,6 @@
               </a:rPr>
               <a:t>代码</a:t>
             </a:r>
-            <a:endParaRPr lang="zh-CN" altLang="en-US" sz="2000" dirty="0">
-              <a:solidFill>
-                <a:schemeClr val="accent5">
-                  <a:lumMod val="75000"/>
-                </a:schemeClr>
-              </a:solidFill>
-              <a:latin typeface="幼圆" panose="02010509060101010101" pitchFamily="49" charset="-122"/>
-              <a:ea typeface="幼圆" panose="02010509060101010101" pitchFamily="49" charset="-122"/>
-            </a:endParaRPr>
           </a:p>
         </p:txBody>
       </p:sp>
@@ -8761,7 +8351,7 @@
         </p:nvSpPr>
         <p:spPr>
           <a:xfrm>
-            <a:off x="5330929" y="5057686"/>
+            <a:off x="2022385" y="4069262"/>
             <a:ext cx="762000" cy="400110"/>
           </a:xfrm>
           <a:prstGeom prst="rect">
@@ -8777,7 +8367,7 @@
           <a:p>
             <a:pPr algn="ctr"/>
             <a:r>
-              <a:rPr lang="zh-CN" altLang="en-US" sz="2000" dirty="0" smtClean="0">
+              <a:rPr lang="zh-CN" altLang="en-US" sz="2000" dirty="0">
                 <a:solidFill>
                   <a:schemeClr val="accent5">
                     <a:lumMod val="75000"/>
@@ -8788,64 +8378,19 @@
               </a:rPr>
               <a:t>输出</a:t>
             </a:r>
-            <a:endParaRPr lang="zh-CN" altLang="en-US" sz="2000" dirty="0">
-              <a:solidFill>
-                <a:schemeClr val="accent5">
-                  <a:lumMod val="75000"/>
-                </a:schemeClr>
-              </a:solidFill>
-              <a:latin typeface="幼圆" panose="02010509060101010101" pitchFamily="49" charset="-122"/>
-              <a:ea typeface="幼圆" panose="02010509060101010101" pitchFamily="49" charset="-122"/>
-            </a:endParaRPr>
-          </a:p>
-        </p:txBody>
-      </p:sp>
-      <p:pic>
-        <p:nvPicPr>
-          <p:cNvPr id="10" name="图片 9"/>
-          <p:cNvPicPr>
-            <a:picLocks noChangeAspect="1"/>
-          </p:cNvPicPr>
-          <p:nvPr/>
-        </p:nvPicPr>
-        <p:blipFill>
-          <a:blip r:embed="rId5"/>
-          <a:stretch>
-            <a:fillRect/>
-          </a:stretch>
-        </p:blipFill>
-        <p:spPr>
-          <a:xfrm>
-            <a:off x="2409740" y="2939762"/>
-            <a:ext cx="3695890" cy="1435174"/>
-          </a:xfrm>
-          <a:prstGeom prst="rect">
-            <a:avLst/>
-          </a:prstGeom>
-          <a:ln>
-            <a:solidFill>
-              <a:schemeClr val="tx1"/>
-            </a:solidFill>
-          </a:ln>
-        </p:spPr>
-      </p:pic>
+          </a:p>
+        </p:txBody>
+      </p:sp>
     </p:spTree>
     <p:extLst>
       <p:ext uri="{BB962C8B-B14F-4D97-AF65-F5344CB8AC3E}">
-        <p14:creationId xmlns:p14="http://schemas.microsoft.com/office/powerpoint/2010/main" val="491993542"/>
+        <p14:creationId xmlns:p14="http://schemas.microsoft.com/office/powerpoint/2010/main" val="118566038"/>
       </p:ext>
     </p:extLst>
   </p:cSld>
   <p:clrMapOvr>
     <a:masterClrMapping/>
   </p:clrMapOvr>
-  <p:timing>
-    <p:tnLst>
-      <p:par>
-        <p:cTn id="1" dur="indefinite" restart="never" nodeType="tmRoot"/>
-      </p:par>
-    </p:tnLst>
-  </p:timing>
 </p:sld>
 </file>
 
@@ -8882,10 +8427,16 @@
           <a:lstStyle/>
           <a:p>
             <a:r>
-              <a:rPr lang="zh-CN" altLang="en-US" dirty="0" smtClean="0"/>
-              <a:t>查询图形对象属性的含义</a:t>
-            </a:r>
-            <a:endParaRPr lang="zh-CN" altLang="en-US" dirty="0"/>
+              <a:rPr lang="zh-CN" altLang="en-US" dirty="0"/>
+              <a:t>形成</a:t>
+            </a:r>
+            <a:endParaRPr lang="en-US" altLang="zh-CN" dirty="0"/>
+          </a:p>
+          <a:p>
+            <a:r>
+              <a:rPr lang="zh-CN" altLang="en-US" dirty="0"/>
+              <a:t>层次结构的属性</a:t>
+            </a:r>
           </a:p>
         </p:txBody>
       </p:sp>
@@ -8905,10 +8456,326 @@
           <a:lstStyle/>
           <a:p>
             <a:r>
-              <a:rPr lang="zh-CN" altLang="en-US" dirty="0" smtClean="0"/>
+              <a:rPr lang="zh-CN" altLang="en-US" dirty="0"/>
+              <a:t>窗口</a:t>
+            </a:r>
+            <a:r>
+              <a:rPr lang="en-US" altLang="zh-CN" dirty="0"/>
+              <a:t>figure</a:t>
+            </a:r>
+            <a:r>
+              <a:rPr lang="zh-CN" altLang="en-US" dirty="0"/>
+              <a:t>中的属性</a:t>
+            </a:r>
+            <a:endParaRPr lang="en-US" altLang="zh-CN" dirty="0"/>
+          </a:p>
+          <a:p>
+            <a:endParaRPr lang="en-US" altLang="zh-CN" dirty="0"/>
+          </a:p>
+          <a:p>
+            <a:endParaRPr lang="en-US" altLang="zh-CN" dirty="0"/>
+          </a:p>
+          <a:p>
+            <a:endParaRPr lang="en-US" altLang="zh-CN" dirty="0"/>
+          </a:p>
+          <a:p>
+            <a:r>
+              <a:rPr lang="zh-CN" altLang="en-US" dirty="0"/>
+              <a:t>坐标轴</a:t>
+            </a:r>
+            <a:r>
+              <a:rPr lang="en-US" altLang="zh-CN" dirty="0"/>
+              <a:t>axes</a:t>
+            </a:r>
+            <a:r>
+              <a:rPr lang="zh-CN" altLang="en-US" dirty="0"/>
+              <a:t>中的属性</a:t>
+            </a:r>
+            <a:endParaRPr lang="en-US" altLang="zh-CN" dirty="0"/>
+          </a:p>
+          <a:p>
+            <a:endParaRPr lang="en-US" altLang="zh-CN" dirty="0"/>
+          </a:p>
+          <a:p>
+            <a:endParaRPr lang="en-US" altLang="zh-CN" dirty="0"/>
+          </a:p>
+          <a:p>
+            <a:endParaRPr lang="en-US" altLang="zh-CN" dirty="0"/>
+          </a:p>
+          <a:p>
+            <a:endParaRPr lang="en-US" altLang="zh-CN" sz="1000" dirty="0"/>
+          </a:p>
+          <a:p>
+            <a:r>
+              <a:rPr lang="zh-CN" altLang="en-US" dirty="0"/>
+              <a:t>获取图形数据</a:t>
+            </a:r>
+          </a:p>
+        </p:txBody>
+      </p:sp>
+      <p:pic>
+        <p:nvPicPr>
+          <p:cNvPr id="5" name="图片 4"/>
+          <p:cNvPicPr>
+            <a:picLocks noChangeAspect="1"/>
+          </p:cNvPicPr>
+          <p:nvPr/>
+        </p:nvPicPr>
+        <p:blipFill>
+          <a:blip r:embed="rId2"/>
+          <a:stretch>
+            <a:fillRect/>
+          </a:stretch>
+        </p:blipFill>
+        <p:spPr>
+          <a:xfrm>
+            <a:off x="2409740" y="963478"/>
+            <a:ext cx="3283119" cy="1162110"/>
+          </a:xfrm>
+          <a:prstGeom prst="rect">
+            <a:avLst/>
+          </a:prstGeom>
+          <a:ln>
+            <a:solidFill>
+              <a:schemeClr val="tx1"/>
+            </a:solidFill>
+          </a:ln>
+        </p:spPr>
+      </p:pic>
+      <p:pic>
+        <p:nvPicPr>
+          <p:cNvPr id="4" name="图片 3"/>
+          <p:cNvPicPr>
+            <a:picLocks noChangeAspect="1"/>
+          </p:cNvPicPr>
+          <p:nvPr/>
+        </p:nvPicPr>
+        <p:blipFill>
+          <a:blip r:embed="rId3"/>
+          <a:stretch>
+            <a:fillRect/>
+          </a:stretch>
+        </p:blipFill>
+        <p:spPr>
+          <a:xfrm>
+            <a:off x="2409740" y="5542118"/>
+            <a:ext cx="2756042" cy="1155759"/>
+          </a:xfrm>
+          <a:prstGeom prst="rect">
+            <a:avLst/>
+          </a:prstGeom>
+          <a:ln>
+            <a:solidFill>
+              <a:schemeClr val="tx1"/>
+            </a:solidFill>
+          </a:ln>
+        </p:spPr>
+      </p:pic>
+      <p:pic>
+        <p:nvPicPr>
+          <p:cNvPr id="7" name="图片 6"/>
+          <p:cNvPicPr>
+            <a:picLocks noChangeAspect="1"/>
+          </p:cNvPicPr>
+          <p:nvPr/>
+        </p:nvPicPr>
+        <p:blipFill>
+          <a:blip r:embed="rId4"/>
+          <a:stretch>
+            <a:fillRect/>
+          </a:stretch>
+        </p:blipFill>
+        <p:spPr>
+          <a:xfrm>
+            <a:off x="5522861" y="5542118"/>
+            <a:ext cx="3092609" cy="501676"/>
+          </a:xfrm>
+          <a:prstGeom prst="rect">
+            <a:avLst/>
+          </a:prstGeom>
+          <a:ln>
+            <a:solidFill>
+              <a:schemeClr val="tx1"/>
+            </a:solidFill>
+          </a:ln>
+        </p:spPr>
+      </p:pic>
+      <p:sp>
+        <p:nvSpPr>
+          <p:cNvPr id="8" name="文本框 7"/>
+          <p:cNvSpPr txBox="1"/>
+          <p:nvPr/>
+        </p:nvSpPr>
+        <p:spPr>
+          <a:xfrm>
+            <a:off x="2207148" y="5057686"/>
+            <a:ext cx="762000" cy="400110"/>
+          </a:xfrm>
+          <a:prstGeom prst="rect">
+            <a:avLst/>
+          </a:prstGeom>
+          <a:noFill/>
+        </p:spPr>
+        <p:txBody>
+          <a:bodyPr wrap="square" rtlCol="0" anchor="ctr">
+            <a:spAutoFit/>
+          </a:bodyPr>
+          <a:lstStyle/>
+          <a:p>
+            <a:pPr algn="ctr"/>
+            <a:r>
+              <a:rPr lang="zh-CN" altLang="en-US" sz="2000" dirty="0">
+                <a:solidFill>
+                  <a:schemeClr val="accent5">
+                    <a:lumMod val="75000"/>
+                  </a:schemeClr>
+                </a:solidFill>
+                <a:latin typeface="幼圆" panose="02010509060101010101" pitchFamily="49" charset="-122"/>
+                <a:ea typeface="幼圆" panose="02010509060101010101" pitchFamily="49" charset="-122"/>
+              </a:rPr>
+              <a:t>代码</a:t>
+            </a:r>
+          </a:p>
+        </p:txBody>
+      </p:sp>
+      <p:sp>
+        <p:nvSpPr>
+          <p:cNvPr id="9" name="文本框 8"/>
+          <p:cNvSpPr txBox="1"/>
+          <p:nvPr/>
+        </p:nvSpPr>
+        <p:spPr>
+          <a:xfrm>
+            <a:off x="5330929" y="5057686"/>
+            <a:ext cx="762000" cy="400110"/>
+          </a:xfrm>
+          <a:prstGeom prst="rect">
+            <a:avLst/>
+          </a:prstGeom>
+          <a:noFill/>
+        </p:spPr>
+        <p:txBody>
+          <a:bodyPr wrap="square" rtlCol="0" anchor="ctr">
+            <a:spAutoFit/>
+          </a:bodyPr>
+          <a:lstStyle/>
+          <a:p>
+            <a:pPr algn="ctr"/>
+            <a:r>
+              <a:rPr lang="zh-CN" altLang="en-US" sz="2000" dirty="0">
+                <a:solidFill>
+                  <a:schemeClr val="accent5">
+                    <a:lumMod val="75000"/>
+                  </a:schemeClr>
+                </a:solidFill>
+                <a:latin typeface="幼圆" panose="02010509060101010101" pitchFamily="49" charset="-122"/>
+                <a:ea typeface="幼圆" panose="02010509060101010101" pitchFamily="49" charset="-122"/>
+              </a:rPr>
+              <a:t>输出</a:t>
+            </a:r>
+          </a:p>
+        </p:txBody>
+      </p:sp>
+      <p:pic>
+        <p:nvPicPr>
+          <p:cNvPr id="10" name="图片 9"/>
+          <p:cNvPicPr>
+            <a:picLocks noChangeAspect="1"/>
+          </p:cNvPicPr>
+          <p:nvPr/>
+        </p:nvPicPr>
+        <p:blipFill>
+          <a:blip r:embed="rId5"/>
+          <a:stretch>
+            <a:fillRect/>
+          </a:stretch>
+        </p:blipFill>
+        <p:spPr>
+          <a:xfrm>
+            <a:off x="2409740" y="2939762"/>
+            <a:ext cx="3695890" cy="1435174"/>
+          </a:xfrm>
+          <a:prstGeom prst="rect">
+            <a:avLst/>
+          </a:prstGeom>
+          <a:ln>
+            <a:solidFill>
+              <a:schemeClr val="tx1"/>
+            </a:solidFill>
+          </a:ln>
+        </p:spPr>
+      </p:pic>
+    </p:spTree>
+    <p:extLst>
+      <p:ext uri="{BB962C8B-B14F-4D97-AF65-F5344CB8AC3E}">
+        <p14:creationId xmlns:p14="http://schemas.microsoft.com/office/powerpoint/2010/main" val="491993542"/>
+      </p:ext>
+    </p:extLst>
+  </p:cSld>
+  <p:clrMapOvr>
+    <a:masterClrMapping/>
+  </p:clrMapOvr>
+</p:sld>
+</file>
+
+<file path=ppt/slides/slide27.xml><?xml version="1.0" encoding="utf-8"?>
+<p:sld xmlns:a="http://schemas.openxmlformats.org/drawingml/2006/main" xmlns:r="http://schemas.openxmlformats.org/officeDocument/2006/relationships" xmlns:p="http://schemas.openxmlformats.org/presentationml/2006/main">
+  <p:cSld>
+    <p:spTree>
+      <p:nvGrpSpPr>
+        <p:cNvPr id="1" name=""/>
+        <p:cNvGrpSpPr/>
+        <p:nvPr/>
+      </p:nvGrpSpPr>
+      <p:grpSpPr>
+        <a:xfrm>
+          <a:off x="0" y="0"/>
+          <a:ext cx="0" cy="0"/>
+          <a:chOff x="0" y="0"/>
+          <a:chExt cx="0" cy="0"/>
+        </a:xfrm>
+      </p:grpSpPr>
+      <p:sp>
+        <p:nvSpPr>
+          <p:cNvPr id="2" name="文本占位符 1"/>
+          <p:cNvSpPr>
+            <a:spLocks noGrp="1"/>
+          </p:cNvSpPr>
+          <p:nvPr>
+            <p:ph type="body" sz="quarter" idx="10"/>
+          </p:nvPr>
+        </p:nvSpPr>
+        <p:spPr/>
+        <p:txBody>
+          <a:bodyPr/>
+          <a:lstStyle/>
+          <a:p>
+            <a:r>
+              <a:rPr lang="zh-CN" altLang="en-US" dirty="0"/>
+              <a:t>查询图形对象属性的含义</a:t>
+            </a:r>
+          </a:p>
+        </p:txBody>
+      </p:sp>
+      <p:sp>
+        <p:nvSpPr>
+          <p:cNvPr id="3" name="文本占位符 2"/>
+          <p:cNvSpPr>
+            <a:spLocks noGrp="1"/>
+          </p:cNvSpPr>
+          <p:nvPr>
+            <p:ph type="body" sz="quarter" idx="11"/>
+          </p:nvPr>
+        </p:nvSpPr>
+        <p:spPr/>
+        <p:txBody>
+          <a:bodyPr/>
+          <a:lstStyle/>
+          <a:p>
+            <a:r>
+              <a:rPr lang="zh-CN" altLang="en-US" dirty="0"/>
               <a:t>在帮助手册中可查询到某类图形对象所有属性的含义和取值范围</a:t>
             </a:r>
-            <a:endParaRPr lang="zh-CN" altLang="en-US" dirty="0"/>
           </a:p>
         </p:txBody>
       </p:sp>
@@ -9038,13 +8905,6 @@
   <p:clrMapOvr>
     <a:masterClrMapping/>
   </p:clrMapOvr>
-  <p:timing>
-    <p:tnLst>
-      <p:par>
-        <p:cTn id="1" dur="indefinite" restart="never" nodeType="tmRoot"/>
-      </p:par>
-    </p:tnLst>
-  </p:timing>
 </p:sld>
 </file>
 
@@ -9082,10 +8942,9 @@
           <a:p>
             <a:pPr algn="ctr"/>
             <a:r>
-              <a:rPr lang="zh-CN" altLang="en-US" dirty="0" smtClean="0"/>
+              <a:rPr lang="zh-CN" altLang="en-US" dirty="0"/>
               <a:t>绘图函数</a:t>
             </a:r>
-            <a:endParaRPr lang="zh-CN" altLang="en-US" dirty="0"/>
           </a:p>
         </p:txBody>
       </p:sp>
@@ -9105,7 +8964,7 @@
           <a:lstStyle/>
           <a:p>
             <a:r>
-              <a:rPr lang="en-US" altLang="zh-CN" dirty="0" smtClean="0"/>
+              <a:rPr lang="en-US" altLang="zh-CN" dirty="0"/>
               <a:t>1</a:t>
             </a:r>
             <a:endParaRPr lang="zh-CN" altLang="en-US" dirty="0"/>
@@ -9122,13 +8981,6 @@
   <p:clrMapOvr>
     <a:masterClrMapping/>
   </p:clrMapOvr>
-  <p:timing>
-    <p:tnLst>
-      <p:par>
-        <p:cTn id="1" dur="indefinite" restart="never" nodeType="tmRoot"/>
-      </p:par>
-    </p:tnLst>
-  </p:timing>
 </p:sld>
 </file>
 
@@ -9165,17 +9017,16 @@
           <a:lstStyle/>
           <a:p>
             <a:r>
-              <a:rPr lang="zh-CN" altLang="en-US" dirty="0" smtClean="0"/>
+              <a:rPr lang="zh-CN" altLang="en-US" dirty="0"/>
               <a:t>二维</a:t>
             </a:r>
-            <a:endParaRPr lang="en-US" altLang="zh-CN" dirty="0" smtClean="0"/>
-          </a:p>
-          <a:p>
-            <a:r>
-              <a:rPr lang="zh-CN" altLang="en-US" dirty="0" smtClean="0"/>
+            <a:endParaRPr lang="en-US" altLang="zh-CN" dirty="0"/>
+          </a:p>
+          <a:p>
+            <a:r>
+              <a:rPr lang="zh-CN" altLang="en-US" dirty="0"/>
               <a:t>绘图函数</a:t>
             </a:r>
-            <a:endParaRPr lang="zh-CN" altLang="en-US" dirty="0"/>
           </a:p>
         </p:txBody>
       </p:sp>
@@ -9200,14 +9051,13 @@
           <a:lstStyle/>
           <a:p>
             <a:r>
-              <a:rPr lang="en-US" altLang="zh-CN" dirty="0" smtClean="0"/>
+              <a:rPr lang="en-US" altLang="zh-CN" dirty="0"/>
               <a:t>plot()</a:t>
             </a:r>
             <a:r>
-              <a:rPr lang="zh-CN" altLang="en-US" dirty="0" smtClean="0"/>
+              <a:rPr lang="zh-CN" altLang="en-US" dirty="0"/>
               <a:t>是最基本的绘图函数</a:t>
             </a:r>
-            <a:endParaRPr lang="zh-CN" altLang="en-US" dirty="0"/>
           </a:p>
         </p:txBody>
       </p:sp>
@@ -9351,7 +9201,7 @@
           <a:p>
             <a:pPr algn="ctr"/>
             <a:r>
-              <a:rPr lang="zh-CN" altLang="en-US" sz="2000" dirty="0" smtClean="0">
+              <a:rPr lang="zh-CN" altLang="en-US" sz="2000" dirty="0">
                 <a:solidFill>
                   <a:schemeClr val="accent5">
                     <a:lumMod val="75000"/>
@@ -9362,15 +9212,6 @@
               </a:rPr>
               <a:t>代码</a:t>
             </a:r>
-            <a:endParaRPr lang="zh-CN" altLang="en-US" sz="2000" dirty="0">
-              <a:solidFill>
-                <a:schemeClr val="accent5">
-                  <a:lumMod val="75000"/>
-                </a:schemeClr>
-              </a:solidFill>
-              <a:latin typeface="幼圆" panose="02010509060101010101" pitchFamily="49" charset="-122"/>
-              <a:ea typeface="幼圆" panose="02010509060101010101" pitchFamily="49" charset="-122"/>
-            </a:endParaRPr>
           </a:p>
         </p:txBody>
       </p:sp>
@@ -9398,7 +9239,7 @@
           <a:p>
             <a:pPr algn="ctr"/>
             <a:r>
-              <a:rPr lang="zh-CN" altLang="en-US" sz="2000" dirty="0" smtClean="0">
+              <a:rPr lang="zh-CN" altLang="en-US" sz="2000" dirty="0">
                 <a:solidFill>
                   <a:schemeClr val="accent5">
                     <a:lumMod val="75000"/>
@@ -9409,15 +9250,6 @@
               </a:rPr>
               <a:t>输出</a:t>
             </a:r>
-            <a:endParaRPr lang="zh-CN" altLang="en-US" sz="2000" dirty="0">
-              <a:solidFill>
-                <a:schemeClr val="accent5">
-                  <a:lumMod val="75000"/>
-                </a:schemeClr>
-              </a:solidFill>
-              <a:latin typeface="幼圆" panose="02010509060101010101" pitchFamily="49" charset="-122"/>
-              <a:ea typeface="幼圆" panose="02010509060101010101" pitchFamily="49" charset="-122"/>
-            </a:endParaRPr>
           </a:p>
         </p:txBody>
       </p:sp>
@@ -9445,7 +9277,7 @@
           <a:p>
             <a:pPr algn="ctr"/>
             <a:r>
-              <a:rPr lang="zh-CN" altLang="en-US" sz="2000" dirty="0" smtClean="0">
+              <a:rPr lang="zh-CN" altLang="en-US" sz="2000" dirty="0">
                 <a:solidFill>
                   <a:schemeClr val="accent5">
                     <a:lumMod val="75000"/>
@@ -9456,15 +9288,6 @@
               </a:rPr>
               <a:t>代码</a:t>
             </a:r>
-            <a:endParaRPr lang="zh-CN" altLang="en-US" sz="2000" dirty="0">
-              <a:solidFill>
-                <a:schemeClr val="accent5">
-                  <a:lumMod val="75000"/>
-                </a:schemeClr>
-              </a:solidFill>
-              <a:latin typeface="幼圆" panose="02010509060101010101" pitchFamily="49" charset="-122"/>
-              <a:ea typeface="幼圆" panose="02010509060101010101" pitchFamily="49" charset="-122"/>
-            </a:endParaRPr>
           </a:p>
         </p:txBody>
       </p:sp>
@@ -9492,7 +9315,7 @@
           <a:p>
             <a:pPr algn="ctr"/>
             <a:r>
-              <a:rPr lang="zh-CN" altLang="en-US" sz="2000" dirty="0" smtClean="0">
+              <a:rPr lang="zh-CN" altLang="en-US" sz="2000" dirty="0">
                 <a:solidFill>
                   <a:schemeClr val="accent5">
                     <a:lumMod val="75000"/>
@@ -9503,15 +9326,6 @@
               </a:rPr>
               <a:t>输出</a:t>
             </a:r>
-            <a:endParaRPr lang="zh-CN" altLang="en-US" sz="2000" dirty="0">
-              <a:solidFill>
-                <a:schemeClr val="accent5">
-                  <a:lumMod val="75000"/>
-                </a:schemeClr>
-              </a:solidFill>
-              <a:latin typeface="幼圆" panose="02010509060101010101" pitchFamily="49" charset="-122"/>
-              <a:ea typeface="幼圆" panose="02010509060101010101" pitchFamily="49" charset="-122"/>
-            </a:endParaRPr>
           </a:p>
         </p:txBody>
       </p:sp>
@@ -9525,13 +9339,6 @@
   <p:clrMapOvr>
     <a:masterClrMapping/>
   </p:clrMapOvr>
-  <p:timing>
-    <p:tnLst>
-      <p:par>
-        <p:cTn id="1" dur="indefinite" restart="never" nodeType="tmRoot"/>
-      </p:par>
-    </p:tnLst>
-  </p:timing>
 </p:sld>
 </file>
 
@@ -9569,20 +9376,15 @@
           <a:p>
             <a:r>
               <a:rPr lang="zh-CN" altLang="en-US" dirty="0"/>
-              <a:t>二</a:t>
-            </a:r>
-            <a:r>
-              <a:rPr lang="zh-CN" altLang="en-US" dirty="0" smtClean="0"/>
-              <a:t>维</a:t>
-            </a:r>
-            <a:endParaRPr lang="en-US" altLang="zh-CN" dirty="0" smtClean="0"/>
-          </a:p>
-          <a:p>
-            <a:r>
-              <a:rPr lang="zh-CN" altLang="en-US" dirty="0" smtClean="0"/>
+              <a:t>二维</a:t>
+            </a:r>
+            <a:endParaRPr lang="en-US" altLang="zh-CN" dirty="0"/>
+          </a:p>
+          <a:p>
+            <a:r>
+              <a:rPr lang="zh-CN" altLang="en-US" dirty="0"/>
               <a:t>绘图函数</a:t>
             </a:r>
-            <a:endParaRPr lang="zh-CN" altLang="en-US" dirty="0"/>
           </a:p>
         </p:txBody>
       </p:sp>
@@ -9602,18 +9404,17 @@
           <a:lstStyle/>
           <a:p>
             <a:r>
-              <a:rPr lang="zh-CN" altLang="en-US" dirty="0" smtClean="0"/>
+              <a:rPr lang="zh-CN" altLang="en-US" dirty="0"/>
               <a:t>在</a:t>
             </a:r>
             <a:r>
-              <a:rPr lang="en-US" altLang="zh-CN" dirty="0" smtClean="0"/>
+              <a:rPr lang="en-US" altLang="zh-CN" dirty="0"/>
               <a:t>plot()</a:t>
             </a:r>
             <a:r>
-              <a:rPr lang="zh-CN" altLang="en-US" dirty="0" smtClean="0"/>
+              <a:rPr lang="zh-CN" altLang="en-US" dirty="0"/>
               <a:t>中通过参数指定线型</a:t>
             </a:r>
-            <a:endParaRPr lang="zh-CN" altLang="en-US" dirty="0"/>
           </a:p>
         </p:txBody>
       </p:sp>
@@ -9699,7 +9500,7 @@
           <a:p>
             <a:pPr algn="ctr"/>
             <a:r>
-              <a:rPr lang="zh-CN" altLang="en-US" sz="2000" dirty="0" smtClean="0">
+              <a:rPr lang="zh-CN" altLang="en-US" sz="2000" dirty="0">
                 <a:solidFill>
                   <a:schemeClr val="accent5">
                     <a:lumMod val="75000"/>
@@ -9710,15 +9511,6 @@
               </a:rPr>
               <a:t>代码</a:t>
             </a:r>
-            <a:endParaRPr lang="zh-CN" altLang="en-US" sz="2000" dirty="0">
-              <a:solidFill>
-                <a:schemeClr val="accent5">
-                  <a:lumMod val="75000"/>
-                </a:schemeClr>
-              </a:solidFill>
-              <a:latin typeface="幼圆" panose="02010509060101010101" pitchFamily="49" charset="-122"/>
-              <a:ea typeface="幼圆" panose="02010509060101010101" pitchFamily="49" charset="-122"/>
-            </a:endParaRPr>
           </a:p>
         </p:txBody>
       </p:sp>
@@ -9746,7 +9538,7 @@
           <a:p>
             <a:pPr algn="ctr"/>
             <a:r>
-              <a:rPr lang="zh-CN" altLang="en-US" sz="2000" dirty="0" smtClean="0">
+              <a:rPr lang="zh-CN" altLang="en-US" sz="2000" dirty="0">
                 <a:solidFill>
                   <a:schemeClr val="accent5">
                     <a:lumMod val="75000"/>
@@ -9757,15 +9549,6 @@
               </a:rPr>
               <a:t>输出</a:t>
             </a:r>
-            <a:endParaRPr lang="zh-CN" altLang="en-US" sz="2000" dirty="0">
-              <a:solidFill>
-                <a:schemeClr val="accent5">
-                  <a:lumMod val="75000"/>
-                </a:schemeClr>
-              </a:solidFill>
-              <a:latin typeface="幼圆" panose="02010509060101010101" pitchFamily="49" charset="-122"/>
-              <a:ea typeface="幼圆" panose="02010509060101010101" pitchFamily="49" charset="-122"/>
-            </a:endParaRPr>
           </a:p>
         </p:txBody>
       </p:sp>
@@ -9794,9 +9577,27 @@
                 <a:tableStyleId>{5C22544A-7EE6-4342-B048-85BDC9FD1C3A}</a:tableStyleId>
               </a:tblPr>
               <a:tblGrid>
-                <a:gridCol w="607305"/>
-                <a:gridCol w="984739"/>
-                <a:gridCol w="1359527"/>
+                <a:gridCol w="607305">
+                  <a:extLst>
+                    <a:ext uri="{9D8B030D-6E8A-4147-A177-3AD203B41FA5}">
+                      <a16:colId xmlns:a16="http://schemas.microsoft.com/office/drawing/2014/main" val="20000"/>
+                    </a:ext>
+                  </a:extLst>
+                </a:gridCol>
+                <a:gridCol w="984739">
+                  <a:extLst>
+                    <a:ext uri="{9D8B030D-6E8A-4147-A177-3AD203B41FA5}">
+                      <a16:colId xmlns:a16="http://schemas.microsoft.com/office/drawing/2014/main" val="20001"/>
+                    </a:ext>
+                  </a:extLst>
+                </a:gridCol>
+                <a:gridCol w="1359527">
+                  <a:extLst>
+                    <a:ext uri="{9D8B030D-6E8A-4147-A177-3AD203B41FA5}">
+                      <a16:colId xmlns:a16="http://schemas.microsoft.com/office/drawing/2014/main" val="20002"/>
+                    </a:ext>
+                  </a:extLst>
+                </a:gridCol>
               </a:tblGrid>
               <a:tr h="370840">
                 <a:tc>
@@ -9806,16 +9607,12 @@
                     <a:p>
                       <a:pPr algn="ctr"/>
                       <a:r>
-                        <a:rPr lang="zh-CN" altLang="en-US" dirty="0" smtClean="0">
+                        <a:rPr lang="zh-CN" altLang="en-US" dirty="0">
                           <a:latin typeface="微软雅黑" panose="020B0503020204020204" pitchFamily="34" charset="-122"/>
                           <a:ea typeface="微软雅黑" panose="020B0503020204020204" pitchFamily="34" charset="-122"/>
                         </a:rPr>
                         <a:t>颜色</a:t>
                       </a:r>
-                      <a:endParaRPr lang="zh-CN" altLang="en-US" dirty="0">
-                        <a:latin typeface="微软雅黑" panose="020B0503020204020204" pitchFamily="34" charset="-122"/>
-                        <a:ea typeface="微软雅黑" panose="020B0503020204020204" pitchFamily="34" charset="-122"/>
-                      </a:endParaRPr>
                     </a:p>
                   </a:txBody>
                   <a:tcPr anchor="ctr"/>
@@ -9827,16 +9624,12 @@
                     <a:p>
                       <a:pPr algn="ctr"/>
                       <a:r>
-                        <a:rPr lang="zh-CN" altLang="en-US" dirty="0" smtClean="0">
+                        <a:rPr lang="zh-CN" altLang="en-US" dirty="0">
                           <a:latin typeface="微软雅黑" panose="020B0503020204020204" pitchFamily="34" charset="-122"/>
                           <a:ea typeface="微软雅黑" panose="020B0503020204020204" pitchFamily="34" charset="-122"/>
                         </a:rPr>
                         <a:t>点型</a:t>
                       </a:r>
-                      <a:endParaRPr lang="zh-CN" altLang="en-US" dirty="0">
-                        <a:latin typeface="微软雅黑" panose="020B0503020204020204" pitchFamily="34" charset="-122"/>
-                        <a:ea typeface="微软雅黑" panose="020B0503020204020204" pitchFamily="34" charset="-122"/>
-                      </a:endParaRPr>
                     </a:p>
                   </a:txBody>
                   <a:tcPr anchor="ctr"/>
@@ -9848,20 +9641,21 @@
                     <a:p>
                       <a:pPr algn="ctr"/>
                       <a:r>
-                        <a:rPr lang="zh-CN" altLang="en-US" dirty="0" smtClean="0">
+                        <a:rPr lang="zh-CN" altLang="en-US" dirty="0">
                           <a:latin typeface="微软雅黑" panose="020B0503020204020204" pitchFamily="34" charset="-122"/>
                           <a:ea typeface="微软雅黑" panose="020B0503020204020204" pitchFamily="34" charset="-122"/>
                         </a:rPr>
                         <a:t>线型</a:t>
                       </a:r>
-                      <a:endParaRPr lang="zh-CN" altLang="en-US" dirty="0">
-                        <a:latin typeface="微软雅黑" panose="020B0503020204020204" pitchFamily="34" charset="-122"/>
-                        <a:ea typeface="微软雅黑" panose="020B0503020204020204" pitchFamily="34" charset="-122"/>
-                      </a:endParaRPr>
                     </a:p>
                   </a:txBody>
                   <a:tcPr anchor="ctr"/>
                 </a:tc>
+                <a:extLst>
+                  <a:ext uri="{0D108BD9-81ED-4DB2-BD59-A6C34878D82A}">
+                    <a16:rowId xmlns:a16="http://schemas.microsoft.com/office/drawing/2014/main" val="10000"/>
+                  </a:ext>
+                </a:extLst>
               </a:tr>
               <a:tr h="370840">
                 <a:tc>
@@ -9871,7 +9665,7 @@
                     <a:p>
                       <a:pPr algn="ctr"/>
                       <a:r>
-                        <a:rPr lang="en-US" altLang="zh-CN" b="1" dirty="0" smtClean="0">
+                        <a:rPr lang="en-US" altLang="zh-CN" b="1" dirty="0">
                           <a:solidFill>
                             <a:srgbClr val="0000FF"/>
                           </a:solidFill>
@@ -9904,7 +9698,7 @@
                     <a:p>
                       <a:pPr marL="180000" algn="l"/>
                       <a:r>
-                        <a:rPr lang="en-US" altLang="zh-CN" dirty="0" smtClean="0">
+                        <a:rPr lang="en-US" altLang="zh-CN" dirty="0">
                           <a:latin typeface="幼圆" panose="02010509060101010101" pitchFamily="49" charset="-122"/>
                           <a:ea typeface="幼圆" panose="02010509060101010101" pitchFamily="49" charset="-122"/>
                         </a:rPr>
@@ -9931,7 +9725,7 @@
                     <a:p>
                       <a:pPr marL="180000" algn="l"/>
                       <a:r>
-                        <a:rPr lang="en-US" altLang="zh-CN" dirty="0" smtClean="0">
+                        <a:rPr lang="en-US" altLang="zh-CN" dirty="0">
                           <a:latin typeface="幼圆" panose="02010509060101010101" pitchFamily="49" charset="-122"/>
                           <a:ea typeface="幼圆" panose="02010509060101010101" pitchFamily="49" charset="-122"/>
                         </a:rPr>
@@ -9951,6 +9745,11 @@
                     </a:solidFill>
                   </a:tcPr>
                 </a:tc>
+                <a:extLst>
+                  <a:ext uri="{0D108BD9-81ED-4DB2-BD59-A6C34878D82A}">
+                    <a16:rowId xmlns:a16="http://schemas.microsoft.com/office/drawing/2014/main" val="10001"/>
+                  </a:ext>
+                </a:extLst>
               </a:tr>
               <a:tr h="370840">
                 <a:tc>
@@ -9960,7 +9759,7 @@
                     <a:p>
                       <a:pPr algn="ctr"/>
                       <a:r>
-                        <a:rPr lang="en-US" altLang="zh-CN" b="1" dirty="0" smtClean="0">
+                        <a:rPr lang="en-US" altLang="zh-CN" b="1" dirty="0">
                           <a:solidFill>
                             <a:srgbClr val="00FF00"/>
                           </a:solidFill>
@@ -9993,7 +9792,7 @@
                     <a:p>
                       <a:pPr marL="180000" algn="l"/>
                       <a:r>
-                        <a:rPr lang="en-US" altLang="zh-CN" dirty="0" smtClean="0">
+                        <a:rPr lang="en-US" altLang="zh-CN" dirty="0">
                           <a:latin typeface="幼圆" panose="02010509060101010101" pitchFamily="49" charset="-122"/>
                           <a:ea typeface="幼圆" panose="02010509060101010101" pitchFamily="49" charset="-122"/>
                         </a:rPr>
@@ -10020,7 +9819,7 @@
                     <a:p>
                       <a:pPr marL="180000" algn="l"/>
                       <a:r>
-                        <a:rPr lang="en-US" altLang="zh-CN" dirty="0" smtClean="0">
+                        <a:rPr lang="en-US" altLang="zh-CN" dirty="0">
                           <a:latin typeface="幼圆" panose="02010509060101010101" pitchFamily="49" charset="-122"/>
                           <a:ea typeface="幼圆" panose="02010509060101010101" pitchFamily="49" charset="-122"/>
                         </a:rPr>
@@ -10040,6 +9839,11 @@
                     </a:solidFill>
                   </a:tcPr>
                 </a:tc>
+                <a:extLst>
+                  <a:ext uri="{0D108BD9-81ED-4DB2-BD59-A6C34878D82A}">
+                    <a16:rowId xmlns:a16="http://schemas.microsoft.com/office/drawing/2014/main" val="10002"/>
+                  </a:ext>
+                </a:extLst>
               </a:tr>
               <a:tr h="370840">
                 <a:tc>
@@ -10049,7 +9853,7 @@
                     <a:p>
                       <a:pPr algn="ctr"/>
                       <a:r>
-                        <a:rPr lang="en-US" altLang="zh-CN" b="1" dirty="0" smtClean="0">
+                        <a:rPr lang="en-US" altLang="zh-CN" b="1" dirty="0">
                           <a:solidFill>
                             <a:srgbClr val="FF0000"/>
                           </a:solidFill>
@@ -10082,7 +9886,7 @@
                     <a:p>
                       <a:pPr marL="180000" algn="l"/>
                       <a:r>
-                        <a:rPr lang="en-US" altLang="zh-CN" dirty="0" smtClean="0">
+                        <a:rPr lang="en-US" altLang="zh-CN" dirty="0">
                           <a:latin typeface="幼圆" panose="02010509060101010101" pitchFamily="49" charset="-122"/>
                           <a:ea typeface="幼圆" panose="02010509060101010101" pitchFamily="49" charset="-122"/>
                         </a:rPr>
@@ -10109,7 +9913,7 @@
                     <a:p>
                       <a:pPr marL="180000" algn="l"/>
                       <a:r>
-                        <a:rPr lang="en-US" altLang="zh-CN" dirty="0" smtClean="0">
+                        <a:rPr lang="en-US" altLang="zh-CN" dirty="0">
                           <a:latin typeface="幼圆" panose="02010509060101010101" pitchFamily="49" charset="-122"/>
                           <a:ea typeface="幼圆" panose="02010509060101010101" pitchFamily="49" charset="-122"/>
                         </a:rPr>
@@ -10129,6 +9933,11 @@
                     </a:solidFill>
                   </a:tcPr>
                 </a:tc>
+                <a:extLst>
+                  <a:ext uri="{0D108BD9-81ED-4DB2-BD59-A6C34878D82A}">
+                    <a16:rowId xmlns:a16="http://schemas.microsoft.com/office/drawing/2014/main" val="10003"/>
+                  </a:ext>
+                </a:extLst>
               </a:tr>
               <a:tr h="370840">
                 <a:tc>
@@ -10138,7 +9947,7 @@
                     <a:p>
                       <a:pPr algn="ctr"/>
                       <a:r>
-                        <a:rPr lang="en-US" altLang="zh-CN" b="1" dirty="0" smtClean="0">
+                        <a:rPr lang="en-US" altLang="zh-CN" b="1" dirty="0">
                           <a:solidFill>
                             <a:srgbClr val="00FFFF"/>
                           </a:solidFill>
@@ -10171,7 +9980,7 @@
                     <a:p>
                       <a:pPr marL="180000" algn="l"/>
                       <a:r>
-                        <a:rPr lang="en-US" altLang="zh-CN" dirty="0" smtClean="0">
+                        <a:rPr lang="en-US" altLang="zh-CN" dirty="0">
                           <a:latin typeface="幼圆" panose="02010509060101010101" pitchFamily="49" charset="-122"/>
                           <a:ea typeface="幼圆" panose="02010509060101010101" pitchFamily="49" charset="-122"/>
                         </a:rPr>
@@ -10198,7 +10007,7 @@
                     <a:p>
                       <a:pPr marL="180000" algn="l"/>
                       <a:r>
-                        <a:rPr lang="en-US" altLang="zh-CN" dirty="0" smtClean="0">
+                        <a:rPr lang="en-US" altLang="zh-CN" dirty="0">
                           <a:latin typeface="幼圆" panose="02010509060101010101" pitchFamily="49" charset="-122"/>
                           <a:ea typeface="幼圆" panose="02010509060101010101" pitchFamily="49" charset="-122"/>
                         </a:rPr>
@@ -10218,6 +10027,11 @@
                     </a:solidFill>
                   </a:tcPr>
                 </a:tc>
+                <a:extLst>
+                  <a:ext uri="{0D108BD9-81ED-4DB2-BD59-A6C34878D82A}">
+                    <a16:rowId xmlns:a16="http://schemas.microsoft.com/office/drawing/2014/main" val="10004"/>
+                  </a:ext>
+                </a:extLst>
               </a:tr>
               <a:tr h="370840">
                 <a:tc>
@@ -10227,7 +10041,7 @@
                     <a:p>
                       <a:pPr algn="ctr"/>
                       <a:r>
-                        <a:rPr lang="en-US" altLang="zh-CN" b="1" dirty="0" smtClean="0">
+                        <a:rPr lang="en-US" altLang="zh-CN" b="1" dirty="0">
                           <a:solidFill>
                             <a:srgbClr val="FFFF00"/>
                           </a:solidFill>
@@ -10260,7 +10074,7 @@
                     <a:p>
                       <a:pPr marL="180000" algn="l"/>
                       <a:r>
-                        <a:rPr lang="en-US" altLang="zh-CN" dirty="0" smtClean="0">
+                        <a:rPr lang="en-US" altLang="zh-CN" dirty="0">
                           <a:latin typeface="幼圆" panose="02010509060101010101" pitchFamily="49" charset="-122"/>
                           <a:ea typeface="幼圆" panose="02010509060101010101" pitchFamily="49" charset="-122"/>
                         </a:rPr>
@@ -10287,7 +10101,7 @@
                     <a:p>
                       <a:pPr marL="180000" algn="l"/>
                       <a:r>
-                        <a:rPr lang="en-US" altLang="zh-CN" dirty="0" smtClean="0">
+                        <a:rPr lang="en-US" altLang="zh-CN" dirty="0">
                           <a:latin typeface="幼圆" panose="02010509060101010101" pitchFamily="49" charset="-122"/>
                           <a:ea typeface="幼圆" panose="02010509060101010101" pitchFamily="49" charset="-122"/>
                         </a:rPr>
@@ -10307,6 +10121,11 @@
                     </a:solidFill>
                   </a:tcPr>
                 </a:tc>
+                <a:extLst>
+                  <a:ext uri="{0D108BD9-81ED-4DB2-BD59-A6C34878D82A}">
+                    <a16:rowId xmlns:a16="http://schemas.microsoft.com/office/drawing/2014/main" val="10005"/>
+                  </a:ext>
+                </a:extLst>
               </a:tr>
               <a:tr h="370840">
                 <a:tc>
@@ -10316,7 +10135,7 @@
                     <a:p>
                       <a:pPr algn="ctr"/>
                       <a:r>
-                        <a:rPr lang="en-US" altLang="zh-CN" b="1" dirty="0" smtClean="0">
+                        <a:rPr lang="en-US" altLang="zh-CN" b="1" dirty="0">
                           <a:solidFill>
                             <a:schemeClr val="tx1"/>
                           </a:solidFill>
@@ -10349,7 +10168,7 @@
                     <a:p>
                       <a:pPr marL="180000" algn="l"/>
                       <a:r>
-                        <a:rPr lang="en-US" altLang="zh-CN" dirty="0" smtClean="0">
+                        <a:rPr lang="en-US" altLang="zh-CN" dirty="0">
                           <a:latin typeface="幼圆" panose="02010509060101010101" pitchFamily="49" charset="-122"/>
                           <a:ea typeface="幼圆" panose="02010509060101010101" pitchFamily="49" charset="-122"/>
                         </a:rPr>
@@ -10389,6 +10208,11 @@
                     </a:solidFill>
                   </a:tcPr>
                 </a:tc>
+                <a:extLst>
+                  <a:ext uri="{0D108BD9-81ED-4DB2-BD59-A6C34878D82A}">
+                    <a16:rowId xmlns:a16="http://schemas.microsoft.com/office/drawing/2014/main" val="10006"/>
+                  </a:ext>
+                </a:extLst>
               </a:tr>
               <a:tr h="370840">
                 <a:tc>
@@ -10398,7 +10222,7 @@
                     <a:p>
                       <a:pPr algn="ctr"/>
                       <a:r>
-                        <a:rPr lang="en-US" altLang="zh-CN" b="1" dirty="0" smtClean="0">
+                        <a:rPr lang="en-US" altLang="zh-CN" b="1" dirty="0">
                           <a:solidFill>
                             <a:schemeClr val="bg1"/>
                           </a:solidFill>
@@ -10431,7 +10255,7 @@
                     <a:p>
                       <a:pPr marL="180000" algn="l"/>
                       <a:r>
-                        <a:rPr lang="en-US" altLang="zh-CN" dirty="0" smtClean="0">
+                        <a:rPr lang="en-US" altLang="zh-CN" dirty="0">
                           <a:latin typeface="幼圆" panose="02010509060101010101" pitchFamily="49" charset="-122"/>
                           <a:ea typeface="幼圆" panose="02010509060101010101" pitchFamily="49" charset="-122"/>
                         </a:rPr>
@@ -10471,6 +10295,11 @@
                     </a:solidFill>
                   </a:tcPr>
                 </a:tc>
+                <a:extLst>
+                  <a:ext uri="{0D108BD9-81ED-4DB2-BD59-A6C34878D82A}">
+                    <a16:rowId xmlns:a16="http://schemas.microsoft.com/office/drawing/2014/main" val="10007"/>
+                  </a:ext>
+                </a:extLst>
               </a:tr>
               <a:tr h="370840">
                 <a:tc>
@@ -10503,7 +10332,7 @@
                     <a:p>
                       <a:pPr marL="180000" algn="l"/>
                       <a:r>
-                        <a:rPr lang="en-US" altLang="zh-CN" dirty="0" smtClean="0">
+                        <a:rPr lang="en-US" altLang="zh-CN" dirty="0">
                           <a:latin typeface="幼圆" panose="02010509060101010101" pitchFamily="49" charset="-122"/>
                           <a:ea typeface="幼圆" panose="02010509060101010101" pitchFamily="49" charset="-122"/>
                         </a:rPr>
@@ -10543,6 +10372,11 @@
                     </a:solidFill>
                   </a:tcPr>
                 </a:tc>
+                <a:extLst>
+                  <a:ext uri="{0D108BD9-81ED-4DB2-BD59-A6C34878D82A}">
+                    <a16:rowId xmlns:a16="http://schemas.microsoft.com/office/drawing/2014/main" val="10008"/>
+                  </a:ext>
+                </a:extLst>
               </a:tr>
               <a:tr h="370840">
                 <a:tc>
@@ -10575,7 +10409,7 @@
                     <a:p>
                       <a:pPr marL="180000" algn="l"/>
                       <a:r>
-                        <a:rPr lang="en-US" altLang="zh-CN" dirty="0" smtClean="0">
+                        <a:rPr lang="en-US" altLang="zh-CN" dirty="0">
                           <a:latin typeface="幼圆" panose="02010509060101010101" pitchFamily="49" charset="-122"/>
                           <a:ea typeface="幼圆" panose="02010509060101010101" pitchFamily="49" charset="-122"/>
                         </a:rPr>
@@ -10615,6 +10449,11 @@
                     </a:solidFill>
                   </a:tcPr>
                 </a:tc>
+                <a:extLst>
+                  <a:ext uri="{0D108BD9-81ED-4DB2-BD59-A6C34878D82A}">
+                    <a16:rowId xmlns:a16="http://schemas.microsoft.com/office/drawing/2014/main" val="10009"/>
+                  </a:ext>
+                </a:extLst>
               </a:tr>
               <a:tr h="370840">
                 <a:tc>
@@ -10647,7 +10486,7 @@
                     <a:p>
                       <a:pPr marL="180000" algn="l"/>
                       <a:r>
-                        <a:rPr lang="en-US" altLang="zh-CN" dirty="0" smtClean="0">
+                        <a:rPr lang="en-US" altLang="zh-CN" dirty="0">
                           <a:latin typeface="幼圆" panose="02010509060101010101" pitchFamily="49" charset="-122"/>
                           <a:ea typeface="幼圆" panose="02010509060101010101" pitchFamily="49" charset="-122"/>
                         </a:rPr>
@@ -10687,6 +10526,11 @@
                     </a:solidFill>
                   </a:tcPr>
                 </a:tc>
+                <a:extLst>
+                  <a:ext uri="{0D108BD9-81ED-4DB2-BD59-A6C34878D82A}">
+                    <a16:rowId xmlns:a16="http://schemas.microsoft.com/office/drawing/2014/main" val="10010"/>
+                  </a:ext>
+                </a:extLst>
               </a:tr>
               <a:tr h="370840">
                 <a:tc>
@@ -10719,7 +10563,7 @@
                     <a:p>
                       <a:pPr marL="180000" algn="l"/>
                       <a:r>
-                        <a:rPr lang="en-US" altLang="zh-CN" dirty="0" smtClean="0">
+                        <a:rPr lang="en-US" altLang="zh-CN" dirty="0">
                           <a:latin typeface="幼圆" panose="02010509060101010101" pitchFamily="49" charset="-122"/>
                           <a:ea typeface="幼圆" panose="02010509060101010101" pitchFamily="49" charset="-122"/>
                         </a:rPr>
@@ -10759,6 +10603,11 @@
                     </a:solidFill>
                   </a:tcPr>
                 </a:tc>
+                <a:extLst>
+                  <a:ext uri="{0D108BD9-81ED-4DB2-BD59-A6C34878D82A}">
+                    <a16:rowId xmlns:a16="http://schemas.microsoft.com/office/drawing/2014/main" val="10011"/>
+                  </a:ext>
+                </a:extLst>
               </a:tr>
               <a:tr h="370840">
                 <a:tc>
@@ -10791,7 +10640,7 @@
                     <a:p>
                       <a:pPr marL="180000" algn="l"/>
                       <a:r>
-                        <a:rPr lang="en-US" altLang="zh-CN" dirty="0" smtClean="0">
+                        <a:rPr lang="en-US" altLang="zh-CN" dirty="0">
                           <a:latin typeface="幼圆" panose="02010509060101010101" pitchFamily="49" charset="-122"/>
                           <a:ea typeface="幼圆" panose="02010509060101010101" pitchFamily="49" charset="-122"/>
                         </a:rPr>
@@ -10831,6 +10680,11 @@
                     </a:solidFill>
                   </a:tcPr>
                 </a:tc>
+                <a:extLst>
+                  <a:ext uri="{0D108BD9-81ED-4DB2-BD59-A6C34878D82A}">
+                    <a16:rowId xmlns:a16="http://schemas.microsoft.com/office/drawing/2014/main" val="10012"/>
+                  </a:ext>
+                </a:extLst>
               </a:tr>
             </a:tbl>
           </a:graphicData>
@@ -11254,13 +11108,6 @@
   <p:clrMapOvr>
     <a:masterClrMapping/>
   </p:clrMapOvr>
-  <p:timing>
-    <p:tnLst>
-      <p:par>
-        <p:cTn id="1" dur="indefinite" restart="never" nodeType="tmRoot"/>
-      </p:par>
-    </p:tnLst>
-  </p:timing>
 </p:sld>
 </file>
 
@@ -11297,17 +11144,16 @@
           <a:lstStyle/>
           <a:p>
             <a:r>
-              <a:rPr lang="zh-CN" altLang="en-US" dirty="0" smtClean="0"/>
+              <a:rPr lang="zh-CN" altLang="en-US" dirty="0"/>
               <a:t>双纵轴</a:t>
             </a:r>
-            <a:endParaRPr lang="en-US" altLang="zh-CN" dirty="0" smtClean="0"/>
-          </a:p>
-          <a:p>
-            <a:r>
-              <a:rPr lang="zh-CN" altLang="en-US" dirty="0" smtClean="0"/>
+            <a:endParaRPr lang="en-US" altLang="zh-CN" dirty="0"/>
+          </a:p>
+          <a:p>
+            <a:r>
+              <a:rPr lang="zh-CN" altLang="en-US" dirty="0"/>
               <a:t>绘图函数</a:t>
             </a:r>
-            <a:endParaRPr lang="zh-CN" altLang="en-US" dirty="0"/>
           </a:p>
         </p:txBody>
       </p:sp>
@@ -11327,22 +11173,21 @@
           <a:lstStyle/>
           <a:p>
             <a:r>
-              <a:rPr lang="zh-CN" altLang="en-US" dirty="0" smtClean="0"/>
+              <a:rPr lang="zh-CN" altLang="en-US" dirty="0"/>
               <a:t>利用</a:t>
             </a:r>
             <a:r>
-              <a:rPr lang="en-US" altLang="zh-CN" dirty="0" err="1" smtClean="0"/>
+              <a:rPr lang="en-US" altLang="zh-CN" dirty="0" err="1"/>
               <a:t>plotyy</a:t>
             </a:r>
             <a:r>
-              <a:rPr lang="en-US" altLang="zh-CN" dirty="0" smtClean="0"/>
+              <a:rPr lang="en-US" altLang="zh-CN" dirty="0"/>
               <a:t>()</a:t>
             </a:r>
             <a:r>
-              <a:rPr lang="zh-CN" altLang="en-US" dirty="0" smtClean="0"/>
+              <a:rPr lang="zh-CN" altLang="en-US" dirty="0"/>
               <a:t>绘制双纵轴图形</a:t>
             </a:r>
-            <a:endParaRPr lang="zh-CN" altLang="en-US" dirty="0"/>
           </a:p>
         </p:txBody>
       </p:sp>
@@ -11428,7 +11273,7 @@
           <a:p>
             <a:pPr algn="ctr"/>
             <a:r>
-              <a:rPr lang="zh-CN" altLang="en-US" sz="2000" dirty="0" smtClean="0">
+              <a:rPr lang="zh-CN" altLang="en-US" sz="2000" dirty="0">
                 <a:solidFill>
                   <a:schemeClr val="accent5">
                     <a:lumMod val="75000"/>
@@ -11439,15 +11284,6 @@
               </a:rPr>
               <a:t>代码</a:t>
             </a:r>
-            <a:endParaRPr lang="zh-CN" altLang="en-US" sz="2000" dirty="0">
-              <a:solidFill>
-                <a:schemeClr val="accent5">
-                  <a:lumMod val="75000"/>
-                </a:schemeClr>
-              </a:solidFill>
-              <a:latin typeface="幼圆" panose="02010509060101010101" pitchFamily="49" charset="-122"/>
-              <a:ea typeface="幼圆" panose="02010509060101010101" pitchFamily="49" charset="-122"/>
-            </a:endParaRPr>
           </a:p>
         </p:txBody>
       </p:sp>
@@ -11475,7 +11311,7 @@
           <a:p>
             <a:pPr algn="ctr"/>
             <a:r>
-              <a:rPr lang="zh-CN" altLang="en-US" sz="2000" dirty="0" smtClean="0">
+              <a:rPr lang="zh-CN" altLang="en-US" sz="2000" dirty="0">
                 <a:solidFill>
                   <a:schemeClr val="accent5">
                     <a:lumMod val="75000"/>
@@ -11486,15 +11322,6 @@
               </a:rPr>
               <a:t>输出</a:t>
             </a:r>
-            <a:endParaRPr lang="zh-CN" altLang="en-US" sz="2000" dirty="0">
-              <a:solidFill>
-                <a:schemeClr val="accent5">
-                  <a:lumMod val="75000"/>
-                </a:schemeClr>
-              </a:solidFill>
-              <a:latin typeface="幼圆" panose="02010509060101010101" pitchFamily="49" charset="-122"/>
-              <a:ea typeface="幼圆" panose="02010509060101010101" pitchFamily="49" charset="-122"/>
-            </a:endParaRPr>
           </a:p>
         </p:txBody>
       </p:sp>
@@ -11522,7 +11349,7 @@
           <a:p>
             <a:pPr algn="just"/>
             <a:r>
-              <a:rPr lang="zh-CN" altLang="en-US" sz="1600" dirty="0" smtClean="0">
+              <a:rPr lang="zh-CN" altLang="en-US" sz="1600" dirty="0">
                 <a:solidFill>
                   <a:srgbClr val="FF0000"/>
                 </a:solidFill>
@@ -11532,7 +11359,7 @@
               <a:t>多次调用</a:t>
             </a:r>
             <a:r>
-              <a:rPr lang="en-US" altLang="zh-CN" sz="1600" dirty="0" smtClean="0">
+              <a:rPr lang="en-US" altLang="zh-CN" sz="1600" dirty="0">
                 <a:solidFill>
                   <a:srgbClr val="FF0000"/>
                 </a:solidFill>
@@ -11542,7 +11369,7 @@
               <a:t>plot()</a:t>
             </a:r>
             <a:r>
-              <a:rPr lang="zh-CN" altLang="en-US" sz="1600" dirty="0" smtClean="0">
+              <a:rPr lang="zh-CN" altLang="en-US" sz="1600" dirty="0">
                 <a:solidFill>
                   <a:srgbClr val="FF0000"/>
                 </a:solidFill>
@@ -11552,7 +11379,7 @@
               <a:t>可以绘制多个图形；</a:t>
             </a:r>
             <a:r>
-              <a:rPr lang="en-US" altLang="zh-CN" sz="1600" dirty="0" err="1" smtClean="0">
+              <a:rPr lang="en-US" altLang="zh-CN" sz="1600" dirty="0" err="1">
                 <a:solidFill>
                   <a:srgbClr val="FF0000"/>
                 </a:solidFill>
@@ -11562,7 +11389,7 @@
               <a:t>plotyy</a:t>
             </a:r>
             <a:r>
-              <a:rPr lang="en-US" altLang="zh-CN" sz="1600" dirty="0" smtClean="0">
+              <a:rPr lang="en-US" altLang="zh-CN" sz="1600" dirty="0">
                 <a:solidFill>
                   <a:srgbClr val="FF0000"/>
                 </a:solidFill>
@@ -11572,7 +11399,7 @@
               <a:t>()</a:t>
             </a:r>
             <a:r>
-              <a:rPr lang="zh-CN" altLang="en-US" sz="1600" dirty="0" smtClean="0">
+              <a:rPr lang="zh-CN" altLang="en-US" sz="1600" dirty="0">
                 <a:solidFill>
                   <a:srgbClr val="FF0000"/>
                 </a:solidFill>
@@ -11582,7 +11409,7 @@
               <a:t>仅用于多个图形</a:t>
             </a:r>
             <a:r>
-              <a:rPr lang="en-US" altLang="zh-CN" sz="1600" dirty="0" smtClean="0">
+              <a:rPr lang="en-US" altLang="zh-CN" sz="1600" dirty="0">
                 <a:solidFill>
                   <a:srgbClr val="FF0000"/>
                 </a:solidFill>
@@ -11592,7 +11419,7 @@
               <a:t>Y</a:t>
             </a:r>
             <a:r>
-              <a:rPr lang="zh-CN" altLang="en-US" sz="1600" dirty="0" smtClean="0">
+              <a:rPr lang="zh-CN" altLang="en-US" sz="1600" dirty="0">
                 <a:solidFill>
                   <a:srgbClr val="FF0000"/>
                 </a:solidFill>
@@ -11601,13 +11428,6 @@
               </a:rPr>
               <a:t>轴范围不同的情况</a:t>
             </a:r>
-            <a:endParaRPr lang="zh-CN" altLang="en-US" sz="1600" dirty="0">
-              <a:solidFill>
-                <a:srgbClr val="FF0000"/>
-              </a:solidFill>
-              <a:latin typeface="幼圆" panose="02010509060101010101" pitchFamily="49" charset="-122"/>
-              <a:ea typeface="幼圆" panose="02010509060101010101" pitchFamily="49" charset="-122"/>
-            </a:endParaRPr>
           </a:p>
         </p:txBody>
       </p:sp>
@@ -11621,13 +11441,6 @@
   <p:clrMapOvr>
     <a:masterClrMapping/>
   </p:clrMapOvr>
-  <p:timing>
-    <p:tnLst>
-      <p:par>
-        <p:cTn id="1" dur="indefinite" restart="never" nodeType="tmRoot"/>
-      </p:par>
-    </p:tnLst>
-  </p:timing>
 </p:sld>
 </file>
 
@@ -11664,17 +11477,16 @@
           <a:lstStyle/>
           <a:p>
             <a:r>
-              <a:rPr lang="zh-CN" altLang="en-US" dirty="0" smtClean="0"/>
+              <a:rPr lang="zh-CN" altLang="en-US" dirty="0"/>
               <a:t>三维</a:t>
             </a:r>
-            <a:endParaRPr lang="en-US" altLang="zh-CN" dirty="0" smtClean="0"/>
-          </a:p>
-          <a:p>
-            <a:r>
-              <a:rPr lang="zh-CN" altLang="en-US" dirty="0" smtClean="0"/>
+            <a:endParaRPr lang="en-US" altLang="zh-CN" dirty="0"/>
+          </a:p>
+          <a:p>
+            <a:r>
+              <a:rPr lang="zh-CN" altLang="en-US" dirty="0"/>
               <a:t>绘图函数</a:t>
             </a:r>
-            <a:endParaRPr lang="zh-CN" altLang="en-US" dirty="0"/>
           </a:p>
         </p:txBody>
       </p:sp>
@@ -11694,26 +11506,25 @@
           <a:lstStyle/>
           <a:p>
             <a:r>
-              <a:rPr lang="zh-CN" altLang="en-US" dirty="0" smtClean="0"/>
+              <a:rPr lang="zh-CN" altLang="en-US" dirty="0"/>
               <a:t>利用</a:t>
             </a:r>
             <a:r>
-              <a:rPr lang="en-US" altLang="zh-CN" dirty="0" smtClean="0"/>
+              <a:rPr lang="en-US" altLang="zh-CN" dirty="0"/>
               <a:t>plot3()</a:t>
             </a:r>
             <a:r>
-              <a:rPr lang="zh-CN" altLang="en-US" dirty="0" smtClean="0"/>
+              <a:rPr lang="zh-CN" altLang="en-US" dirty="0"/>
               <a:t>绘制三维曲线、</a:t>
             </a:r>
             <a:r>
-              <a:rPr lang="en-US" altLang="zh-CN" dirty="0" smtClean="0"/>
+              <a:rPr lang="en-US" altLang="zh-CN" dirty="0"/>
               <a:t>surf()</a:t>
             </a:r>
             <a:r>
-              <a:rPr lang="zh-CN" altLang="en-US" dirty="0" smtClean="0"/>
+              <a:rPr lang="zh-CN" altLang="en-US" dirty="0"/>
               <a:t>绘制三维曲面</a:t>
             </a:r>
-            <a:endParaRPr lang="zh-CN" altLang="en-US" dirty="0"/>
           </a:p>
         </p:txBody>
       </p:sp>
@@ -11828,7 +11639,7 @@
           <a:p>
             <a:pPr algn="ctr"/>
             <a:r>
-              <a:rPr lang="zh-CN" altLang="en-US" sz="2000" dirty="0" smtClean="0">
+              <a:rPr lang="zh-CN" altLang="en-US" sz="2000" dirty="0">
                 <a:solidFill>
                   <a:schemeClr val="accent5">
                     <a:lumMod val="75000"/>
@@ -11839,15 +11650,6 @@
               </a:rPr>
               <a:t>代码</a:t>
             </a:r>
-            <a:endParaRPr lang="zh-CN" altLang="en-US" sz="2000" dirty="0">
-              <a:solidFill>
-                <a:schemeClr val="accent5">
-                  <a:lumMod val="75000"/>
-                </a:schemeClr>
-              </a:solidFill>
-              <a:latin typeface="幼圆" panose="02010509060101010101" pitchFamily="49" charset="-122"/>
-              <a:ea typeface="幼圆" panose="02010509060101010101" pitchFamily="49" charset="-122"/>
-            </a:endParaRPr>
           </a:p>
         </p:txBody>
       </p:sp>
@@ -11875,7 +11677,7 @@
           <a:p>
             <a:pPr algn="ctr"/>
             <a:r>
-              <a:rPr lang="zh-CN" altLang="en-US" sz="2000" dirty="0" smtClean="0">
+              <a:rPr lang="zh-CN" altLang="en-US" sz="2000" dirty="0">
                 <a:solidFill>
                   <a:schemeClr val="accent5">
                     <a:lumMod val="75000"/>
@@ -11886,15 +11688,6 @@
               </a:rPr>
               <a:t>输出</a:t>
             </a:r>
-            <a:endParaRPr lang="zh-CN" altLang="en-US" sz="2000" dirty="0">
-              <a:solidFill>
-                <a:schemeClr val="accent5">
-                  <a:lumMod val="75000"/>
-                </a:schemeClr>
-              </a:solidFill>
-              <a:latin typeface="幼圆" panose="02010509060101010101" pitchFamily="49" charset="-122"/>
-              <a:ea typeface="幼圆" panose="02010509060101010101" pitchFamily="49" charset="-122"/>
-            </a:endParaRPr>
           </a:p>
         </p:txBody>
       </p:sp>
@@ -11922,7 +11715,7 @@
           <a:p>
             <a:pPr algn="ctr"/>
             <a:r>
-              <a:rPr lang="zh-CN" altLang="en-US" sz="2000" dirty="0" smtClean="0">
+              <a:rPr lang="zh-CN" altLang="en-US" sz="2000" dirty="0">
                 <a:solidFill>
                   <a:schemeClr val="accent5">
                     <a:lumMod val="75000"/>
@@ -11933,15 +11726,6 @@
               </a:rPr>
               <a:t>代码</a:t>
             </a:r>
-            <a:endParaRPr lang="zh-CN" altLang="en-US" sz="2000" dirty="0">
-              <a:solidFill>
-                <a:schemeClr val="accent5">
-                  <a:lumMod val="75000"/>
-                </a:schemeClr>
-              </a:solidFill>
-              <a:latin typeface="幼圆" panose="02010509060101010101" pitchFamily="49" charset="-122"/>
-              <a:ea typeface="幼圆" panose="02010509060101010101" pitchFamily="49" charset="-122"/>
-            </a:endParaRPr>
           </a:p>
         </p:txBody>
       </p:sp>
@@ -11969,7 +11753,7 @@
           <a:p>
             <a:pPr algn="ctr"/>
             <a:r>
-              <a:rPr lang="zh-CN" altLang="en-US" sz="2000" dirty="0" smtClean="0">
+              <a:rPr lang="zh-CN" altLang="en-US" sz="2000" dirty="0">
                 <a:solidFill>
                   <a:schemeClr val="accent5">
                     <a:lumMod val="75000"/>
@@ -11980,15 +11764,6 @@
               </a:rPr>
               <a:t>输出</a:t>
             </a:r>
-            <a:endParaRPr lang="zh-CN" altLang="en-US" sz="2000" dirty="0">
-              <a:solidFill>
-                <a:schemeClr val="accent5">
-                  <a:lumMod val="75000"/>
-                </a:schemeClr>
-              </a:solidFill>
-              <a:latin typeface="幼圆" panose="02010509060101010101" pitchFamily="49" charset="-122"/>
-              <a:ea typeface="幼圆" panose="02010509060101010101" pitchFamily="49" charset="-122"/>
-            </a:endParaRPr>
           </a:p>
         </p:txBody>
       </p:sp>
@@ -12031,13 +11806,6 @@
   <p:clrMapOvr>
     <a:masterClrMapping/>
   </p:clrMapOvr>
-  <p:timing>
-    <p:tnLst>
-      <p:par>
-        <p:cTn id="1" dur="indefinite" restart="never" nodeType="tmRoot"/>
-      </p:par>
-    </p:tnLst>
-  </p:timing>
 </p:sld>
 </file>
 
@@ -12074,17 +11842,16 @@
           <a:lstStyle/>
           <a:p>
             <a:r>
-              <a:rPr lang="zh-CN" altLang="en-US" dirty="0" smtClean="0"/>
-              <a:t>统计</a:t>
-            </a:r>
-            <a:endParaRPr lang="en-US" altLang="zh-CN" dirty="0" smtClean="0"/>
-          </a:p>
-          <a:p>
-            <a:r>
-              <a:rPr lang="zh-CN" altLang="en-US" dirty="0" smtClean="0"/>
+              <a:rPr lang="zh-CN" altLang="en-US" dirty="0"/>
+              <a:t>极坐标</a:t>
+            </a:r>
+            <a:endParaRPr lang="en-US" altLang="zh-CN" dirty="0"/>
+          </a:p>
+          <a:p>
+            <a:r>
+              <a:rPr lang="zh-CN" altLang="en-US" dirty="0"/>
               <a:t>绘图函数</a:t>
             </a:r>
-            <a:endParaRPr lang="zh-CN" altLang="en-US" dirty="0"/>
           </a:p>
         </p:txBody>
       </p:sp>
@@ -12104,96 +11871,33 @@
           <a:lstStyle/>
           <a:p>
             <a:r>
-              <a:rPr lang="zh-CN" altLang="en-US" dirty="0" smtClean="0"/>
+              <a:rPr lang="zh-CN" altLang="en-US" dirty="0"/>
               <a:t>利用</a:t>
             </a:r>
             <a:r>
-              <a:rPr lang="en-US" altLang="zh-CN" dirty="0" smtClean="0"/>
-              <a:t>bar()</a:t>
-            </a:r>
-            <a:r>
-              <a:rPr lang="zh-CN" altLang="en-US" dirty="0" smtClean="0"/>
-              <a:t>绘制直方图、</a:t>
-            </a:r>
-            <a:r>
-              <a:rPr lang="en-US" altLang="zh-CN" dirty="0" smtClean="0"/>
-              <a:t>bar3()</a:t>
-            </a:r>
-            <a:r>
-              <a:rPr lang="zh-CN" altLang="en-US" dirty="0" smtClean="0"/>
-              <a:t>绘制三维直方图</a:t>
-            </a:r>
-            <a:endParaRPr lang="zh-CN" altLang="en-US" dirty="0"/>
-          </a:p>
-        </p:txBody>
-      </p:sp>
-      <p:pic>
-        <p:nvPicPr>
-          <p:cNvPr id="4" name="图片 3"/>
-          <p:cNvPicPr>
-            <a:picLocks noChangeAspect="1"/>
-          </p:cNvPicPr>
-          <p:nvPr/>
-        </p:nvPicPr>
-        <p:blipFill>
-          <a:blip r:embed="rId2"/>
-          <a:stretch>
-            <a:fillRect/>
-          </a:stretch>
-        </p:blipFill>
-        <p:spPr>
-          <a:xfrm>
-            <a:off x="2137483" y="1485900"/>
-            <a:ext cx="1568531" cy="552478"/>
-          </a:xfrm>
-          <a:prstGeom prst="rect">
-            <a:avLst/>
-          </a:prstGeom>
-          <a:ln>
-            <a:solidFill>
-              <a:schemeClr val="tx1"/>
-            </a:solidFill>
-          </a:ln>
-        </p:spPr>
-      </p:pic>
-      <p:pic>
-        <p:nvPicPr>
-          <p:cNvPr id="5" name="图片 4"/>
-          <p:cNvPicPr>
-            <a:picLocks noChangeAspect="1"/>
-          </p:cNvPicPr>
-          <p:nvPr/>
-        </p:nvPicPr>
-        <p:blipFill>
-          <a:blip r:embed="rId3"/>
-          <a:stretch>
-            <a:fillRect/>
-          </a:stretch>
-        </p:blipFill>
-        <p:spPr>
-          <a:xfrm>
-            <a:off x="2160843" y="3077107"/>
-            <a:ext cx="3233280" cy="2880000"/>
-          </a:xfrm>
-          <a:prstGeom prst="rect">
-            <a:avLst/>
-          </a:prstGeom>
-          <a:ln>
-            <a:solidFill>
-              <a:schemeClr val="tx1"/>
-            </a:solidFill>
-          </a:ln>
-        </p:spPr>
-      </p:pic>
-      <p:sp>
-        <p:nvSpPr>
-          <p:cNvPr id="8" name="文本框 7"/>
+              <a:rPr lang="en-US" altLang="zh-CN" dirty="0" err="1"/>
+              <a:t>polarplot</a:t>
+            </a:r>
+            <a:r>
+              <a:rPr lang="en-US" altLang="zh-CN" dirty="0"/>
+              <a:t>()</a:t>
+            </a:r>
+            <a:r>
+              <a:rPr lang="zh-CN" altLang="en-US" dirty="0"/>
+              <a:t>绘制极坐标图</a:t>
+            </a:r>
+          </a:p>
+        </p:txBody>
+      </p:sp>
+      <p:sp>
+        <p:nvSpPr>
+          <p:cNvPr id="9" name="文本框 8"/>
           <p:cNvSpPr txBox="1"/>
           <p:nvPr/>
         </p:nvSpPr>
         <p:spPr>
           <a:xfrm>
-            <a:off x="1987088" y="1001713"/>
+            <a:off x="3503461" y="1001713"/>
             <a:ext cx="762000" cy="400110"/>
           </a:xfrm>
           <a:prstGeom prst="rect">
@@ -12209,7 +11913,7 @@
           <a:p>
             <a:pPr algn="ctr"/>
             <a:r>
-              <a:rPr lang="zh-CN" altLang="en-US" sz="2000" dirty="0" smtClean="0">
+              <a:rPr lang="zh-CN" altLang="en-US" sz="2000" dirty="0">
                 <a:solidFill>
                   <a:schemeClr val="accent5">
                     <a:lumMod val="75000"/>
@@ -12220,27 +11924,18 @@
               </a:rPr>
               <a:t>代码</a:t>
             </a:r>
-            <a:endParaRPr lang="zh-CN" altLang="en-US" sz="2000" dirty="0">
-              <a:solidFill>
-                <a:schemeClr val="accent5">
-                  <a:lumMod val="75000"/>
-                </a:schemeClr>
-              </a:solidFill>
-              <a:latin typeface="幼圆" panose="02010509060101010101" pitchFamily="49" charset="-122"/>
-              <a:ea typeface="幼圆" panose="02010509060101010101" pitchFamily="49" charset="-122"/>
-            </a:endParaRPr>
-          </a:p>
-        </p:txBody>
-      </p:sp>
-      <p:sp>
-        <p:nvSpPr>
-          <p:cNvPr id="9" name="文本框 8"/>
+          </a:p>
+        </p:txBody>
+      </p:sp>
+      <p:sp>
+        <p:nvSpPr>
+          <p:cNvPr id="10" name="文本框 9"/>
           <p:cNvSpPr txBox="1"/>
           <p:nvPr/>
         </p:nvSpPr>
         <p:spPr>
           <a:xfrm>
-            <a:off x="1987088" y="2534380"/>
+            <a:off x="3503461" y="2984440"/>
             <a:ext cx="762000" cy="400110"/>
           </a:xfrm>
           <a:prstGeom prst="rect">
@@ -12256,7 +11951,7 @@
           <a:p>
             <a:pPr algn="ctr"/>
             <a:r>
-              <a:rPr lang="zh-CN" altLang="en-US" sz="2000" dirty="0" smtClean="0">
+              <a:rPr lang="zh-CN" altLang="en-US" sz="2000" dirty="0">
                 <a:solidFill>
                   <a:schemeClr val="accent5">
                     <a:lumMod val="75000"/>
@@ -12267,130 +11962,33 @@
               </a:rPr>
               <a:t>输出</a:t>
             </a:r>
-            <a:endParaRPr lang="zh-CN" altLang="en-US" sz="2000" dirty="0">
-              <a:solidFill>
-                <a:schemeClr val="accent5">
-                  <a:lumMod val="75000"/>
-                </a:schemeClr>
-              </a:solidFill>
-              <a:latin typeface="幼圆" panose="02010509060101010101" pitchFamily="49" charset="-122"/>
-              <a:ea typeface="幼圆" panose="02010509060101010101" pitchFamily="49" charset="-122"/>
-            </a:endParaRPr>
-          </a:p>
-        </p:txBody>
-      </p:sp>
-      <p:sp>
-        <p:nvSpPr>
-          <p:cNvPr id="10" name="文本框 9"/>
-          <p:cNvSpPr txBox="1"/>
-          <p:nvPr/>
-        </p:nvSpPr>
-        <p:spPr>
-          <a:xfrm>
-            <a:off x="5606626" y="1001713"/>
-            <a:ext cx="762000" cy="400110"/>
-          </a:xfrm>
-          <a:prstGeom prst="rect">
-            <a:avLst/>
-          </a:prstGeom>
-          <a:noFill/>
-        </p:spPr>
-        <p:txBody>
-          <a:bodyPr wrap="square" rtlCol="0" anchor="ctr">
-            <a:spAutoFit/>
-          </a:bodyPr>
-          <a:lstStyle/>
-          <a:p>
-            <a:pPr algn="ctr"/>
-            <a:r>
-              <a:rPr lang="zh-CN" altLang="en-US" sz="2000" dirty="0" smtClean="0">
-                <a:solidFill>
-                  <a:schemeClr val="accent5">
-                    <a:lumMod val="75000"/>
-                  </a:schemeClr>
-                </a:solidFill>
-                <a:latin typeface="幼圆" panose="02010509060101010101" pitchFamily="49" charset="-122"/>
-                <a:ea typeface="幼圆" panose="02010509060101010101" pitchFamily="49" charset="-122"/>
-              </a:rPr>
-              <a:t>代码</a:t>
-            </a:r>
-            <a:endParaRPr lang="zh-CN" altLang="en-US" sz="2000" dirty="0">
-              <a:solidFill>
-                <a:schemeClr val="accent5">
-                  <a:lumMod val="75000"/>
-                </a:schemeClr>
-              </a:solidFill>
-              <a:latin typeface="幼圆" panose="02010509060101010101" pitchFamily="49" charset="-122"/>
-              <a:ea typeface="幼圆" panose="02010509060101010101" pitchFamily="49" charset="-122"/>
-            </a:endParaRPr>
-          </a:p>
-        </p:txBody>
-      </p:sp>
-      <p:sp>
-        <p:nvSpPr>
-          <p:cNvPr id="11" name="文本框 10"/>
-          <p:cNvSpPr txBox="1"/>
-          <p:nvPr/>
-        </p:nvSpPr>
-        <p:spPr>
-          <a:xfrm>
-            <a:off x="5606626" y="2534380"/>
-            <a:ext cx="762000" cy="400110"/>
-          </a:xfrm>
-          <a:prstGeom prst="rect">
-            <a:avLst/>
-          </a:prstGeom>
-          <a:noFill/>
-        </p:spPr>
-        <p:txBody>
-          <a:bodyPr wrap="square" rtlCol="0" anchor="ctr">
-            <a:spAutoFit/>
-          </a:bodyPr>
-          <a:lstStyle/>
-          <a:p>
-            <a:pPr algn="ctr"/>
-            <a:r>
-              <a:rPr lang="zh-CN" altLang="en-US" sz="2000" dirty="0" smtClean="0">
-                <a:solidFill>
-                  <a:schemeClr val="accent5">
-                    <a:lumMod val="75000"/>
-                  </a:schemeClr>
-                </a:solidFill>
-                <a:latin typeface="幼圆" panose="02010509060101010101" pitchFamily="49" charset="-122"/>
-                <a:ea typeface="幼圆" panose="02010509060101010101" pitchFamily="49" charset="-122"/>
-              </a:rPr>
-              <a:t>输出</a:t>
-            </a:r>
-            <a:endParaRPr lang="zh-CN" altLang="en-US" sz="2000" dirty="0">
-              <a:solidFill>
-                <a:schemeClr val="accent5">
-                  <a:lumMod val="75000"/>
-                </a:schemeClr>
-              </a:solidFill>
-              <a:latin typeface="幼圆" panose="02010509060101010101" pitchFamily="49" charset="-122"/>
-              <a:ea typeface="幼圆" panose="02010509060101010101" pitchFamily="49" charset="-122"/>
-            </a:endParaRPr>
           </a:p>
         </p:txBody>
       </p:sp>
       <p:pic>
         <p:nvPicPr>
-          <p:cNvPr id="12" name="图片 11"/>
+          <p:cNvPr id="6" name="图片 5">
+            <a:extLst>
+              <a:ext uri="{FF2B5EF4-FFF2-40B4-BE49-F238E27FC236}">
+                <a16:creationId xmlns:a16="http://schemas.microsoft.com/office/drawing/2014/main" id="{2DC6CA41-A214-44B9-91F9-1FB43F4301A9}"/>
+              </a:ext>
+            </a:extLst>
+          </p:cNvPr>
           <p:cNvPicPr>
             <a:picLocks noChangeAspect="1"/>
           </p:cNvPicPr>
           <p:nvPr/>
         </p:nvPicPr>
         <p:blipFill>
-          <a:blip r:embed="rId4"/>
+          <a:blip r:embed="rId2"/>
           <a:stretch>
             <a:fillRect/>
           </a:stretch>
         </p:blipFill>
         <p:spPr>
           <a:xfrm>
-            <a:off x="5762630" y="3077107"/>
-            <a:ext cx="3233280" cy="2880000"/>
+            <a:off x="3668256" y="3473451"/>
+            <a:ext cx="3300695" cy="2940049"/>
           </a:xfrm>
           <a:prstGeom prst="rect">
             <a:avLst/>
@@ -12404,22 +12002,28 @@
       </p:pic>
       <p:pic>
         <p:nvPicPr>
-          <p:cNvPr id="13" name="图片 12"/>
+          <p:cNvPr id="7" name="图片 6">
+            <a:extLst>
+              <a:ext uri="{FF2B5EF4-FFF2-40B4-BE49-F238E27FC236}">
+                <a16:creationId xmlns:a16="http://schemas.microsoft.com/office/drawing/2014/main" id="{7CEC349E-ACC6-4690-85C9-0186F06D57EE}"/>
+              </a:ext>
+            </a:extLst>
+          </p:cNvPr>
           <p:cNvPicPr>
             <a:picLocks noChangeAspect="1"/>
           </p:cNvPicPr>
           <p:nvPr/>
         </p:nvPicPr>
         <p:blipFill>
-          <a:blip r:embed="rId5"/>
+          <a:blip r:embed="rId3"/>
           <a:stretch>
             <a:fillRect/>
           </a:stretch>
         </p:blipFill>
         <p:spPr>
           <a:xfrm>
-            <a:off x="5762630" y="1484750"/>
-            <a:ext cx="1454225" cy="539778"/>
+            <a:off x="3668256" y="1465965"/>
+            <a:ext cx="3346622" cy="876345"/>
           </a:xfrm>
           <a:prstGeom prst="rect">
             <a:avLst/>
@@ -12434,20 +12038,13 @@
     </p:spTree>
     <p:extLst>
       <p:ext uri="{BB962C8B-B14F-4D97-AF65-F5344CB8AC3E}">
-        <p14:creationId xmlns:p14="http://schemas.microsoft.com/office/powerpoint/2010/main" val="3116295172"/>
+        <p14:creationId xmlns:p14="http://schemas.microsoft.com/office/powerpoint/2010/main" val="3269275472"/>
       </p:ext>
     </p:extLst>
   </p:cSld>
   <p:clrMapOvr>
     <a:masterClrMapping/>
   </p:clrMapOvr>
-  <p:timing>
-    <p:tnLst>
-      <p:par>
-        <p:cTn id="1" dur="indefinite" restart="never" nodeType="tmRoot"/>
-      </p:par>
-    </p:tnLst>
-  </p:timing>
 </p:sld>
 </file>
 
@@ -12507,41 +12104,31 @@
             <p:ph type="body" sz="quarter" idx="11"/>
           </p:nvPr>
         </p:nvSpPr>
-        <p:spPr>
-          <a:xfrm>
-            <a:off x="2137483" y="355600"/>
-            <a:ext cx="6835067" cy="1824892"/>
-          </a:xfrm>
-        </p:spPr>
+        <p:spPr/>
         <p:txBody>
           <a:bodyPr/>
           <a:lstStyle/>
           <a:p>
             <a:r>
-              <a:rPr lang="zh-CN" altLang="en-US" dirty="0" smtClean="0"/>
+              <a:rPr lang="zh-CN" altLang="en-US" dirty="0"/>
               <a:t>利用</a:t>
             </a:r>
             <a:r>
-              <a:rPr lang="en-US" altLang="zh-CN" dirty="0" smtClean="0"/>
-              <a:t>pie()</a:t>
-            </a:r>
-            <a:r>
-              <a:rPr lang="zh-CN" altLang="en-US" dirty="0" smtClean="0"/>
-              <a:t>绘制饼图、</a:t>
-            </a:r>
-            <a:r>
-              <a:rPr lang="en-US" altLang="zh-CN" dirty="0" smtClean="0"/>
-              <a:t>boxplot()</a:t>
+              <a:rPr lang="en-US" altLang="zh-CN" dirty="0"/>
+              <a:t>bar()</a:t>
             </a:r>
             <a:r>
               <a:rPr lang="zh-CN" altLang="en-US" dirty="0"/>
-              <a:t>绘制盒</a:t>
-            </a:r>
-            <a:r>
-              <a:rPr lang="zh-CN" altLang="en-US" dirty="0" smtClean="0"/>
-              <a:t>图</a:t>
-            </a:r>
-            <a:endParaRPr lang="zh-CN" altLang="en-US" dirty="0"/>
+              <a:t>绘制直方图、</a:t>
+            </a:r>
+            <a:r>
+              <a:rPr lang="en-US" altLang="zh-CN" dirty="0"/>
+              <a:t>bar3()</a:t>
+            </a:r>
+            <a:r>
+              <a:rPr lang="zh-CN" altLang="en-US" dirty="0"/>
+              <a:t>绘制三维直方图</a:t>
+            </a:r>
           </a:p>
         </p:txBody>
       </p:sp>
@@ -12561,8 +12148,8 @@
         </p:blipFill>
         <p:spPr>
           <a:xfrm>
-            <a:off x="2136506" y="3077107"/>
-            <a:ext cx="3233280" cy="2880000"/>
+            <a:off x="2137483" y="1485900"/>
+            <a:ext cx="1568531" cy="552478"/>
           </a:xfrm>
           <a:prstGeom prst="rect">
             <a:avLst/>
@@ -12590,8 +12177,8 @@
         </p:blipFill>
         <p:spPr>
           <a:xfrm>
-            <a:off x="2132449" y="1485900"/>
-            <a:ext cx="1606633" cy="552478"/>
+            <a:off x="2160843" y="3077107"/>
+            <a:ext cx="3233280" cy="2880000"/>
           </a:xfrm>
           <a:prstGeom prst="rect">
             <a:avLst/>
@@ -12605,13 +12192,13 @@
       </p:pic>
       <p:sp>
         <p:nvSpPr>
-          <p:cNvPr id="6" name="文本框 5"/>
+          <p:cNvPr id="8" name="文本框 7"/>
           <p:cNvSpPr txBox="1"/>
           <p:nvPr/>
         </p:nvSpPr>
         <p:spPr>
           <a:xfrm>
-            <a:off x="1991574" y="1001713"/>
+            <a:off x="1987088" y="1001713"/>
             <a:ext cx="762000" cy="400110"/>
           </a:xfrm>
           <a:prstGeom prst="rect">
@@ -12627,7 +12214,7 @@
           <a:p>
             <a:pPr algn="ctr"/>
             <a:r>
-              <a:rPr lang="zh-CN" altLang="en-US" sz="2000" dirty="0" smtClean="0">
+              <a:rPr lang="zh-CN" altLang="en-US" sz="2000" dirty="0">
                 <a:solidFill>
                   <a:schemeClr val="accent5">
                     <a:lumMod val="75000"/>
@@ -12638,27 +12225,18 @@
               </a:rPr>
               <a:t>代码</a:t>
             </a:r>
-            <a:endParaRPr lang="zh-CN" altLang="en-US" sz="2000" dirty="0">
-              <a:solidFill>
-                <a:schemeClr val="accent5">
-                  <a:lumMod val="75000"/>
-                </a:schemeClr>
-              </a:solidFill>
-              <a:latin typeface="幼圆" panose="02010509060101010101" pitchFamily="49" charset="-122"/>
-              <a:ea typeface="幼圆" panose="02010509060101010101" pitchFamily="49" charset="-122"/>
-            </a:endParaRPr>
-          </a:p>
-        </p:txBody>
-      </p:sp>
-      <p:sp>
-        <p:nvSpPr>
-          <p:cNvPr id="7" name="文本框 6"/>
+          </a:p>
+        </p:txBody>
+      </p:sp>
+      <p:sp>
+        <p:nvSpPr>
+          <p:cNvPr id="9" name="文本框 8"/>
           <p:cNvSpPr txBox="1"/>
           <p:nvPr/>
         </p:nvSpPr>
         <p:spPr>
           <a:xfrm>
-            <a:off x="1991574" y="2534380"/>
+            <a:off x="1987088" y="2534380"/>
             <a:ext cx="762000" cy="400110"/>
           </a:xfrm>
           <a:prstGeom prst="rect">
@@ -12674,7 +12252,7 @@
           <a:p>
             <a:pPr algn="ctr"/>
             <a:r>
-              <a:rPr lang="zh-CN" altLang="en-US" sz="2000" dirty="0" smtClean="0">
+              <a:rPr lang="zh-CN" altLang="en-US" sz="2000" dirty="0">
                 <a:solidFill>
                   <a:schemeClr val="accent5">
                     <a:lumMod val="75000"/>
@@ -12685,50 +12263,12 @@
               </a:rPr>
               <a:t>输出</a:t>
             </a:r>
-            <a:endParaRPr lang="zh-CN" altLang="en-US" sz="2000" dirty="0">
-              <a:solidFill>
-                <a:schemeClr val="accent5">
-                  <a:lumMod val="75000"/>
-                </a:schemeClr>
-              </a:solidFill>
-              <a:latin typeface="幼圆" panose="02010509060101010101" pitchFamily="49" charset="-122"/>
-              <a:ea typeface="幼圆" panose="02010509060101010101" pitchFamily="49" charset="-122"/>
-            </a:endParaRPr>
-          </a:p>
-        </p:txBody>
-      </p:sp>
-      <p:pic>
-        <p:nvPicPr>
-          <p:cNvPr id="8" name="图片 7"/>
-          <p:cNvPicPr>
-            <a:picLocks noChangeAspect="1"/>
-          </p:cNvPicPr>
-          <p:nvPr/>
-        </p:nvPicPr>
-        <p:blipFill>
-          <a:blip r:embed="rId4"/>
-          <a:stretch>
-            <a:fillRect/>
-          </a:stretch>
-        </p:blipFill>
-        <p:spPr>
-          <a:xfrm>
-            <a:off x="5746470" y="3077107"/>
-            <a:ext cx="3233280" cy="2880000"/>
-          </a:xfrm>
-          <a:prstGeom prst="rect">
-            <a:avLst/>
-          </a:prstGeom>
-          <a:ln>
-            <a:solidFill>
-              <a:schemeClr val="tx1"/>
-            </a:solidFill>
-          </a:ln>
-        </p:spPr>
-      </p:pic>
-      <p:sp>
-        <p:nvSpPr>
-          <p:cNvPr id="9" name="文本框 8"/>
+          </a:p>
+        </p:txBody>
+      </p:sp>
+      <p:sp>
+        <p:nvSpPr>
+          <p:cNvPr id="10" name="文本框 9"/>
           <p:cNvSpPr txBox="1"/>
           <p:nvPr/>
         </p:nvSpPr>
@@ -12750,7 +12290,7 @@
           <a:p>
             <a:pPr algn="ctr"/>
             <a:r>
-              <a:rPr lang="zh-CN" altLang="en-US" sz="2000" dirty="0" smtClean="0">
+              <a:rPr lang="zh-CN" altLang="en-US" sz="2000" dirty="0">
                 <a:solidFill>
                   <a:schemeClr val="accent5">
                     <a:lumMod val="75000"/>
@@ -12761,21 +12301,12 @@
               </a:rPr>
               <a:t>代码</a:t>
             </a:r>
-            <a:endParaRPr lang="zh-CN" altLang="en-US" sz="2000" dirty="0">
-              <a:solidFill>
-                <a:schemeClr val="accent5">
-                  <a:lumMod val="75000"/>
-                </a:schemeClr>
-              </a:solidFill>
-              <a:latin typeface="幼圆" panose="02010509060101010101" pitchFamily="49" charset="-122"/>
-              <a:ea typeface="幼圆" panose="02010509060101010101" pitchFamily="49" charset="-122"/>
-            </a:endParaRPr>
-          </a:p>
-        </p:txBody>
-      </p:sp>
-      <p:sp>
-        <p:nvSpPr>
-          <p:cNvPr id="10" name="文本框 9"/>
+          </a:p>
+        </p:txBody>
+      </p:sp>
+      <p:sp>
+        <p:nvSpPr>
+          <p:cNvPr id="11" name="文本框 10"/>
           <p:cNvSpPr txBox="1"/>
           <p:nvPr/>
         </p:nvSpPr>
@@ -12797,7 +12328,7 @@
           <a:p>
             <a:pPr algn="ctr"/>
             <a:r>
-              <a:rPr lang="zh-CN" altLang="en-US" sz="2000" dirty="0" smtClean="0">
+              <a:rPr lang="zh-CN" altLang="en-US" sz="2000" dirty="0">
                 <a:solidFill>
                   <a:schemeClr val="accent5">
                     <a:lumMod val="75000"/>
@@ -12808,21 +12339,41 @@
               </a:rPr>
               <a:t>输出</a:t>
             </a:r>
-            <a:endParaRPr lang="zh-CN" altLang="en-US" sz="2000" dirty="0">
-              <a:solidFill>
-                <a:schemeClr val="accent5">
-                  <a:lumMod val="75000"/>
-                </a:schemeClr>
-              </a:solidFill>
-              <a:latin typeface="幼圆" panose="02010509060101010101" pitchFamily="49" charset="-122"/>
-              <a:ea typeface="幼圆" panose="02010509060101010101" pitchFamily="49" charset="-122"/>
-            </a:endParaRPr>
           </a:p>
         </p:txBody>
       </p:sp>
       <p:pic>
         <p:nvPicPr>
-          <p:cNvPr id="11" name="图片 10"/>
+          <p:cNvPr id="12" name="图片 11"/>
+          <p:cNvPicPr>
+            <a:picLocks noChangeAspect="1"/>
+          </p:cNvPicPr>
+          <p:nvPr/>
+        </p:nvPicPr>
+        <p:blipFill>
+          <a:blip r:embed="rId4"/>
+          <a:stretch>
+            <a:fillRect/>
+          </a:stretch>
+        </p:blipFill>
+        <p:spPr>
+          <a:xfrm>
+            <a:off x="5762630" y="3077107"/>
+            <a:ext cx="3233280" cy="2880000"/>
+          </a:xfrm>
+          <a:prstGeom prst="rect">
+            <a:avLst/>
+          </a:prstGeom>
+          <a:ln>
+            <a:solidFill>
+              <a:schemeClr val="tx1"/>
+            </a:solidFill>
+          </a:ln>
+        </p:spPr>
+      </p:pic>
+      <p:pic>
+        <p:nvPicPr>
+          <p:cNvPr id="13" name="图片 12"/>
           <p:cNvPicPr>
             <a:picLocks noChangeAspect="1"/>
           </p:cNvPicPr>
@@ -12836,8 +12387,8 @@
         </p:blipFill>
         <p:spPr>
           <a:xfrm>
-            <a:off x="5746470" y="1488997"/>
-            <a:ext cx="1543129" cy="533427"/>
+            <a:off x="5762630" y="1484750"/>
+            <a:ext cx="1454225" cy="539778"/>
           </a:xfrm>
           <a:prstGeom prst="rect">
             <a:avLst/>
@@ -12852,7 +12403,7 @@
     </p:spTree>
     <p:extLst>
       <p:ext uri="{BB962C8B-B14F-4D97-AF65-F5344CB8AC3E}">
-        <p14:creationId xmlns:p14="http://schemas.microsoft.com/office/powerpoint/2010/main" val="3504389567"/>
+        <p14:creationId xmlns:p14="http://schemas.microsoft.com/office/powerpoint/2010/main" val="3116295172"/>
       </p:ext>
     </p:extLst>
   </p:cSld>
